--- a/06-최종산출물/AWS 구성도 ver 0.1.pptx
+++ b/06-최종산출물/AWS 구성도 ver 0.1.pptx
@@ -2,7 +2,7 @@
 <file path=ppt/presentation.xml><?xml version="1.0" encoding="utf-8"?>
 <p:presentation xmlns:r="http://schemas.openxmlformats.org/officeDocument/2006/relationships" xmlns:c="http://schemas.openxmlformats.org/drawingml/2006/chart" xmlns:a="http://schemas.openxmlformats.org/drawingml/2006/main" xmlns:dgm="http://schemas.openxmlformats.org/drawingml/2006/diagram" xmlns:dsp="http://schemas.microsoft.com/office/drawing/2008/diagram" xmlns:p="http://schemas.openxmlformats.org/presentationml/2006/main">
   <p:sldMasterIdLst>
-    <p:sldMasterId id="2147483718" r:id="rId1"/>
+    <p:sldMasterId id="2147483729" r:id="rId1"/>
   </p:sldMasterIdLst>
   <p:notesMasterIdLst>
     <p:notesMasterId r:id="rId2"/>
@@ -13,10 +13,11 @@
     <p:sldId id="259" r:id="rId5"/>
     <p:sldId id="267" r:id="rId6"/>
     <p:sldId id="270" r:id="rId7"/>
-    <p:sldId id="266" r:id="rId8"/>
-    <p:sldId id="268" r:id="rId9"/>
-    <p:sldId id="269" r:id="rId10"/>
-    <p:sldId id="264" r:id="rId11"/>
+    <p:sldId id="271" r:id="rId8"/>
+    <p:sldId id="264" r:id="rId9"/>
+    <p:sldId id="266" r:id="rId10"/>
+    <p:sldId id="268" r:id="rId11"/>
+    <p:sldId id="269" r:id="rId12"/>
   </p:sldIdLst>
   <p:sldSz cx="12192000" cy="6858000"/>
   <p:notesSz cx="6858000" cy="9144000"/>
@@ -567,10 +568,10 @@
               <a:defRPr/>
             </a:pPr>
             <a:r>
-              <a:rPr lang="ko-KR" altLang="en-US"/>
+              <a:rPr lang="en-US" altLang="ko-KR"/>
               <a:t/>
             </a:r>
-            <a:endParaRPr lang="ko-KR" altLang="en-US"/>
+            <a:endParaRPr lang="en-US" altLang="ko-KR"/>
           </a:p>
         </p:txBody>
       </p:sp>
@@ -3685,6 +3686,1793 @@
         </p:txBody>
       </p:sp>
     </p:spTree>
+  </p:cSld>
+  <p:clrMapOvr>
+    <a:masterClrMapping/>
+  </p:clrMapOvr>
+  <p:transition/>
+</p:sld>
+</file>
+
+<file path=ppt/slides/slide10.xml><?xml version="1.0" encoding="utf-8"?>
+<p:sld xmlns:a="http://schemas.openxmlformats.org/drawingml/2006/main" xmlns:r="http://schemas.openxmlformats.org/officeDocument/2006/relationships" xmlns:p="http://schemas.openxmlformats.org/presentationml/2006/main">
+  <p:cSld>
+    <p:spTree>
+      <p:nvGrpSpPr>
+        <p:cNvPr id="1" name=""/>
+        <p:cNvGrpSpPr/>
+        <p:nvPr/>
+      </p:nvGrpSpPr>
+      <p:grpSpPr>
+        <a:xfrm>
+          <a:off x="0" y="0"/>
+          <a:ext cx="0" cy="0"/>
+          <a:chOff x="0" y="0"/>
+          <a:chExt cx="0" cy="0"/>
+        </a:xfrm>
+      </p:grpSpPr>
+      <p:sp>
+        <p:nvSpPr>
+          <p:cNvPr id="4" name="Rectangle 9"/>
+          <p:cNvSpPr/>
+          <p:nvPr/>
+        </p:nvSpPr>
+        <p:spPr>
+          <a:xfrm>
+            <a:off x="2456294" y="104787"/>
+            <a:ext cx="9630327" cy="6648424"/>
+          </a:xfrm>
+          <a:prstGeom prst="rect">
+            <a:avLst/>
+          </a:prstGeom>
+          <a:noFill/>
+          <a:ln w="12700">
+            <a:solidFill>
+              <a:schemeClr val="tx1"/>
+            </a:solidFill>
+          </a:ln>
+        </p:spPr>
+        <p:style>
+          <a:lnRef idx="2">
+            <a:schemeClr val="accent1">
+              <a:shade val="50000"/>
+            </a:schemeClr>
+          </a:lnRef>
+          <a:fillRef idx="1">
+            <a:schemeClr val="accent1"/>
+          </a:fillRef>
+          <a:effectRef idx="0">
+            <a:schemeClr val="accent1"/>
+          </a:effectRef>
+          <a:fontRef idx="minor">
+            <a:schemeClr val="lt1"/>
+          </a:fontRef>
+        </p:style>
+        <p:txBody>
+          <a:bodyPr lIns="502920" tIns="91440"/>
+          <a:lstStyle/>
+          <a:p>
+            <a:pPr eaLnBrk="1" hangingPunct="1">
+              <a:spcBef>
+                <a:spcPts val="0"/>
+              </a:spcBef>
+              <a:spcAft>
+                <a:spcPts val="0"/>
+              </a:spcAft>
+              <a:defRPr/>
+            </a:pPr>
+            <a:r>
+              <a:rPr lang="en-US" sz="1200">
+                <a:solidFill>
+                  <a:sysClr val="windowText" lastClr="000000"/>
+                </a:solidFill>
+                <a:latin typeface="Arial"/>
+                <a:ea typeface="+mn-ea"/>
+                <a:cs typeface="Arial"/>
+              </a:rPr>
+              <a:t>AWS Cloud</a:t>
+            </a:r>
+          </a:p>
+        </p:txBody>
+      </p:sp>
+      <p:pic>
+        <p:nvPicPr>
+          <p:cNvPr id="5" name="Graphic 35"/>
+          <p:cNvPicPr>
+            <a:picLocks noChangeAspect="1"/>
+          </p:cNvPicPr>
+          <p:nvPr/>
+        </p:nvPicPr>
+        <p:blipFill rotWithShape="1">
+          <a:blip r:embed="rId2" cstate="print"/>
+          <a:srcRect/>
+          <a:stretch>
+            <a:fillRect/>
+          </a:stretch>
+        </p:blipFill>
+        <p:spPr>
+          <a:xfrm>
+            <a:off x="2454969" y="104787"/>
+            <a:ext cx="381000" cy="381000"/>
+          </a:xfrm>
+          <a:prstGeom prst="rect">
+            <a:avLst/>
+          </a:prstGeom>
+        </p:spPr>
+      </p:pic>
+      <p:sp>
+        <p:nvSpPr>
+          <p:cNvPr id="6" name="Rectangle 8"/>
+          <p:cNvSpPr/>
+          <p:nvPr/>
+        </p:nvSpPr>
+        <p:spPr>
+          <a:xfrm>
+            <a:off x="2835969" y="485787"/>
+            <a:ext cx="9020705" cy="6124190"/>
+          </a:xfrm>
+          <a:prstGeom prst="rect">
+            <a:avLst/>
+          </a:prstGeom>
+          <a:noFill/>
+          <a:ln w="12700">
+            <a:solidFill>
+              <a:srgbClr val="5B9CD5"/>
+            </a:solidFill>
+            <a:prstDash val="sysDash"/>
+          </a:ln>
+        </p:spPr>
+        <p:style>
+          <a:lnRef idx="2">
+            <a:schemeClr val="accent1">
+              <a:shade val="50000"/>
+            </a:schemeClr>
+          </a:lnRef>
+          <a:fillRef idx="1">
+            <a:schemeClr val="accent1"/>
+          </a:fillRef>
+          <a:effectRef idx="0">
+            <a:schemeClr val="accent1"/>
+          </a:effectRef>
+          <a:fontRef idx="minor">
+            <a:schemeClr val="lt1"/>
+          </a:fontRef>
+        </p:style>
+        <p:txBody>
+          <a:bodyPr lIns="502920" tIns="91440"/>
+          <a:lstStyle/>
+          <a:p>
+            <a:pPr eaLnBrk="1" hangingPunct="1">
+              <a:spcBef>
+                <a:spcPts val="0"/>
+              </a:spcBef>
+              <a:spcAft>
+                <a:spcPts val="0"/>
+              </a:spcAft>
+              <a:defRPr/>
+            </a:pPr>
+            <a:r>
+              <a:rPr lang="en-US" sz="1200">
+                <a:solidFill>
+                  <a:srgbClr val="5B9CD5"/>
+                </a:solidFill>
+                <a:latin typeface="Arial"/>
+                <a:ea typeface="+mn-ea"/>
+                <a:cs typeface="Arial"/>
+              </a:rPr>
+              <a:t>Region</a:t>
+            </a:r>
+          </a:p>
+        </p:txBody>
+      </p:sp>
+      <p:pic>
+        <p:nvPicPr>
+          <p:cNvPr id="7" name="Graphic 25"/>
+          <p:cNvPicPr>
+            <a:picLocks noChangeAspect="1"/>
+          </p:cNvPicPr>
+          <p:nvPr/>
+        </p:nvPicPr>
+        <p:blipFill rotWithShape="1">
+          <a:blip r:embed="rId3"/>
+          <a:stretch>
+            <a:fillRect/>
+          </a:stretch>
+        </p:blipFill>
+        <p:spPr>
+          <a:xfrm>
+            <a:off x="2835492" y="488819"/>
+            <a:ext cx="450633" cy="435106"/>
+          </a:xfrm>
+          <a:prstGeom prst="rect">
+            <a:avLst/>
+          </a:prstGeom>
+        </p:spPr>
+      </p:pic>
+      <p:sp>
+        <p:nvSpPr>
+          <p:cNvPr id="8" name="Rectangle 6"/>
+          <p:cNvSpPr/>
+          <p:nvPr/>
+        </p:nvSpPr>
+        <p:spPr>
+          <a:xfrm>
+            <a:off x="3283334" y="963033"/>
+            <a:ext cx="8333365" cy="5432691"/>
+          </a:xfrm>
+          <a:prstGeom prst="rect">
+            <a:avLst/>
+          </a:prstGeom>
+          <a:noFill/>
+          <a:ln w="12700">
+            <a:solidFill>
+              <a:srgbClr val="1E8900"/>
+            </a:solidFill>
+          </a:ln>
+        </p:spPr>
+        <p:style>
+          <a:lnRef idx="2">
+            <a:schemeClr val="accent1">
+              <a:shade val="50000"/>
+            </a:schemeClr>
+          </a:lnRef>
+          <a:fillRef idx="1">
+            <a:schemeClr val="accent1"/>
+          </a:fillRef>
+          <a:effectRef idx="0">
+            <a:schemeClr val="accent1"/>
+          </a:effectRef>
+          <a:fontRef idx="minor">
+            <a:schemeClr val="lt1"/>
+          </a:fontRef>
+        </p:style>
+        <p:txBody>
+          <a:bodyPr lIns="502920" tIns="91440"/>
+          <a:lstStyle/>
+          <a:p>
+            <a:pPr eaLnBrk="1" hangingPunct="1">
+              <a:spcBef>
+                <a:spcPts val="0"/>
+              </a:spcBef>
+              <a:spcAft>
+                <a:spcPts val="0"/>
+              </a:spcAft>
+              <a:defRPr/>
+            </a:pPr>
+            <a:r>
+              <a:rPr lang="en-US" sz="1200">
+                <a:ln w="0"/>
+                <a:solidFill>
+                  <a:srgbClr val="1E8900"/>
+                </a:solidFill>
+                <a:latin typeface="Arial"/>
+                <a:ea typeface="+mn-ea"/>
+                <a:cs typeface="Arial"/>
+              </a:rPr>
+              <a:t>VPC</a:t>
+            </a:r>
+            <a:endParaRPr lang="en-US" sz="1200">
+              <a:solidFill>
+                <a:srgbClr val="1E8900"/>
+              </a:solidFill>
+              <a:latin typeface="Arial"/>
+              <a:ea typeface="+mn-ea"/>
+              <a:cs typeface="Arial"/>
+            </a:endParaRPr>
+          </a:p>
+        </p:txBody>
+      </p:sp>
+      <p:pic>
+        <p:nvPicPr>
+          <p:cNvPr id="9" name="Graphic 16"/>
+          <p:cNvPicPr>
+            <a:picLocks noChangeAspect="1"/>
+          </p:cNvPicPr>
+          <p:nvPr/>
+        </p:nvPicPr>
+        <p:blipFill rotWithShape="1">
+          <a:blip r:embed="rId4"/>
+          <a:stretch>
+            <a:fillRect/>
+          </a:stretch>
+        </p:blipFill>
+        <p:spPr>
+          <a:xfrm>
+            <a:off x="3283334" y="962238"/>
+            <a:ext cx="461830" cy="472464"/>
+          </a:xfrm>
+          <a:prstGeom prst="rect">
+            <a:avLst/>
+          </a:prstGeom>
+        </p:spPr>
+      </p:pic>
+      <p:sp>
+        <p:nvSpPr>
+          <p:cNvPr id="11" name="Rectangle 38"/>
+          <p:cNvSpPr/>
+          <p:nvPr/>
+        </p:nvSpPr>
+        <p:spPr>
+          <a:xfrm>
+            <a:off x="4008780" y="1503653"/>
+            <a:ext cx="7127884" cy="4640067"/>
+          </a:xfrm>
+          <a:prstGeom prst="rect">
+            <a:avLst/>
+          </a:prstGeom>
+          <a:noFill/>
+          <a:ln w="12700">
+            <a:solidFill>
+              <a:srgbClr val="D86613"/>
+            </a:solidFill>
+          </a:ln>
+        </p:spPr>
+        <p:style>
+          <a:lnRef idx="2">
+            <a:schemeClr val="accent1">
+              <a:shade val="50000"/>
+            </a:schemeClr>
+          </a:lnRef>
+          <a:fillRef idx="1">
+            <a:schemeClr val="accent1"/>
+          </a:fillRef>
+          <a:effectRef idx="0">
+            <a:schemeClr val="accent1"/>
+          </a:effectRef>
+          <a:fontRef idx="minor">
+            <a:schemeClr val="lt1"/>
+          </a:fontRef>
+        </p:style>
+        <p:txBody>
+          <a:bodyPr lIns="502920" tIns="91440"/>
+          <a:lstStyle/>
+          <a:p>
+            <a:pPr eaLnBrk="1" hangingPunct="1">
+              <a:spcBef>
+                <a:spcPts val="0"/>
+              </a:spcBef>
+              <a:spcAft>
+                <a:spcPts val="0"/>
+              </a:spcAft>
+              <a:defRPr/>
+            </a:pPr>
+            <a:r>
+              <a:rPr lang="en-US" sz="1200">
+                <a:solidFill>
+                  <a:srgbClr val="D86613"/>
+                </a:solidFill>
+                <a:latin typeface="Arial"/>
+                <a:ea typeface="+mn-ea"/>
+                <a:cs typeface="Arial"/>
+              </a:rPr>
+              <a:t>Elastic Beanstalk container</a:t>
+            </a:r>
+          </a:p>
+        </p:txBody>
+      </p:sp>
+      <p:pic>
+        <p:nvPicPr>
+          <p:cNvPr id="12" name="Graphic 42"/>
+          <p:cNvPicPr>
+            <a:picLocks noChangeAspect="1"/>
+          </p:cNvPicPr>
+          <p:nvPr/>
+        </p:nvPicPr>
+        <p:blipFill rotWithShape="1">
+          <a:blip r:embed="rId5" cstate="print"/>
+          <a:stretch>
+            <a:fillRect/>
+          </a:stretch>
+        </p:blipFill>
+        <p:spPr>
+          <a:xfrm>
+            <a:off x="4008780" y="1503653"/>
+            <a:ext cx="381000" cy="381000"/>
+          </a:xfrm>
+          <a:prstGeom prst="rect">
+            <a:avLst/>
+          </a:prstGeom>
+        </p:spPr>
+      </p:pic>
+      <p:pic>
+        <p:nvPicPr>
+          <p:cNvPr id="13" name="Graphic 5"/>
+          <p:cNvPicPr>
+            <a:picLocks noChangeAspect="1" noChangeArrowheads="1"/>
+          </p:cNvPicPr>
+          <p:nvPr/>
+        </p:nvPicPr>
+        <p:blipFill rotWithShape="1">
+          <a:blip r:embed="rId6" cstate="print"/>
+          <a:srcRect/>
+          <a:stretch>
+            <a:fillRect/>
+          </a:stretch>
+        </p:blipFill>
+        <p:spPr>
+          <a:xfrm>
+            <a:off x="10802406" y="556487"/>
+            <a:ext cx="370116" cy="352188"/>
+          </a:xfrm>
+          <a:prstGeom prst="rect">
+            <a:avLst/>
+          </a:prstGeom>
+          <a:noFill/>
+          <a:ln>
+            <a:noFill/>
+          </a:ln>
+        </p:spPr>
+      </p:pic>
+      <p:pic>
+        <p:nvPicPr>
+          <p:cNvPr id="14" name="Graphic 8"/>
+          <p:cNvPicPr>
+            <a:picLocks noChangeAspect="1" noChangeArrowheads="1"/>
+          </p:cNvPicPr>
+          <p:nvPr/>
+        </p:nvPicPr>
+        <p:blipFill rotWithShape="1">
+          <a:blip r:embed="rId7" cstate="print"/>
+          <a:srcRect/>
+          <a:stretch>
+            <a:fillRect/>
+          </a:stretch>
+        </p:blipFill>
+        <p:spPr>
+          <a:xfrm>
+            <a:off x="9476944" y="548624"/>
+            <a:ext cx="347564" cy="347564"/>
+          </a:xfrm>
+          <a:prstGeom prst="rect">
+            <a:avLst/>
+          </a:prstGeom>
+          <a:noFill/>
+          <a:ln>
+            <a:noFill/>
+          </a:ln>
+        </p:spPr>
+      </p:pic>
+      <p:sp>
+        <p:nvSpPr>
+          <p:cNvPr id="15" name="Rectangle 32"/>
+          <p:cNvSpPr/>
+          <p:nvPr/>
+        </p:nvSpPr>
+        <p:spPr>
+          <a:xfrm>
+            <a:off x="4824051" y="4841275"/>
+            <a:ext cx="2195293" cy="1213632"/>
+          </a:xfrm>
+          <a:prstGeom prst="rect">
+            <a:avLst/>
+          </a:prstGeom>
+          <a:solidFill>
+            <a:srgbClr val="1D8900">
+              <a:alpha val="9800"/>
+            </a:srgbClr>
+          </a:solidFill>
+          <a:ln w="12700">
+            <a:noFill/>
+            <a:prstDash val="dash"/>
+          </a:ln>
+        </p:spPr>
+        <p:style>
+          <a:lnRef idx="2">
+            <a:schemeClr val="accent1">
+              <a:shade val="50000"/>
+            </a:schemeClr>
+          </a:lnRef>
+          <a:fillRef idx="1">
+            <a:schemeClr val="accent1"/>
+          </a:fillRef>
+          <a:effectRef idx="0">
+            <a:schemeClr val="accent1"/>
+          </a:effectRef>
+          <a:fontRef idx="minor">
+            <a:schemeClr val="lt1"/>
+          </a:fontRef>
+        </p:style>
+        <p:txBody>
+          <a:bodyPr lIns="502920" tIns="45720" rIns="91440" bIns="45720" anchor="t"/>
+          <a:lstStyle/>
+          <a:p>
+            <a:pPr>
+              <a:defRPr/>
+            </a:pPr>
+            <a:r>
+              <a:rPr lang="en-US" sz="1200">
+                <a:solidFill>
+                  <a:srgbClr val="1E8900"/>
+                </a:solidFill>
+                <a:latin typeface="Arial"/>
+                <a:ea typeface="+mn-ea"/>
+                <a:cs typeface="Arial"/>
+              </a:rPr>
+              <a:t>Public subnet</a:t>
+            </a:r>
+            <a:r>
+              <a:rPr lang="en-US" sz="1200">
+                <a:solidFill>
+                  <a:srgbClr val="1E8900"/>
+                </a:solidFill>
+                <a:latin typeface="Arial"/>
+                <a:cs typeface="Arial"/>
+              </a:rPr>
+              <a:t> - WEB2</a:t>
+            </a:r>
+            <a:endParaRPr lang="en-US" sz="1200">
+              <a:solidFill>
+                <a:srgbClr val="1E8900"/>
+              </a:solidFill>
+              <a:latin typeface="Arial"/>
+              <a:ea typeface="+mn-ea"/>
+              <a:cs typeface="Arial"/>
+            </a:endParaRPr>
+          </a:p>
+        </p:txBody>
+      </p:sp>
+      <p:pic>
+        <p:nvPicPr>
+          <p:cNvPr id="16" name="Graphic 19"/>
+          <p:cNvPicPr>
+            <a:picLocks noChangeAspect="1"/>
+          </p:cNvPicPr>
+          <p:nvPr/>
+        </p:nvPicPr>
+        <p:blipFill rotWithShape="1">
+          <a:blip r:embed="rId8" cstate="print"/>
+          <a:stretch>
+            <a:fillRect/>
+          </a:stretch>
+        </p:blipFill>
+        <p:spPr>
+          <a:xfrm>
+            <a:off x="4824104" y="4841955"/>
+            <a:ext cx="381000" cy="381000"/>
+          </a:xfrm>
+          <a:prstGeom prst="rect">
+            <a:avLst/>
+          </a:prstGeom>
+        </p:spPr>
+      </p:pic>
+      <p:sp>
+        <p:nvSpPr>
+          <p:cNvPr id="17" name="Rectangle 7"/>
+          <p:cNvSpPr/>
+          <p:nvPr/>
+        </p:nvSpPr>
+        <p:spPr>
+          <a:xfrm>
+            <a:off x="4724945" y="1876425"/>
+            <a:ext cx="3047455" cy="1285875"/>
+          </a:xfrm>
+          <a:prstGeom prst="rect">
+            <a:avLst/>
+          </a:prstGeom>
+          <a:solidFill>
+            <a:srgbClr val="007CBC">
+              <a:alpha val="9800"/>
+            </a:srgbClr>
+          </a:solidFill>
+          <a:ln w="12700">
+            <a:noFill/>
+            <a:prstDash val="dash"/>
+          </a:ln>
+        </p:spPr>
+        <p:style>
+          <a:lnRef idx="2">
+            <a:schemeClr val="accent1">
+              <a:shade val="50000"/>
+            </a:schemeClr>
+          </a:lnRef>
+          <a:fillRef idx="1">
+            <a:schemeClr val="accent1"/>
+          </a:fillRef>
+          <a:effectRef idx="0">
+            <a:schemeClr val="accent1"/>
+          </a:effectRef>
+          <a:fontRef idx="minor">
+            <a:schemeClr val="lt1"/>
+          </a:fontRef>
+        </p:style>
+        <p:txBody>
+          <a:bodyPr lIns="502920" tIns="45720" rIns="91440" bIns="45720" anchor="t"/>
+          <a:lstStyle/>
+          <a:p>
+            <a:pPr>
+              <a:defRPr/>
+            </a:pPr>
+            <a:r>
+              <a:rPr lang="en-US" sz="1200" dirty="0">
+                <a:solidFill>
+                  <a:srgbClr val="5B9CD5"/>
+                </a:solidFill>
+                <a:latin typeface="Arial"/>
+                <a:ea typeface="+mn-ea"/>
+                <a:cs typeface="Arial"/>
+              </a:rPr>
+              <a:t>Private </a:t>
+            </a:r>
+            <a:r>
+              <a:rPr lang="en-US" sz="1200" dirty="0">
+                <a:solidFill>
+                  <a:srgbClr val="5B9CD5"/>
+                </a:solidFill>
+                <a:latin typeface="Arial"/>
+                <a:cs typeface="Arial"/>
+              </a:rPr>
+              <a:t>subnet – WAS</a:t>
+            </a:r>
+            <a:endParaRPr lang="en-US" sz="1200" dirty="0">
+              <a:solidFill>
+                <a:srgbClr val="5B9CD5"/>
+              </a:solidFill>
+              <a:latin typeface="Arial"/>
+              <a:ea typeface="+mn-ea"/>
+              <a:cs typeface="Arial"/>
+            </a:endParaRPr>
+          </a:p>
+        </p:txBody>
+      </p:sp>
+      <p:pic>
+        <p:nvPicPr>
+          <p:cNvPr id="18" name="Graphic 21"/>
+          <p:cNvPicPr>
+            <a:picLocks noChangeAspect="1"/>
+          </p:cNvPicPr>
+          <p:nvPr/>
+        </p:nvPicPr>
+        <p:blipFill rotWithShape="1">
+          <a:blip r:embed="rId9" cstate="print"/>
+          <a:stretch>
+            <a:fillRect/>
+          </a:stretch>
+        </p:blipFill>
+        <p:spPr>
+          <a:xfrm>
+            <a:off x="4732478" y="1873421"/>
+            <a:ext cx="381000" cy="381000"/>
+          </a:xfrm>
+          <a:prstGeom prst="rect">
+            <a:avLst/>
+          </a:prstGeom>
+        </p:spPr>
+      </p:pic>
+      <p:pic>
+        <p:nvPicPr>
+          <p:cNvPr id="19" name="Graphic 19"/>
+          <p:cNvPicPr>
+            <a:picLocks noChangeAspect="1" noChangeArrowheads="1"/>
+          </p:cNvPicPr>
+          <p:nvPr/>
+        </p:nvPicPr>
+        <p:blipFill rotWithShape="1">
+          <a:blip r:embed="rId10" cstate="print"/>
+          <a:srcRect/>
+          <a:stretch>
+            <a:fillRect/>
+          </a:stretch>
+        </p:blipFill>
+        <p:spPr>
+          <a:xfrm>
+            <a:off x="9943570" y="545693"/>
+            <a:ext cx="350494" cy="350494"/>
+          </a:xfrm>
+          <a:prstGeom prst="rect">
+            <a:avLst/>
+          </a:prstGeom>
+          <a:noFill/>
+          <a:ln>
+            <a:noFill/>
+          </a:ln>
+        </p:spPr>
+      </p:pic>
+      <p:pic>
+        <p:nvPicPr>
+          <p:cNvPr id="21" name="Graphic 6"/>
+          <p:cNvPicPr>
+            <a:picLocks noChangeAspect="1" noChangeArrowheads="1"/>
+          </p:cNvPicPr>
+          <p:nvPr/>
+        </p:nvPicPr>
+        <p:blipFill rotWithShape="1">
+          <a:blip r:embed="rId11" cstate="print"/>
+          <a:srcRect/>
+          <a:stretch>
+            <a:fillRect/>
+          </a:stretch>
+        </p:blipFill>
+        <p:spPr>
+          <a:xfrm>
+            <a:off x="10384236" y="547523"/>
+            <a:ext cx="347280" cy="347280"/>
+          </a:xfrm>
+          <a:prstGeom prst="rect">
+            <a:avLst/>
+          </a:prstGeom>
+          <a:noFill/>
+          <a:ln>
+            <a:noFill/>
+          </a:ln>
+        </p:spPr>
+      </p:pic>
+      <p:pic>
+        <p:nvPicPr>
+          <p:cNvPr id="26" name="Graphic 24"/>
+          <p:cNvPicPr>
+            <a:picLocks noChangeAspect="1" noChangeArrowheads="1"/>
+          </p:cNvPicPr>
+          <p:nvPr/>
+        </p:nvPicPr>
+        <p:blipFill rotWithShape="1">
+          <a:blip r:embed="rId12" cstate="print"/>
+          <a:srcRect/>
+          <a:stretch>
+            <a:fillRect/>
+          </a:stretch>
+        </p:blipFill>
+        <p:spPr>
+          <a:xfrm>
+            <a:off x="6849931" y="4080586"/>
+            <a:ext cx="457200" cy="457200"/>
+          </a:xfrm>
+          <a:prstGeom prst="rect">
+            <a:avLst/>
+          </a:prstGeom>
+          <a:noFill/>
+          <a:ln>
+            <a:noFill/>
+          </a:ln>
+        </p:spPr>
+      </p:pic>
+      <p:pic>
+        <p:nvPicPr>
+          <p:cNvPr id="29" name="Graphic 60"/>
+          <p:cNvPicPr>
+            <a:picLocks noChangeAspect="1" noChangeArrowheads="1"/>
+          </p:cNvPicPr>
+          <p:nvPr/>
+        </p:nvPicPr>
+        <p:blipFill rotWithShape="1">
+          <a:blip r:embed="rId13" cstate="print"/>
+          <a:srcRect/>
+          <a:stretch>
+            <a:fillRect/>
+          </a:stretch>
+        </p:blipFill>
+        <p:spPr>
+          <a:xfrm>
+            <a:off x="7001196" y="2312165"/>
+            <a:ext cx="457200" cy="457200"/>
+          </a:xfrm>
+          <a:prstGeom prst="rect">
+            <a:avLst/>
+          </a:prstGeom>
+          <a:noFill/>
+          <a:ln>
+            <a:noFill/>
+          </a:ln>
+        </p:spPr>
+      </p:pic>
+      <p:pic>
+        <p:nvPicPr>
+          <p:cNvPr id="30" name="Graphic 60"/>
+          <p:cNvPicPr>
+            <a:picLocks noChangeAspect="1" noChangeArrowheads="1"/>
+          </p:cNvPicPr>
+          <p:nvPr/>
+        </p:nvPicPr>
+        <p:blipFill rotWithShape="1">
+          <a:blip r:embed="rId13" cstate="print"/>
+          <a:srcRect/>
+          <a:stretch>
+            <a:fillRect/>
+          </a:stretch>
+        </p:blipFill>
+        <p:spPr>
+          <a:xfrm>
+            <a:off x="8350946" y="5332047"/>
+            <a:ext cx="457200" cy="457200"/>
+          </a:xfrm>
+          <a:prstGeom prst="rect">
+            <a:avLst/>
+          </a:prstGeom>
+          <a:noFill/>
+          <a:ln>
+            <a:noFill/>
+          </a:ln>
+        </p:spPr>
+      </p:pic>
+      <p:pic>
+        <p:nvPicPr>
+          <p:cNvPr id="33" name="Graphic 6"/>
+          <p:cNvPicPr>
+            <a:picLocks noChangeAspect="1" noChangeArrowheads="1"/>
+          </p:cNvPicPr>
+          <p:nvPr/>
+        </p:nvPicPr>
+        <p:blipFill rotWithShape="1">
+          <a:blip r:embed="rId14" cstate="print"/>
+          <a:srcRect/>
+          <a:stretch>
+            <a:fillRect/>
+          </a:stretch>
+        </p:blipFill>
+        <p:spPr>
+          <a:xfrm>
+            <a:off x="11245822" y="556487"/>
+            <a:ext cx="370878" cy="352950"/>
+          </a:xfrm>
+          <a:prstGeom prst="rect">
+            <a:avLst/>
+          </a:prstGeom>
+          <a:noFill/>
+          <a:ln>
+            <a:noFill/>
+          </a:ln>
+        </p:spPr>
+      </p:pic>
+      <p:pic>
+        <p:nvPicPr>
+          <p:cNvPr id="34" name="Graphic 14"/>
+          <p:cNvPicPr>
+            <a:picLocks noChangeAspect="1" noChangeArrowheads="1"/>
+          </p:cNvPicPr>
+          <p:nvPr/>
+        </p:nvPicPr>
+        <p:blipFill rotWithShape="1">
+          <a:blip r:embed="rId15" cstate="print"/>
+          <a:srcRect/>
+          <a:stretch>
+            <a:fillRect/>
+          </a:stretch>
+        </p:blipFill>
+        <p:spPr>
+          <a:xfrm>
+            <a:off x="872142" y="3465221"/>
+            <a:ext cx="469900" cy="469900"/>
+          </a:xfrm>
+          <a:prstGeom prst="rect">
+            <a:avLst/>
+          </a:prstGeom>
+          <a:noFill/>
+          <a:ln>
+            <a:noFill/>
+          </a:ln>
+        </p:spPr>
+      </p:pic>
+      <p:pic>
+        <p:nvPicPr>
+          <p:cNvPr id="37" name="Graphic 23"/>
+          <p:cNvPicPr>
+            <a:picLocks noChangeAspect="1" noChangeArrowheads="1"/>
+          </p:cNvPicPr>
+          <p:nvPr/>
+        </p:nvPicPr>
+        <p:blipFill rotWithShape="1">
+          <a:blip r:embed="rId16" cstate="print"/>
+          <a:srcRect/>
+          <a:stretch>
+            <a:fillRect/>
+          </a:stretch>
+        </p:blipFill>
+        <p:spPr>
+          <a:xfrm flipH="1">
+            <a:off x="872143" y="1643772"/>
+            <a:ext cx="469900" cy="469900"/>
+          </a:xfrm>
+          <a:prstGeom prst="rect">
+            <a:avLst/>
+          </a:prstGeom>
+          <a:noFill/>
+          <a:ln>
+            <a:noFill/>
+          </a:ln>
+        </p:spPr>
+      </p:pic>
+      <p:pic>
+        <p:nvPicPr>
+          <p:cNvPr id="41" name="Graphic 10"/>
+          <p:cNvPicPr>
+            <a:picLocks noChangeAspect="1" noChangeArrowheads="1"/>
+          </p:cNvPicPr>
+          <p:nvPr/>
+        </p:nvPicPr>
+        <p:blipFill rotWithShape="1">
+          <a:blip r:embed="rId17" cstate="print"/>
+          <a:srcRect/>
+          <a:stretch>
+            <a:fillRect/>
+          </a:stretch>
+        </p:blipFill>
+        <p:spPr>
+          <a:xfrm>
+            <a:off x="3050448" y="3503375"/>
+            <a:ext cx="457200" cy="457200"/>
+          </a:xfrm>
+          <a:prstGeom prst="rect">
+            <a:avLst/>
+          </a:prstGeom>
+          <a:noFill/>
+          <a:ln>
+            <a:noFill/>
+          </a:ln>
+        </p:spPr>
+      </p:pic>
+      <p:pic>
+        <p:nvPicPr>
+          <p:cNvPr id="42" name="Graphic 31"/>
+          <p:cNvPicPr>
+            <a:picLocks noChangeAspect="1" noChangeArrowheads="1"/>
+          </p:cNvPicPr>
+          <p:nvPr/>
+        </p:nvPicPr>
+        <p:blipFill rotWithShape="1">
+          <a:blip r:embed="rId18" cstate="print"/>
+          <a:srcRect/>
+          <a:stretch>
+            <a:fillRect/>
+          </a:stretch>
+        </p:blipFill>
+        <p:spPr>
+          <a:xfrm>
+            <a:off x="6853048" y="3496680"/>
+            <a:ext cx="457200" cy="457200"/>
+          </a:xfrm>
+          <a:prstGeom prst="rect">
+            <a:avLst/>
+          </a:prstGeom>
+          <a:noFill/>
+          <a:ln>
+            <a:noFill/>
+          </a:ln>
+        </p:spPr>
+      </p:pic>
+      <p:cxnSp>
+        <p:nvCxnSpPr>
+          <p:cNvPr id="45" name="Straight Arrow Connector 8">
+            <a:extLst>
+              <a:ext uri="{FF2B5EF4-FFF2-40B4-BE49-F238E27FC236}">
+                <a16:creationId xmlns:a16="http://schemas.microsoft.com/office/drawing/2014/main" id="{5A386A8D-F06E-43F9-ACEE-379F0CDAD48C}"/>
+              </a:ext>
+            </a:extLst>
+          </p:cNvPr>
+          <p:cNvCxnSpPr>
+            <a:cxnSpLocks/>
+          </p:cNvCxnSpPr>
+          <p:nvPr/>
+        </p:nvCxnSpPr>
+        <p:spPr>
+          <a:xfrm>
+            <a:off x="1091718" y="2149203"/>
+            <a:ext cx="4109" cy="1268675"/>
+          </a:xfrm>
+          <a:prstGeom prst="straightConnector1">
+            <a:avLst/>
+          </a:prstGeom>
+          <a:ln w="12700">
+            <a:solidFill>
+              <a:srgbClr val="545B64"/>
+            </a:solidFill>
+            <a:headEnd type="none" w="med" len="sm"/>
+            <a:tailEnd type="arrow" w="med" len="sm"/>
+          </a:ln>
+        </p:spPr>
+        <p:style>
+          <a:lnRef idx="1">
+            <a:schemeClr val="accent1"/>
+          </a:lnRef>
+          <a:fillRef idx="0">
+            <a:schemeClr val="accent1"/>
+          </a:fillRef>
+          <a:effectRef idx="0">
+            <a:schemeClr val="accent1"/>
+          </a:effectRef>
+          <a:fontRef idx="minor">
+            <a:schemeClr val="tx1"/>
+          </a:fontRef>
+        </p:style>
+      </p:cxnSp>
+      <p:cxnSp>
+        <p:nvCxnSpPr>
+          <p:cNvPr id="46" name="Straight Arrow Connector 8">
+            <a:extLst>
+              <a:ext uri="{FF2B5EF4-FFF2-40B4-BE49-F238E27FC236}">
+                <a16:creationId xmlns:a16="http://schemas.microsoft.com/office/drawing/2014/main" id="{5A386A8D-F06E-43F9-ACEE-379F0CDAD48C}"/>
+              </a:ext>
+            </a:extLst>
+          </p:cNvPr>
+          <p:cNvCxnSpPr>
+            <a:cxnSpLocks/>
+          </p:cNvCxnSpPr>
+          <p:nvPr/>
+        </p:nvCxnSpPr>
+        <p:spPr>
+          <a:xfrm>
+            <a:off x="1425575" y="3728127"/>
+            <a:ext cx="1644650" cy="0"/>
+          </a:xfrm>
+          <a:prstGeom prst="straightConnector1">
+            <a:avLst/>
+          </a:prstGeom>
+          <a:ln w="12700">
+            <a:solidFill>
+              <a:srgbClr val="545B64"/>
+            </a:solidFill>
+            <a:headEnd type="none" w="med" len="sm"/>
+            <a:tailEnd type="arrow" w="med" len="sm"/>
+          </a:ln>
+        </p:spPr>
+        <p:style>
+          <a:lnRef idx="1">
+            <a:schemeClr val="accent1"/>
+          </a:lnRef>
+          <a:fillRef idx="0">
+            <a:schemeClr val="accent1"/>
+          </a:fillRef>
+          <a:effectRef idx="0">
+            <a:schemeClr val="accent1"/>
+          </a:effectRef>
+          <a:fontRef idx="minor">
+            <a:schemeClr val="tx1"/>
+          </a:fontRef>
+        </p:style>
+      </p:cxnSp>
+      <p:pic>
+        <p:nvPicPr>
+          <p:cNvPr id="74" name="그림 73">
+            <a:extLst>
+              <a:ext uri="{FF2B5EF4-FFF2-40B4-BE49-F238E27FC236}">
+                <a16:creationId xmlns:a16="http://schemas.microsoft.com/office/drawing/2014/main" id="{EB287661-A59D-4932-B1CC-9AB44152A95E}"/>
+              </a:ext>
+            </a:extLst>
+          </p:cNvPr>
+          <p:cNvPicPr>
+            <a:picLocks noChangeAspect="1"/>
+          </p:cNvPicPr>
+          <p:nvPr/>
+        </p:nvPicPr>
+        <p:blipFill rotWithShape="1">
+          <a:blip r:embed="rId19" cstate="print"/>
+          <a:stretch>
+            <a:fillRect/>
+          </a:stretch>
+        </p:blipFill>
+        <p:spPr>
+          <a:xfrm>
+            <a:off x="839166" y="4628814"/>
+            <a:ext cx="540000" cy="540000"/>
+          </a:xfrm>
+          <a:prstGeom prst="rect">
+            <a:avLst/>
+          </a:prstGeom>
+        </p:spPr>
+      </p:pic>
+      <p:cxnSp>
+        <p:nvCxnSpPr>
+          <p:cNvPr id="76" name="Straight Arrow Connector 8">
+            <a:extLst>
+              <a:ext uri="{FF2B5EF4-FFF2-40B4-BE49-F238E27FC236}">
+                <a16:creationId xmlns:a16="http://schemas.microsoft.com/office/drawing/2014/main" id="{8E968933-2926-44A2-8B42-D3CE381D726C}"/>
+              </a:ext>
+            </a:extLst>
+          </p:cNvPr>
+          <p:cNvCxnSpPr>
+            <a:cxnSpLocks/>
+            <a:stCxn id="74" idx="0"/>
+            <a:endCxn id="34" idx="2"/>
+          </p:cNvCxnSpPr>
+          <p:nvPr/>
+        </p:nvCxnSpPr>
+        <p:spPr>
+          <a:xfrm rot="16200000" flipV="1">
+            <a:off x="761283" y="4280931"/>
+            <a:ext cx="693693" cy="2074"/>
+          </a:xfrm>
+          <a:prstGeom prst="straightConnector1">
+            <a:avLst/>
+          </a:prstGeom>
+          <a:ln w="12700">
+            <a:solidFill>
+              <a:srgbClr val="545B64"/>
+            </a:solidFill>
+            <a:headEnd type="none" w="med" len="sm"/>
+            <a:tailEnd type="arrow" w="med" len="sm"/>
+          </a:ln>
+        </p:spPr>
+        <p:style>
+          <a:lnRef idx="1">
+            <a:schemeClr val="accent1"/>
+          </a:lnRef>
+          <a:fillRef idx="0">
+            <a:schemeClr val="accent1"/>
+          </a:fillRef>
+          <a:effectRef idx="0">
+            <a:schemeClr val="accent1"/>
+          </a:effectRef>
+          <a:fontRef idx="minor">
+            <a:schemeClr val="tx1"/>
+          </a:fontRef>
+        </p:style>
+      </p:cxnSp>
+      <p:pic>
+        <p:nvPicPr>
+          <p:cNvPr id="53" name="Graphic 35">
+            <a:extLst>
+              <a:ext uri="{FF2B5EF4-FFF2-40B4-BE49-F238E27FC236}">
+                <a16:creationId xmlns:a16="http://schemas.microsoft.com/office/drawing/2014/main" id="{FCFF7772-204F-426B-8D57-837EC0388BEE}"/>
+              </a:ext>
+            </a:extLst>
+          </p:cNvPr>
+          <p:cNvPicPr>
+            <a:picLocks noChangeAspect="1" noChangeArrowheads="1"/>
+          </p:cNvPicPr>
+          <p:nvPr/>
+        </p:nvPicPr>
+        <p:blipFill rotWithShape="1">
+          <a:blip r:embed="rId20" cstate="print"/>
+          <a:srcRect/>
+          <a:stretch>
+            <a:fillRect/>
+          </a:stretch>
+        </p:blipFill>
+        <p:spPr>
+          <a:xfrm>
+            <a:off x="7936010" y="1888307"/>
+            <a:ext cx="457200" cy="457200"/>
+          </a:xfrm>
+          <a:prstGeom prst="rect">
+            <a:avLst/>
+          </a:prstGeom>
+          <a:noFill/>
+          <a:ln>
+            <a:noFill/>
+          </a:ln>
+        </p:spPr>
+      </p:pic>
+      <p:pic>
+        <p:nvPicPr>
+          <p:cNvPr id="32" name="Graphic 53"/>
+          <p:cNvPicPr>
+            <a:picLocks noChangeAspect="1" noChangeArrowheads="1"/>
+          </p:cNvPicPr>
+          <p:nvPr/>
+        </p:nvPicPr>
+        <p:blipFill rotWithShape="1">
+          <a:blip r:embed="rId21" cstate="print"/>
+          <a:srcRect/>
+          <a:stretch>
+            <a:fillRect/>
+          </a:stretch>
+        </p:blipFill>
+        <p:spPr>
+          <a:xfrm>
+            <a:off x="8987647" y="2327672"/>
+            <a:ext cx="457200" cy="457200"/>
+          </a:xfrm>
+          <a:prstGeom prst="rect">
+            <a:avLst/>
+          </a:prstGeom>
+          <a:noFill/>
+          <a:ln>
+            <a:noFill/>
+          </a:ln>
+        </p:spPr>
+      </p:pic>
+      <p:pic>
+        <p:nvPicPr>
+          <p:cNvPr id="58" name="Graphic 60">
+            <a:extLst>
+              <a:ext uri="{FF2B5EF4-FFF2-40B4-BE49-F238E27FC236}">
+                <a16:creationId xmlns:a16="http://schemas.microsoft.com/office/drawing/2014/main" id="{209B7853-9A8D-4C53-AF9F-7E71BC77171E}"/>
+              </a:ext>
+            </a:extLst>
+          </p:cNvPr>
+          <p:cNvPicPr>
+            <a:picLocks noChangeAspect="1" noChangeArrowheads="1"/>
+          </p:cNvPicPr>
+          <p:nvPr/>
+        </p:nvPicPr>
+        <p:blipFill rotWithShape="1">
+          <a:blip r:embed="rId13" cstate="print"/>
+          <a:srcRect/>
+          <a:stretch>
+            <a:fillRect/>
+          </a:stretch>
+        </p:blipFill>
+        <p:spPr>
+          <a:xfrm>
+            <a:off x="5667696" y="5320051"/>
+            <a:ext cx="457200" cy="457200"/>
+          </a:xfrm>
+          <a:prstGeom prst="rect">
+            <a:avLst/>
+          </a:prstGeom>
+          <a:noFill/>
+          <a:ln>
+            <a:noFill/>
+          </a:ln>
+        </p:spPr>
+      </p:pic>
+      <p:cxnSp>
+        <p:nvCxnSpPr>
+          <p:cNvPr id="50" name="Straight Arrow Connector 8">
+            <a:extLst>
+              <a:ext uri="{FF2B5EF4-FFF2-40B4-BE49-F238E27FC236}">
+                <a16:creationId xmlns:a16="http://schemas.microsoft.com/office/drawing/2014/main" id="{E2EB1470-3316-4AD0-A03F-491A414937D1}"/>
+              </a:ext>
+            </a:extLst>
+          </p:cNvPr>
+          <p:cNvCxnSpPr>
+            <a:cxnSpLocks/>
+            <a:endCxn id="42" idx="1"/>
+          </p:cNvCxnSpPr>
+          <p:nvPr/>
+        </p:nvCxnSpPr>
+        <p:spPr>
+          <a:xfrm flipV="1">
+            <a:off x="3457761" y="3725280"/>
+            <a:ext cx="3395287" cy="45"/>
+          </a:xfrm>
+          <a:prstGeom prst="straightConnector1">
+            <a:avLst/>
+          </a:prstGeom>
+          <a:ln w="12700">
+            <a:solidFill>
+              <a:srgbClr val="545B64"/>
+            </a:solidFill>
+            <a:headEnd type="none" w="med" len="sm"/>
+            <a:tailEnd type="arrow" w="med" len="sm"/>
+          </a:ln>
+        </p:spPr>
+        <p:style>
+          <a:lnRef idx="1">
+            <a:schemeClr val="accent1"/>
+          </a:lnRef>
+          <a:fillRef idx="0">
+            <a:schemeClr val="accent1"/>
+          </a:fillRef>
+          <a:effectRef idx="0">
+            <a:schemeClr val="accent1"/>
+          </a:effectRef>
+          <a:fontRef idx="minor">
+            <a:schemeClr val="tx1"/>
+          </a:fontRef>
+        </p:style>
+      </p:cxnSp>
+      <p:cxnSp>
+        <p:nvCxnSpPr>
+          <p:cNvPr id="72" name="Elbow Connector 18">
+            <a:extLst>
+              <a:ext uri="{FF2B5EF4-FFF2-40B4-BE49-F238E27FC236}">
+                <a16:creationId xmlns:a16="http://schemas.microsoft.com/office/drawing/2014/main" id="{76575C21-7F57-4866-93FD-D7909E1F880F}"/>
+              </a:ext>
+            </a:extLst>
+          </p:cNvPr>
+          <p:cNvCxnSpPr>
+            <a:cxnSpLocks/>
+            <a:stCxn id="26" idx="2"/>
+            <a:endCxn id="15" idx="0"/>
+          </p:cNvCxnSpPr>
+          <p:nvPr/>
+        </p:nvCxnSpPr>
+        <p:spPr>
+          <a:xfrm rot="5400000">
+            <a:off x="6348371" y="4111114"/>
+            <a:ext cx="303489" cy="1156833"/>
+          </a:xfrm>
+          <a:prstGeom prst="bentConnector3">
+            <a:avLst>
+              <a:gd name="adj1" fmla="val 50000"/>
+            </a:avLst>
+          </a:prstGeom>
+          <a:ln w="12700">
+            <a:solidFill>
+              <a:schemeClr val="tx2"/>
+            </a:solidFill>
+            <a:headEnd type="none" w="med" len="sm"/>
+            <a:tailEnd type="arrow" w="med" len="sm"/>
+          </a:ln>
+        </p:spPr>
+        <p:style>
+          <a:lnRef idx="1">
+            <a:schemeClr val="accent1"/>
+          </a:lnRef>
+          <a:fillRef idx="0">
+            <a:schemeClr val="accent1"/>
+          </a:fillRef>
+          <a:effectRef idx="0">
+            <a:schemeClr val="accent1"/>
+          </a:effectRef>
+          <a:fontRef idx="minor">
+            <a:schemeClr val="tx1"/>
+          </a:fontRef>
+        </p:style>
+      </p:cxnSp>
+      <p:cxnSp>
+        <p:nvCxnSpPr>
+          <p:cNvPr id="64" name="Straight Arrow Connector 17">
+            <a:extLst>
+              <a:ext uri="{FF2B5EF4-FFF2-40B4-BE49-F238E27FC236}">
+                <a16:creationId xmlns:a16="http://schemas.microsoft.com/office/drawing/2014/main" id="{5A9D33BB-F7AF-C044-9BA5-6F98953C5C41}"/>
+              </a:ext>
+            </a:extLst>
+          </p:cNvPr>
+          <p:cNvCxnSpPr>
+            <a:stCxn id="26" idx="0"/>
+            <a:endCxn id="42" idx="2"/>
+          </p:cNvCxnSpPr>
+          <p:nvPr/>
+        </p:nvCxnSpPr>
+        <p:spPr>
+          <a:xfrm rot="5400000" flipH="1" flipV="1">
+            <a:off x="7016736" y="4015675"/>
+            <a:ext cx="126706" cy="3117"/>
+          </a:xfrm>
+          <a:prstGeom prst="straightConnector1">
+            <a:avLst/>
+          </a:prstGeom>
+          <a:ln w="12700">
+            <a:solidFill>
+              <a:schemeClr val="tx2"/>
+            </a:solidFill>
+            <a:headEnd type="arrow" w="med" len="sm"/>
+            <a:tailEnd type="none" w="med" len="sm"/>
+          </a:ln>
+        </p:spPr>
+        <p:style>
+          <a:lnRef idx="1">
+            <a:schemeClr val="accent1"/>
+          </a:lnRef>
+          <a:fillRef idx="0">
+            <a:schemeClr val="accent1"/>
+          </a:fillRef>
+          <a:effectRef idx="0">
+            <a:schemeClr val="accent1"/>
+          </a:effectRef>
+          <a:fontRef idx="minor">
+            <a:schemeClr val="tx1"/>
+          </a:fontRef>
+        </p:style>
+      </p:cxnSp>
+      <p:sp>
+        <p:nvSpPr>
+          <p:cNvPr id="70" name="Rectangle 32">
+            <a:extLst>
+              <a:ext uri="{FF2B5EF4-FFF2-40B4-BE49-F238E27FC236}">
+                <a16:creationId xmlns:a16="http://schemas.microsoft.com/office/drawing/2014/main" id="{D5377BF9-AF75-4EBE-AC31-8C28D943A194}"/>
+              </a:ext>
+            </a:extLst>
+          </p:cNvPr>
+          <p:cNvSpPr/>
+          <p:nvPr/>
+        </p:nvSpPr>
+        <p:spPr>
+          <a:xfrm>
+            <a:off x="7575656" y="4850239"/>
+            <a:ext cx="2120794" cy="1203987"/>
+          </a:xfrm>
+          <a:prstGeom prst="rect">
+            <a:avLst/>
+          </a:prstGeom>
+          <a:solidFill>
+            <a:srgbClr val="1D8900">
+              <a:alpha val="9800"/>
+            </a:srgbClr>
+          </a:solidFill>
+          <a:ln w="12700">
+            <a:noFill/>
+            <a:prstDash val="dash"/>
+          </a:ln>
+        </p:spPr>
+        <p:style>
+          <a:lnRef idx="2">
+            <a:schemeClr val="accent1">
+              <a:shade val="50000"/>
+            </a:schemeClr>
+          </a:lnRef>
+          <a:fillRef idx="1">
+            <a:schemeClr val="accent1"/>
+          </a:fillRef>
+          <a:effectRef idx="0">
+            <a:schemeClr val="accent1"/>
+          </a:effectRef>
+          <a:fontRef idx="minor">
+            <a:schemeClr val="lt1"/>
+          </a:fontRef>
+        </p:style>
+        <p:txBody>
+          <a:bodyPr lIns="502920" tIns="45720" rIns="91440" bIns="45720" anchor="t"/>
+          <a:lstStyle/>
+          <a:p>
+            <a:pPr>
+              <a:defRPr/>
+            </a:pPr>
+            <a:r>
+              <a:rPr lang="en-US" sz="1200" dirty="0">
+                <a:solidFill>
+                  <a:srgbClr val="1E8900"/>
+                </a:solidFill>
+                <a:latin typeface="Arial"/>
+                <a:ea typeface="+mn-ea"/>
+                <a:cs typeface="Arial"/>
+              </a:rPr>
+              <a:t>Public subnet</a:t>
+            </a:r>
+            <a:r>
+              <a:rPr lang="en-US" sz="1200" dirty="0">
+                <a:solidFill>
+                  <a:srgbClr val="1E8900"/>
+                </a:solidFill>
+                <a:latin typeface="Arial"/>
+                <a:cs typeface="Arial"/>
+              </a:rPr>
+              <a:t> - WEB</a:t>
+            </a:r>
+            <a:endParaRPr lang="en-US" sz="1200" dirty="0">
+              <a:solidFill>
+                <a:srgbClr val="1E8900"/>
+              </a:solidFill>
+              <a:latin typeface="Arial"/>
+              <a:ea typeface="+mn-ea"/>
+              <a:cs typeface="Arial"/>
+            </a:endParaRPr>
+          </a:p>
+        </p:txBody>
+      </p:sp>
+      <p:pic>
+        <p:nvPicPr>
+          <p:cNvPr id="73" name="Graphic 19">
+            <a:extLst>
+              <a:ext uri="{FF2B5EF4-FFF2-40B4-BE49-F238E27FC236}">
+                <a16:creationId xmlns:a16="http://schemas.microsoft.com/office/drawing/2014/main" id="{AA48A2D6-FE84-43A6-A9B4-8579EBA19D07}"/>
+              </a:ext>
+            </a:extLst>
+          </p:cNvPr>
+          <p:cNvPicPr>
+            <a:picLocks noChangeAspect="1"/>
+          </p:cNvPicPr>
+          <p:nvPr/>
+        </p:nvPicPr>
+        <p:blipFill rotWithShape="1">
+          <a:blip r:embed="rId8" cstate="print"/>
+          <a:stretch>
+            <a:fillRect/>
+          </a:stretch>
+        </p:blipFill>
+        <p:spPr>
+          <a:xfrm>
+            <a:off x="7575708" y="4850919"/>
+            <a:ext cx="381000" cy="381000"/>
+          </a:xfrm>
+          <a:prstGeom prst="rect">
+            <a:avLst/>
+          </a:prstGeom>
+        </p:spPr>
+      </p:pic>
+      <p:cxnSp>
+        <p:nvCxnSpPr>
+          <p:cNvPr id="88" name="Elbow Connector 18">
+            <a:extLst>
+              <a:ext uri="{FF2B5EF4-FFF2-40B4-BE49-F238E27FC236}">
+                <a16:creationId xmlns:a16="http://schemas.microsoft.com/office/drawing/2014/main" id="{76575C21-7F57-4866-93FD-D7909E1F880F}"/>
+              </a:ext>
+            </a:extLst>
+          </p:cNvPr>
+          <p:cNvCxnSpPr>
+            <a:cxnSpLocks/>
+            <a:stCxn id="26" idx="2"/>
+            <a:endCxn id="70" idx="0"/>
+          </p:cNvCxnSpPr>
+          <p:nvPr/>
+        </p:nvCxnSpPr>
+        <p:spPr>
+          <a:xfrm rot="16200000" flipH="1">
+            <a:off x="7701066" y="3915251"/>
+            <a:ext cx="312453" cy="1557522"/>
+          </a:xfrm>
+          <a:prstGeom prst="bentConnector3">
+            <a:avLst>
+              <a:gd name="adj1" fmla="val 50000"/>
+            </a:avLst>
+          </a:prstGeom>
+          <a:ln w="12700">
+            <a:solidFill>
+              <a:schemeClr val="tx2"/>
+            </a:solidFill>
+            <a:headEnd type="none" w="med" len="sm"/>
+            <a:tailEnd type="arrow" w="med" len="sm"/>
+          </a:ln>
+        </p:spPr>
+        <p:style>
+          <a:lnRef idx="1">
+            <a:schemeClr val="accent1"/>
+          </a:lnRef>
+          <a:fillRef idx="0">
+            <a:schemeClr val="accent1"/>
+          </a:fillRef>
+          <a:effectRef idx="0">
+            <a:schemeClr val="accent1"/>
+          </a:effectRef>
+          <a:fontRef idx="minor">
+            <a:schemeClr val="tx1"/>
+          </a:fontRef>
+        </p:style>
+      </p:cxnSp>
+      <p:cxnSp>
+        <p:nvCxnSpPr>
+          <p:cNvPr id="93" name="Straight Arrow Connector 7">
+            <a:extLst>
+              <a:ext uri="{FF2B5EF4-FFF2-40B4-BE49-F238E27FC236}">
+                <a16:creationId xmlns:a16="http://schemas.microsoft.com/office/drawing/2014/main" id="{355F1620-709A-6C4D-A2F6-D3178E2AF71A}"/>
+              </a:ext>
+            </a:extLst>
+          </p:cNvPr>
+          <p:cNvCxnSpPr>
+            <a:stCxn id="17" idx="3"/>
+            <a:endCxn id="95" idx="1"/>
+          </p:cNvCxnSpPr>
+          <p:nvPr/>
+        </p:nvCxnSpPr>
+        <p:spPr>
+          <a:xfrm flipV="1">
+            <a:off x="7772400" y="2512878"/>
+            <a:ext cx="753020" cy="6485"/>
+          </a:xfrm>
+          <a:prstGeom prst="straightConnector1">
+            <a:avLst/>
+          </a:prstGeom>
+          <a:ln w="12700">
+            <a:solidFill>
+              <a:srgbClr val="545B64"/>
+            </a:solidFill>
+            <a:headEnd type="none" w="med" len="sm"/>
+            <a:tailEnd type="none" w="med" len="sm"/>
+          </a:ln>
+        </p:spPr>
+        <p:style>
+          <a:lnRef idx="1">
+            <a:schemeClr val="accent1"/>
+          </a:lnRef>
+          <a:fillRef idx="0">
+            <a:schemeClr val="accent1"/>
+          </a:fillRef>
+          <a:effectRef idx="0">
+            <a:schemeClr val="accent1"/>
+          </a:effectRef>
+          <a:fontRef idx="minor">
+            <a:schemeClr val="tx1"/>
+          </a:fontRef>
+        </p:style>
+      </p:cxnSp>
+      <p:pic>
+        <p:nvPicPr>
+          <p:cNvPr id="94" name="Graphic 60"/>
+          <p:cNvPicPr>
+            <a:picLocks noChangeAspect="1" noChangeArrowheads="1"/>
+          </p:cNvPicPr>
+          <p:nvPr/>
+        </p:nvPicPr>
+        <p:blipFill rotWithShape="1">
+          <a:blip r:embed="rId13" cstate="print"/>
+          <a:srcRect/>
+          <a:stretch>
+            <a:fillRect/>
+          </a:stretch>
+        </p:blipFill>
+        <p:spPr>
+          <a:xfrm>
+            <a:off x="5696271" y="2312165"/>
+            <a:ext cx="457200" cy="457200"/>
+          </a:xfrm>
+          <a:prstGeom prst="rect">
+            <a:avLst/>
+          </a:prstGeom>
+          <a:noFill/>
+          <a:ln>
+            <a:noFill/>
+          </a:ln>
+        </p:spPr>
+      </p:pic>
+      <p:sp>
+        <p:nvSpPr>
+          <p:cNvPr id="95" name="Rectangle 7"/>
+          <p:cNvSpPr/>
+          <p:nvPr/>
+        </p:nvSpPr>
+        <p:spPr>
+          <a:xfrm>
+            <a:off x="8525420" y="1863456"/>
+            <a:ext cx="2390230" cy="1298844"/>
+          </a:xfrm>
+          <a:prstGeom prst="rect">
+            <a:avLst/>
+          </a:prstGeom>
+          <a:solidFill>
+            <a:srgbClr val="007CBC">
+              <a:alpha val="9800"/>
+            </a:srgbClr>
+          </a:solidFill>
+          <a:ln w="12700">
+            <a:noFill/>
+            <a:prstDash val="dash"/>
+          </a:ln>
+        </p:spPr>
+        <p:style>
+          <a:lnRef idx="2">
+            <a:schemeClr val="accent1">
+              <a:shade val="50000"/>
+            </a:schemeClr>
+          </a:lnRef>
+          <a:fillRef idx="1">
+            <a:schemeClr val="accent1"/>
+          </a:fillRef>
+          <a:effectRef idx="0">
+            <a:schemeClr val="accent1"/>
+          </a:effectRef>
+          <a:fontRef idx="minor">
+            <a:schemeClr val="lt1"/>
+          </a:fontRef>
+        </p:style>
+        <p:txBody>
+          <a:bodyPr lIns="502920" tIns="45720" rIns="91440" bIns="45720" anchor="t"/>
+          <a:lstStyle/>
+          <a:p>
+            <a:pPr>
+              <a:defRPr/>
+            </a:pPr>
+            <a:r>
+              <a:rPr lang="en-US" sz="1200" dirty="0">
+                <a:solidFill>
+                  <a:srgbClr val="5B9CD5"/>
+                </a:solidFill>
+                <a:latin typeface="Arial"/>
+                <a:ea typeface="+mn-ea"/>
+                <a:cs typeface="Arial"/>
+              </a:rPr>
+              <a:t>Private </a:t>
+            </a:r>
+            <a:r>
+              <a:rPr lang="en-US" sz="1200" dirty="0">
+                <a:solidFill>
+                  <a:srgbClr val="5B9CD5"/>
+                </a:solidFill>
+                <a:latin typeface="Arial"/>
+                <a:cs typeface="Arial"/>
+              </a:rPr>
+              <a:t>subnet – RDS</a:t>
+            </a:r>
+            <a:endParaRPr lang="en-US" sz="1200" dirty="0">
+              <a:solidFill>
+                <a:srgbClr val="5B9CD5"/>
+              </a:solidFill>
+              <a:latin typeface="Arial"/>
+              <a:ea typeface="+mn-ea"/>
+              <a:cs typeface="Arial"/>
+            </a:endParaRPr>
+          </a:p>
+        </p:txBody>
+      </p:sp>
+      <p:pic>
+        <p:nvPicPr>
+          <p:cNvPr id="96" name="Graphic 21"/>
+          <p:cNvPicPr>
+            <a:picLocks noChangeAspect="1"/>
+          </p:cNvPicPr>
+          <p:nvPr/>
+        </p:nvPicPr>
+        <p:blipFill rotWithShape="1">
+          <a:blip r:embed="rId22" cstate="print"/>
+          <a:stretch>
+            <a:fillRect/>
+          </a:stretch>
+        </p:blipFill>
+        <p:spPr>
+          <a:xfrm>
+            <a:off x="8523428" y="1854371"/>
+            <a:ext cx="354969" cy="354969"/>
+          </a:xfrm>
+          <a:prstGeom prst="rect">
+            <a:avLst/>
+          </a:prstGeom>
+        </p:spPr>
+      </p:pic>
+      <p:cxnSp>
+        <p:nvCxnSpPr>
+          <p:cNvPr id="99" name="Straight Arrow Connector 17">
+            <a:extLst>
+              <a:ext uri="{FF2B5EF4-FFF2-40B4-BE49-F238E27FC236}">
+                <a16:creationId xmlns:a16="http://schemas.microsoft.com/office/drawing/2014/main" id="{5A9D33BB-F7AF-C044-9BA5-6F98953C5C41}"/>
+              </a:ext>
+            </a:extLst>
+          </p:cNvPr>
+          <p:cNvCxnSpPr>
+            <a:endCxn id="42" idx="0"/>
+          </p:cNvCxnSpPr>
+          <p:nvPr/>
+        </p:nvCxnSpPr>
+        <p:spPr>
+          <a:xfrm rot="16200000" flipH="1">
+            <a:off x="6931221" y="3346253"/>
+            <a:ext cx="296280" cy="4573"/>
+          </a:xfrm>
+          <a:prstGeom prst="straightConnector1">
+            <a:avLst/>
+          </a:prstGeom>
+          <a:ln w="12700">
+            <a:solidFill>
+              <a:schemeClr val="tx2"/>
+            </a:solidFill>
+            <a:headEnd type="arrow" w="med" len="sm"/>
+            <a:tailEnd type="none" w="med" len="sm"/>
+          </a:ln>
+        </p:spPr>
+        <p:style>
+          <a:lnRef idx="1">
+            <a:schemeClr val="accent1"/>
+          </a:lnRef>
+          <a:fillRef idx="0">
+            <a:schemeClr val="accent1"/>
+          </a:fillRef>
+          <a:effectRef idx="0">
+            <a:schemeClr val="accent1"/>
+          </a:effectRef>
+          <a:fontRef idx="minor">
+            <a:schemeClr val="tx1"/>
+          </a:fontRef>
+        </p:style>
+      </p:cxnSp>
+      <p:cxnSp>
+        <p:nvCxnSpPr>
+          <p:cNvPr id="105" name="Straight Arrow Connector 7">
+            <a:extLst>
+              <a:ext uri="{FF2B5EF4-FFF2-40B4-BE49-F238E27FC236}">
+                <a16:creationId xmlns:a16="http://schemas.microsoft.com/office/drawing/2014/main" id="{355F1620-709A-6C4D-A2F6-D3178E2AF71A}"/>
+              </a:ext>
+            </a:extLst>
+          </p:cNvPr>
+          <p:cNvCxnSpPr>
+            <a:stCxn id="53" idx="2"/>
+          </p:cNvCxnSpPr>
+          <p:nvPr/>
+        </p:nvCxnSpPr>
+        <p:spPr>
+          <a:xfrm rot="5400000">
+            <a:off x="8083984" y="2424449"/>
+            <a:ext cx="159568" cy="1685"/>
+          </a:xfrm>
+          <a:prstGeom prst="straightConnector1">
+            <a:avLst/>
+          </a:prstGeom>
+          <a:ln w="12700">
+            <a:solidFill>
+              <a:srgbClr val="545B64"/>
+            </a:solidFill>
+            <a:headEnd type="none" w="med" len="sm"/>
+            <a:tailEnd type="none" w="med" len="sm"/>
+          </a:ln>
+        </p:spPr>
+        <p:style>
+          <a:lnRef idx="1">
+            <a:schemeClr val="accent1"/>
+          </a:lnRef>
+          <a:fillRef idx="0">
+            <a:schemeClr val="accent1"/>
+          </a:fillRef>
+          <a:effectRef idx="0">
+            <a:schemeClr val="accent1"/>
+          </a:effectRef>
+          <a:fontRef idx="minor">
+            <a:schemeClr val="tx1"/>
+          </a:fontRef>
+        </p:style>
+      </p:cxnSp>
+    </p:spTree>
+    <p:extLst>
+      <p:ext uri="{BB962C8B-B14F-4D97-AF65-F5344CB8AC3E}">
+        <p14:creationId xmlns:p14="http://schemas.microsoft.com/office/powerpoint/2010/main" val="4264483797"/>
+      </p:ext>
+    </p:extLst>
   </p:cSld>
   <p:clrMapOvr>
     <a:masterClrMapping/>
@@ -5016,7 +6804,7 @@
 </file>
 
 <file path=ppt/slides/slide4.xml><?xml version="1.0" encoding="utf-8"?>
-<p:sld xmlns:a="http://schemas.openxmlformats.org/drawingml/2006/main" xmlns:r="http://schemas.openxmlformats.org/officeDocument/2006/relationships" xmlns:p="http://schemas.openxmlformats.org/presentationml/2006/main">
+<p:sld xmlns:r="http://schemas.openxmlformats.org/officeDocument/2006/relationships" xmlns:c="http://schemas.openxmlformats.org/drawingml/2006/chart" xmlns:a="http://schemas.openxmlformats.org/drawingml/2006/main" xmlns:dgm="http://schemas.openxmlformats.org/drawingml/2006/diagram" xmlns:dsp="http://schemas.microsoft.com/office/drawing/2008/diagram" xmlns:p="http://schemas.openxmlformats.org/presentationml/2006/main">
   <p:cSld>
     <p:spTree>
       <p:nvGrpSpPr>
@@ -5034,13 +6822,7 @@
       </p:grpSpPr>
       <p:sp>
         <p:nvSpPr>
-          <p:cNvPr id="4" name="TextBox 3">
-            <a:extLst>
-              <a:ext uri="{FF2B5EF4-FFF2-40B4-BE49-F238E27FC236}">
-                <a16:creationId xmlns:a16="http://schemas.microsoft.com/office/drawing/2014/main" id="{52A57075-5607-4622-B76D-4C7F9AC328BD}"/>
-              </a:ext>
-            </a:extLst>
-          </p:cNvPr>
+          <p:cNvPr id="4" name="TextBox 3"/>
           <p:cNvSpPr txBox="1"/>
           <p:nvPr/>
         </p:nvSpPr>
@@ -5055,7 +6837,7 @@
           <a:noFill/>
         </p:spPr>
         <p:txBody>
-          <a:bodyPr rot="0" spcFirstLastPara="0" vertOverflow="overflow" horzOverflow="overflow" vert="horz" wrap="square" lIns="91440" tIns="45720" rIns="91440" bIns="45720" numCol="1" spcCol="0" rtlCol="0" fromWordArt="0" anchor="t" anchorCtr="0" forceAA="0" compatLnSpc="1">
+          <a:bodyPr rot="0" vert="horz" wrap="square" lIns="91440" tIns="45720" rIns="91440" bIns="45720" anchor="t" anchorCtr="0">
             <a:prstTxWarp prst="textNoShape">
               <a:avLst/>
             </a:prstTxWarp>
@@ -5063,70 +6845,30 @@
           </a:bodyPr>
           <a:lstStyle/>
           <a:p>
-            <a:r>
-              <a:rPr lang="ko-KR" altLang="en-US" err="1">
-                <a:ea typeface="맑은 고딕"/>
-                <a:cs typeface="Calibri"/>
-              </a:rPr>
-              <a:t>Spring</a:t>
-            </a:r>
+            <a:pPr lvl="0">
+              <a:defRPr/>
+            </a:pPr>
             <a:r>
               <a:rPr lang="ko-KR" altLang="en-US">
                 <a:ea typeface="맑은 고딕"/>
                 <a:cs typeface="Calibri"/>
               </a:rPr>
-              <a:t> </a:t>
+              <a:t>Spring Boot Dependency </a:t>
             </a:r>
-            <a:r>
-              <a:rPr lang="ko-KR" altLang="en-US" err="1">
-                <a:ea typeface="맑은 고딕"/>
-                <a:cs typeface="Calibri"/>
-              </a:rPr>
-              <a:t>Boot</a:t>
-            </a:r>
-            <a:r>
-              <a:rPr lang="ko-KR" altLang="en-US">
-                <a:ea typeface="맑은 고딕"/>
-                <a:cs typeface="Calibri"/>
-              </a:rPr>
-              <a:t> </a:t>
-            </a:r>
-            <a:r>
-              <a:rPr lang="ko-KR" altLang="en-US" err="1">
-                <a:ea typeface="맑은 고딕"/>
-                <a:cs typeface="Calibri"/>
-              </a:rPr>
-              <a:t>Dependency</a:t>
-            </a:r>
-            <a:r>
-              <a:rPr lang="ko-KR" altLang="en-US">
-                <a:ea typeface="맑은 고딕"/>
-                <a:cs typeface="Calibri"/>
-              </a:rPr>
-              <a:t> </a:t>
-            </a:r>
+            <a:endParaRPr lang="ko-KR" altLang="en-US">
+              <a:ea typeface="맑은 고딕"/>
+              <a:cs typeface="Calibri"/>
+            </a:endParaRPr>
           </a:p>
         </p:txBody>
       </p:sp>
       <p:graphicFrame>
         <p:nvGraphicFramePr>
-          <p:cNvPr id="5" name="표 5">
-            <a:extLst>
-              <a:ext uri="{FF2B5EF4-FFF2-40B4-BE49-F238E27FC236}">
-                <a16:creationId xmlns:a16="http://schemas.microsoft.com/office/drawing/2014/main" id="{8F73FCB0-8F73-4C85-81B2-29B2890C19A9}"/>
-              </a:ext>
-            </a:extLst>
-          </p:cNvPr>
+          <p:cNvPr id="5" name="표 5"/>
           <p:cNvGraphicFramePr>
             <a:graphicFrameLocks noGrp="1"/>
           </p:cNvGraphicFramePr>
-          <p:nvPr>
-            <p:extLst>
-              <p:ext uri="{D42A27DB-BD31-4B8C-83A1-F6EECF244321}">
-                <p14:modId xmlns:p14="http://schemas.microsoft.com/office/powerpoint/2010/main" val="917249001"/>
-              </p:ext>
-            </p:extLst>
-          </p:nvPr>
+          <p:nvPr/>
         </p:nvGraphicFramePr>
         <p:xfrm>
           <a:off x="796338" y="1744806"/>
@@ -5139,106 +6881,97 @@
                 <a:tableStyleId>{5C22544A-7EE6-4342-B048-85BDC9FD1C3A}</a:tableStyleId>
               </a:tblPr>
               <a:tblGrid>
-                <a:gridCol w="2750815">
-                  <a:extLst>
-                    <a:ext uri="{9D8B030D-6E8A-4147-A177-3AD203B41FA5}">
-                      <a16:colId xmlns:a16="http://schemas.microsoft.com/office/drawing/2014/main" val="1545482994"/>
-                    </a:ext>
-                  </a:extLst>
-                </a:gridCol>
-                <a:gridCol w="6671140">
-                  <a:extLst>
-                    <a:ext uri="{9D8B030D-6E8A-4147-A177-3AD203B41FA5}">
-                      <a16:colId xmlns:a16="http://schemas.microsoft.com/office/drawing/2014/main" val="4088836831"/>
-                    </a:ext>
-                  </a:extLst>
-                </a:gridCol>
+                <a:gridCol w="2750815"/>
+                <a:gridCol w="6671140"/>
               </a:tblGrid>
               <a:tr h="516716">
                 <a:tc>
                   <a:txBody>
-                    <a:bodyPr/>
-                    <a:lstStyle/>
+                    <a:bodyPr vert="horz" lIns="91440" tIns="45720" rIns="91440" bIns="45720" anchor="t" anchorCtr="0"/>
                     <a:p>
-                      <a:pPr algn="ctr" latinLnBrk="1"/>
+                      <a:pPr algn="ctr" latinLnBrk="1">
+                        <a:defRPr/>
+                      </a:pPr>
                       <a:r>
                         <a:rPr lang="ko-KR" altLang="en-US"/>
                         <a:t>구    분</a:t>
                       </a:r>
+                      <a:endParaRPr lang="ko-KR" altLang="en-US"/>
                     </a:p>
                   </a:txBody>
-                  <a:tcPr/>
+                  <a:tcPr marL="91440" marR="91440"/>
                 </a:tc>
                 <a:tc>
                   <a:txBody>
-                    <a:bodyPr/>
-                    <a:lstStyle/>
+                    <a:bodyPr vert="horz" lIns="91440" tIns="45720" rIns="91440" bIns="45720" anchor="t" anchorCtr="0"/>
                     <a:p>
-                      <a:pPr algn="ctr" latinLnBrk="1"/>
+                      <a:pPr algn="ctr" latinLnBrk="1">
+                        <a:defRPr/>
+                      </a:pPr>
                       <a:r>
-                        <a:rPr lang="ko-KR" altLang="en-US" err="1"/>
+                        <a:rPr lang="ko-KR" altLang="en-US"/>
                         <a:t>Dependency</a:t>
                       </a:r>
+                      <a:endParaRPr lang="ko-KR" altLang="en-US"/>
                     </a:p>
                   </a:txBody>
-                  <a:tcPr/>
+                  <a:tcPr marL="91440" marR="91440"/>
                 </a:tc>
-                <a:extLst>
-                  <a:ext uri="{0D108BD9-81ED-4DB2-BD59-A6C34878D82A}">
-                    <a16:rowId xmlns:a16="http://schemas.microsoft.com/office/drawing/2014/main" val="1947451000"/>
-                  </a:ext>
-                </a:extLst>
               </a:tr>
               <a:tr h="2803662">
                 <a:tc>
                   <a:txBody>
-                    <a:bodyPr/>
-                    <a:lstStyle/>
+                    <a:bodyPr vert="horz" lIns="91440" tIns="45720" rIns="91440" bIns="45720" anchor="t" anchorCtr="0"/>
                     <a:p>
                       <a:pPr lvl="0" algn="ctr">
                         <a:buNone/>
+                        <a:defRPr/>
                       </a:pPr>
                       <a:endParaRPr lang="ko-KR" altLang="en-US"/>
                     </a:p>
                     <a:p>
                       <a:pPr lvl="0" algn="ctr">
                         <a:buNone/>
+                        <a:defRPr/>
                       </a:pPr>
                       <a:endParaRPr lang="ko-KR" altLang="en-US"/>
                     </a:p>
                     <a:p>
                       <a:pPr lvl="0" algn="ctr">
                         <a:buNone/>
+                        <a:defRPr/>
                       </a:pPr>
                       <a:endParaRPr lang="ko-KR" altLang="en-US"/>
                     </a:p>
                     <a:p>
                       <a:pPr lvl="0" algn="ctr">
                         <a:buNone/>
+                        <a:defRPr/>
                       </a:pPr>
                       <a:endParaRPr lang="ko-KR" altLang="en-US"/>
                     </a:p>
                     <a:p>
                       <a:pPr lvl="0" algn="ctr">
                         <a:buNone/>
+                        <a:defRPr/>
                       </a:pPr>
                       <a:r>
-                        <a:rPr lang="ko-KR" altLang="en-US" err="1"/>
+                        <a:rPr lang="ko-KR" altLang="en-US"/>
                         <a:t>SpringBoot</a:t>
                       </a:r>
                       <a:endParaRPr lang="ko-KR" altLang="en-US"/>
                     </a:p>
                   </a:txBody>
-                  <a:tcPr/>
+                  <a:tcPr marL="91440" marR="91440"/>
                 </a:tc>
                 <a:tc>
                   <a:txBody>
-                    <a:bodyPr/>
-                    <a:lstStyle/>
+                    <a:bodyPr vert="horz" lIns="91440" tIns="45720" rIns="91440" bIns="45720" anchor="t" anchorCtr="0"/>
                     <a:p>
                       <a:pPr marL="285750" lvl="0" indent="-285750">
                         <a:buFont typeface="Arial"/>
                         <a:buChar char="•"/>
+                        <a:defRPr/>
                       </a:pPr>
                       <a:endParaRPr lang="ko-KR" altLang="en-US"/>
                     </a:p>
@@ -5246,37 +6979,11 @@
                       <a:pPr marL="285750" lvl="0" indent="-285750">
                         <a:buFont typeface="Arial"/>
                         <a:buChar char="•"/>
+                        <a:defRPr/>
                       </a:pPr>
                       <a:r>
-                        <a:rPr lang="ko-KR" altLang="en-US" err="1"/>
+                        <a:rPr lang="ko-KR" altLang="en-US"/>
                         <a:t>Lombok</a:t>
-                      </a:r>
-                      <a:endParaRPr lang="ko-KR" err="1"/>
-                    </a:p>
-                    <a:p>
-                      <a:pPr marL="285750" lvl="0" indent="-285750">
-                        <a:buFont typeface="Arial"/>
-                        <a:buChar char="•"/>
-                      </a:pPr>
-                      <a:r>
-                        <a:rPr lang="ko-KR" altLang="en-US" err="1"/>
-                        <a:t>Spring</a:t>
-                      </a:r>
-                      <a:r>
-                        <a:rPr lang="ko-KR" altLang="en-US"/>
-                        <a:t> </a:t>
-                      </a:r>
-                      <a:r>
-                        <a:rPr lang="ko-KR" altLang="en-US" err="1"/>
-                        <a:t>Boot</a:t>
-                      </a:r>
-                      <a:r>
-                        <a:rPr lang="ko-KR" altLang="en-US"/>
-                        <a:t> </a:t>
-                      </a:r>
-                      <a:r>
-                        <a:rPr lang="ko-KR" altLang="en-US" err="1"/>
-                        <a:t>DevTools</a:t>
                       </a:r>
                       <a:endParaRPr lang="ko-KR" altLang="en-US"/>
                     </a:p>
@@ -5284,18 +6991,11 @@
                       <a:pPr marL="285750" lvl="0" indent="-285750">
                         <a:buFont typeface="Arial"/>
                         <a:buChar char="•"/>
+                        <a:defRPr/>
                       </a:pPr>
                       <a:r>
-                        <a:rPr lang="ko-KR" altLang="en-US" err="1"/>
-                        <a:t>Spring</a:t>
-                      </a:r>
-                      <a:r>
                         <a:rPr lang="ko-KR" altLang="en-US"/>
-                        <a:t> </a:t>
-                      </a:r>
-                      <a:r>
-                        <a:rPr lang="ko-KR" altLang="en-US" err="1"/>
-                        <a:t>Web</a:t>
+                        <a:t>Spring Boot DevTools</a:t>
                       </a:r>
                       <a:endParaRPr lang="ko-KR" altLang="en-US"/>
                     </a:p>
@@ -5303,32 +7003,11 @@
                       <a:pPr marL="285750" lvl="0" indent="-285750">
                         <a:buFont typeface="Arial"/>
                         <a:buChar char="•"/>
+                        <a:defRPr/>
                       </a:pPr>
                       <a:r>
-                        <a:rPr lang="ko-KR" altLang="en-US" err="1"/>
-                        <a:t>Spring</a:t>
-                      </a:r>
-                      <a:r>
                         <a:rPr lang="ko-KR" altLang="en-US"/>
-                        <a:t> Data JPA</a:t>
-                      </a:r>
-                    </a:p>
-                    <a:p>
-                      <a:pPr marL="285750" lvl="0" indent="-285750">
-                        <a:buFont typeface="Arial"/>
-                        <a:buChar char="•"/>
-                      </a:pPr>
-                      <a:r>
-                        <a:rPr lang="ko-KR" altLang="en-US" err="1"/>
-                        <a:t>Mysql</a:t>
-                      </a:r>
-                      <a:r>
-                        <a:rPr lang="ko-KR" altLang="en-US"/>
-                        <a:t> </a:t>
-                      </a:r>
-                      <a:r>
-                        <a:rPr lang="ko-KR" altLang="en-US" err="1"/>
-                        <a:t>Driver</a:t>
+                        <a:t>Spring Web</a:t>
                       </a:r>
                       <a:endParaRPr lang="ko-KR" altLang="en-US"/>
                     </a:p>
@@ -5336,18 +7015,11 @@
                       <a:pPr marL="285750" lvl="0" indent="-285750">
                         <a:buFont typeface="Arial"/>
                         <a:buChar char="•"/>
+                        <a:defRPr/>
                       </a:pPr>
                       <a:r>
-                        <a:rPr lang="ko-KR" altLang="en-US" err="1"/>
-                        <a:t>Spring</a:t>
-                      </a:r>
-                      <a:r>
                         <a:rPr lang="ko-KR" altLang="en-US"/>
-                        <a:t> </a:t>
-                      </a:r>
-                      <a:r>
-                        <a:rPr lang="ko-KR" altLang="en-US" err="1"/>
-                        <a:t>Security</a:t>
+                        <a:t>Spring Data JPA</a:t>
                       </a:r>
                       <a:endParaRPr lang="ko-KR" altLang="en-US"/>
                     </a:p>
@@ -5355,25 +7027,41 @@
                       <a:pPr marL="285750" lvl="0" indent="-285750">
                         <a:buFont typeface="Arial"/>
                         <a:buChar char="•"/>
+                        <a:defRPr/>
                       </a:pPr>
                       <a:r>
                         <a:rPr lang="ko-KR" altLang="en-US"/>
-                        <a:t>OAuth2 </a:t>
+                        <a:t>Mysql Driver</a:t>
                       </a:r>
+                      <a:endParaRPr lang="ko-KR" altLang="en-US"/>
+                    </a:p>
+                    <a:p>
+                      <a:pPr marL="285750" lvl="0" indent="-285750">
+                        <a:buFont typeface="Arial"/>
+                        <a:buChar char="•"/>
+                        <a:defRPr/>
+                      </a:pPr>
                       <a:r>
-                        <a:rPr lang="ko-KR" altLang="en-US" err="1"/>
-                        <a:t>Client</a:t>
+                        <a:rPr lang="ko-KR" altLang="en-US"/>
+                        <a:t>Spring Security</a:t>
+                      </a:r>
+                      <a:endParaRPr lang="ko-KR" altLang="en-US"/>
+                    </a:p>
+                    <a:p>
+                      <a:pPr marL="285750" lvl="0" indent="-285750">
+                        <a:buFont typeface="Arial"/>
+                        <a:buChar char="•"/>
+                        <a:defRPr/>
+                      </a:pPr>
+                      <a:r>
+                        <a:rPr lang="ko-KR" altLang="en-US"/>
+                        <a:t>OAuth2 Client</a:t>
                       </a:r>
                       <a:endParaRPr lang="ko-KR" altLang="en-US"/>
                     </a:p>
                   </a:txBody>
-                  <a:tcPr/>
+                  <a:tcPr marL="91440" marR="91440"/>
                 </a:tc>
-                <a:extLst>
-                  <a:ext uri="{0D108BD9-81ED-4DB2-BD59-A6C34878D82A}">
-                    <a16:rowId xmlns:a16="http://schemas.microsoft.com/office/drawing/2014/main" val="1210054477"/>
-                  </a:ext>
-                </a:extLst>
               </a:tr>
             </a:tbl>
           </a:graphicData>
@@ -5381,19 +7069,13 @@
       </p:graphicFrame>
       <p:pic>
         <p:nvPicPr>
-          <p:cNvPr id="6" name="그림 6">
-            <a:extLst>
-              <a:ext uri="{FF2B5EF4-FFF2-40B4-BE49-F238E27FC236}">
-                <a16:creationId xmlns:a16="http://schemas.microsoft.com/office/drawing/2014/main" id="{60523434-401F-4098-B140-E729279EE791}"/>
-              </a:ext>
-            </a:extLst>
-          </p:cNvPr>
+          <p:cNvPr id="6" name="그림 6"/>
           <p:cNvPicPr>
             <a:picLocks noChangeAspect="1"/>
           </p:cNvPicPr>
           <p:nvPr/>
         </p:nvPicPr>
-        <p:blipFill>
+        <p:blipFill rotWithShape="1">
           <a:blip r:embed="rId2"/>
           <a:stretch>
             <a:fillRect/>
@@ -5410,15 +7092,18 @@
         </p:spPr>
       </p:pic>
     </p:spTree>
-    <p:extLst>
-      <p:ext uri="{BB962C8B-B14F-4D97-AF65-F5344CB8AC3E}">
-        <p14:creationId xmlns:p14="http://schemas.microsoft.com/office/powerpoint/2010/main" val="1797194168"/>
-      </p:ext>
-    </p:extLst>
   </p:cSld>
   <p:clrMapOvr>
     <a:masterClrMapping/>
   </p:clrMapOvr>
+  <mc:AlternateContent xmlns:mc="http://schemas.openxmlformats.org/markup-compatibility/2006">
+    <mc:Choice xmlns:p14="http://schemas.microsoft.com/office/powerpoint/2010/main" Requires="p14">
+      <p:transition xmlns:mc="http://schemas.openxmlformats.org/markup-compatibility/2006" xmlns:p14="http://schemas.microsoft.com/office/powerpoint/2010/main" mc:Ignorable="p14" p14:dur="500"/>
+    </mc:Choice>
+    <mc:Fallback>
+      <p:transition/>
+    </mc:Fallback>
+  </mc:AlternateContent>
 </p:sld>
 </file>
 
@@ -5892,821 +7577,8 @@
         </p:nvSpPr>
         <p:spPr>
           <a:xfrm>
-            <a:off x="4824051" y="4841275"/>
+            <a:off x="4609271" y="4673187"/>
             <a:ext cx="2195293" cy="1213632"/>
-          </a:xfrm>
-          <a:prstGeom prst="rect">
-            <a:avLst/>
-          </a:prstGeom>
-          <a:solidFill>
-            <a:srgbClr val="1d8900">
-              <a:alpha val="9800"/>
-            </a:srgbClr>
-          </a:solidFill>
-          <a:ln w="12700">
-            <a:noFill/>
-            <a:prstDash val="dash"/>
-          </a:ln>
-        </p:spPr>
-        <p:style>
-          <a:lnRef idx="2">
-            <a:schemeClr val="accent1">
-              <a:shade val="50000"/>
-            </a:schemeClr>
-          </a:lnRef>
-          <a:fillRef idx="1">
-            <a:schemeClr val="accent1"/>
-          </a:fillRef>
-          <a:effectRef idx="0">
-            <a:schemeClr val="accent1"/>
-          </a:effectRef>
-          <a:fontRef idx="minor">
-            <a:schemeClr val="lt1"/>
-          </a:fontRef>
-        </p:style>
-        <p:txBody>
-          <a:bodyPr lIns="502920" tIns="45720" rIns="91440" bIns="45720" anchor="t"/>
-          <a:lstStyle/>
-          <a:p>
-            <a:pPr>
-              <a:defRPr/>
-            </a:pPr>
-            <a:r>
-              <a:rPr lang="en-US" sz="1200">
-                <a:solidFill>
-                  <a:srgbClr val="1e8900"/>
-                </a:solidFill>
-                <a:latin typeface="Arial"/>
-                <a:ea typeface="+mn-ea"/>
-                <a:cs typeface="Arial"/>
-              </a:rPr>
-              <a:t>Public subnet</a:t>
-            </a:r>
-            <a:r>
-              <a:rPr lang="en-US" sz="1200">
-                <a:solidFill>
-                  <a:srgbClr val="1e8900"/>
-                </a:solidFill>
-                <a:latin typeface="Arial"/>
-                <a:cs typeface="Arial"/>
-              </a:rPr>
-              <a:t> - WEB2</a:t>
-            </a:r>
-            <a:endParaRPr lang="en-US" sz="1200">
-              <a:solidFill>
-                <a:srgbClr val="1e8900"/>
-              </a:solidFill>
-              <a:latin typeface="Arial"/>
-              <a:ea typeface="+mn-ea"/>
-              <a:cs typeface="Arial"/>
-            </a:endParaRPr>
-          </a:p>
-        </p:txBody>
-      </p:sp>
-      <p:pic>
-        <p:nvPicPr>
-          <p:cNvPr id="16" name="Graphic 19"/>
-          <p:cNvPicPr>
-            <a:picLocks noChangeAspect="1"/>
-          </p:cNvPicPr>
-          <p:nvPr/>
-        </p:nvPicPr>
-        <p:blipFill rotWithShape="1">
-          <a:blip r:embed="rId8"/>
-          <a:stretch>
-            <a:fillRect/>
-          </a:stretch>
-        </p:blipFill>
-        <p:spPr>
-          <a:xfrm>
-            <a:off x="4824104" y="4841955"/>
-            <a:ext cx="381000" cy="381000"/>
-          </a:xfrm>
-          <a:prstGeom prst="rect">
-            <a:avLst/>
-          </a:prstGeom>
-        </p:spPr>
-      </p:pic>
-      <p:sp>
-        <p:nvSpPr>
-          <p:cNvPr id="17" name="Rectangle 7"/>
-          <p:cNvSpPr/>
-          <p:nvPr/>
-        </p:nvSpPr>
-        <p:spPr>
-          <a:xfrm>
-            <a:off x="4276710" y="1876425"/>
-            <a:ext cx="2430011" cy="1285875"/>
-          </a:xfrm>
-          <a:prstGeom prst="rect">
-            <a:avLst/>
-          </a:prstGeom>
-          <a:solidFill>
-            <a:srgbClr val="007cbc">
-              <a:alpha val="9800"/>
-            </a:srgbClr>
-          </a:solidFill>
-          <a:ln w="12700">
-            <a:noFill/>
-            <a:prstDash val="dash"/>
-          </a:ln>
-        </p:spPr>
-        <p:style>
-          <a:lnRef idx="2">
-            <a:schemeClr val="accent1">
-              <a:shade val="50000"/>
-            </a:schemeClr>
-          </a:lnRef>
-          <a:fillRef idx="1">
-            <a:schemeClr val="accent1"/>
-          </a:fillRef>
-          <a:effectRef idx="0">
-            <a:schemeClr val="accent1"/>
-          </a:effectRef>
-          <a:fontRef idx="minor">
-            <a:schemeClr val="lt1"/>
-          </a:fontRef>
-        </p:style>
-        <p:txBody>
-          <a:bodyPr lIns="502920" tIns="45720" rIns="91440" bIns="45720" anchor="t"/>
-          <a:lstStyle/>
-          <a:p>
-            <a:pPr>
-              <a:defRPr/>
-            </a:pPr>
-            <a:r>
-              <a:rPr lang="en-US" sz="1200">
-                <a:solidFill>
-                  <a:srgbClr val="5b9cd5"/>
-                </a:solidFill>
-                <a:latin typeface="Arial"/>
-                <a:ea typeface="+mn-ea"/>
-                <a:cs typeface="Arial"/>
-              </a:rPr>
-              <a:t>Private </a:t>
-            </a:r>
-            <a:r>
-              <a:rPr lang="en-US" sz="1200">
-                <a:solidFill>
-                  <a:srgbClr val="5b9cd5"/>
-                </a:solidFill>
-                <a:latin typeface="Arial"/>
-                <a:cs typeface="Arial"/>
-              </a:rPr>
-              <a:t>subnet – WAS2</a:t>
-            </a:r>
-            <a:endParaRPr lang="en-US" sz="1200">
-              <a:solidFill>
-                <a:srgbClr val="5b9cd5"/>
-              </a:solidFill>
-              <a:latin typeface="Arial"/>
-              <a:ea typeface="+mn-ea"/>
-              <a:cs typeface="Arial"/>
-            </a:endParaRPr>
-          </a:p>
-        </p:txBody>
-      </p:sp>
-      <p:pic>
-        <p:nvPicPr>
-          <p:cNvPr id="18" name="Graphic 21"/>
-          <p:cNvPicPr>
-            <a:picLocks noChangeAspect="1"/>
-          </p:cNvPicPr>
-          <p:nvPr/>
-        </p:nvPicPr>
-        <p:blipFill rotWithShape="1">
-          <a:blip r:embed="rId9"/>
-          <a:stretch>
-            <a:fillRect/>
-          </a:stretch>
-        </p:blipFill>
-        <p:spPr>
-          <a:xfrm>
-            <a:off x="4275278" y="1873421"/>
-            <a:ext cx="381000" cy="381000"/>
-          </a:xfrm>
-          <a:prstGeom prst="rect">
-            <a:avLst/>
-          </a:prstGeom>
-        </p:spPr>
-      </p:pic>
-      <p:pic>
-        <p:nvPicPr>
-          <p:cNvPr id="19" name="Graphic 19"/>
-          <p:cNvPicPr>
-            <a:picLocks noChangeAspect="1" noChangeArrowheads="1"/>
-          </p:cNvPicPr>
-          <p:nvPr/>
-        </p:nvPicPr>
-        <p:blipFill rotWithShape="1">
-          <a:blip r:embed="rId10"/>
-          <a:srcRect/>
-          <a:stretch>
-            <a:fillRect/>
-          </a:stretch>
-        </p:blipFill>
-        <p:spPr>
-          <a:xfrm>
-            <a:off x="9943570" y="545693"/>
-            <a:ext cx="350494" cy="350494"/>
-          </a:xfrm>
-          <a:prstGeom prst="rect">
-            <a:avLst/>
-          </a:prstGeom>
-          <a:noFill/>
-          <a:ln>
-            <a:noFill/>
-          </a:ln>
-        </p:spPr>
-      </p:pic>
-      <p:pic>
-        <p:nvPicPr>
-          <p:cNvPr id="21" name="Graphic 6"/>
-          <p:cNvPicPr>
-            <a:picLocks noChangeAspect="1" noChangeArrowheads="1"/>
-          </p:cNvPicPr>
-          <p:nvPr/>
-        </p:nvPicPr>
-        <p:blipFill rotWithShape="1">
-          <a:blip r:embed="rId11"/>
-          <a:srcRect/>
-          <a:stretch>
-            <a:fillRect/>
-          </a:stretch>
-        </p:blipFill>
-        <p:spPr>
-          <a:xfrm>
-            <a:off x="10384236" y="547523"/>
-            <a:ext cx="347280" cy="347280"/>
-          </a:xfrm>
-          <a:prstGeom prst="rect">
-            <a:avLst/>
-          </a:prstGeom>
-          <a:noFill/>
-          <a:ln>
-            <a:noFill/>
-          </a:ln>
-        </p:spPr>
-      </p:pic>
-      <p:pic>
-        <p:nvPicPr>
-          <p:cNvPr id="26" name="Graphic 24"/>
-          <p:cNvPicPr>
-            <a:picLocks noChangeAspect="1" noChangeArrowheads="1"/>
-          </p:cNvPicPr>
-          <p:nvPr/>
-        </p:nvPicPr>
-        <p:blipFill rotWithShape="1">
-          <a:blip r:embed="rId12"/>
-          <a:srcRect/>
-          <a:stretch>
-            <a:fillRect/>
-          </a:stretch>
-        </p:blipFill>
-        <p:spPr>
-          <a:xfrm>
-            <a:off x="6849931" y="4080586"/>
-            <a:ext cx="457200" cy="457200"/>
-          </a:xfrm>
-          <a:prstGeom prst="rect">
-            <a:avLst/>
-          </a:prstGeom>
-          <a:noFill/>
-          <a:ln>
-            <a:noFill/>
-          </a:ln>
-        </p:spPr>
-      </p:pic>
-      <p:pic>
-        <p:nvPicPr>
-          <p:cNvPr id="29" name="Graphic 60"/>
-          <p:cNvPicPr>
-            <a:picLocks noChangeAspect="1" noChangeArrowheads="1"/>
-          </p:cNvPicPr>
-          <p:nvPr/>
-        </p:nvPicPr>
-        <p:blipFill rotWithShape="1">
-          <a:blip r:embed="rId13"/>
-          <a:srcRect/>
-          <a:stretch>
-            <a:fillRect/>
-          </a:stretch>
-        </p:blipFill>
-        <p:spPr>
-          <a:xfrm>
-            <a:off x="7639371" y="2302640"/>
-            <a:ext cx="457200" cy="457200"/>
-          </a:xfrm>
-          <a:prstGeom prst="rect">
-            <a:avLst/>
-          </a:prstGeom>
-          <a:noFill/>
-          <a:ln>
-            <a:noFill/>
-          </a:ln>
-        </p:spPr>
-      </p:pic>
-      <p:pic>
-        <p:nvPicPr>
-          <p:cNvPr id="30" name="Graphic 60"/>
-          <p:cNvPicPr>
-            <a:picLocks noChangeAspect="1" noChangeArrowheads="1"/>
-          </p:cNvPicPr>
-          <p:nvPr/>
-        </p:nvPicPr>
-        <p:blipFill rotWithShape="1">
-          <a:blip r:embed="rId14"/>
-          <a:srcRect/>
-          <a:stretch>
-            <a:fillRect/>
-          </a:stretch>
-        </p:blipFill>
-        <p:spPr>
-          <a:xfrm>
-            <a:off x="8350946" y="5332047"/>
-            <a:ext cx="457200" cy="457200"/>
-          </a:xfrm>
-          <a:prstGeom prst="rect">
-            <a:avLst/>
-          </a:prstGeom>
-          <a:noFill/>
-          <a:ln>
-            <a:noFill/>
-          </a:ln>
-        </p:spPr>
-      </p:pic>
-      <p:pic>
-        <p:nvPicPr>
-          <p:cNvPr id="33" name="Graphic 6"/>
-          <p:cNvPicPr>
-            <a:picLocks noChangeAspect="1" noChangeArrowheads="1"/>
-          </p:cNvPicPr>
-          <p:nvPr/>
-        </p:nvPicPr>
-        <p:blipFill rotWithShape="1">
-          <a:blip r:embed="rId15"/>
-          <a:srcRect/>
-          <a:stretch>
-            <a:fillRect/>
-          </a:stretch>
-        </p:blipFill>
-        <p:spPr>
-          <a:xfrm>
-            <a:off x="11245822" y="556487"/>
-            <a:ext cx="370878" cy="352950"/>
-          </a:xfrm>
-          <a:prstGeom prst="rect">
-            <a:avLst/>
-          </a:prstGeom>
-          <a:noFill/>
-          <a:ln>
-            <a:noFill/>
-          </a:ln>
-        </p:spPr>
-      </p:pic>
-      <p:pic>
-        <p:nvPicPr>
-          <p:cNvPr id="34" name="Graphic 14"/>
-          <p:cNvPicPr>
-            <a:picLocks noChangeAspect="1" noChangeArrowheads="1"/>
-          </p:cNvPicPr>
-          <p:nvPr/>
-        </p:nvPicPr>
-        <p:blipFill rotWithShape="1">
-          <a:blip r:embed="rId16"/>
-          <a:srcRect/>
-          <a:stretch>
-            <a:fillRect/>
-          </a:stretch>
-        </p:blipFill>
-        <p:spPr>
-          <a:xfrm>
-            <a:off x="872142" y="3465221"/>
-            <a:ext cx="469900" cy="469900"/>
-          </a:xfrm>
-          <a:prstGeom prst="rect">
-            <a:avLst/>
-          </a:prstGeom>
-          <a:noFill/>
-          <a:ln>
-            <a:noFill/>
-          </a:ln>
-        </p:spPr>
-      </p:pic>
-      <p:pic>
-        <p:nvPicPr>
-          <p:cNvPr id="37" name="Graphic 23"/>
-          <p:cNvPicPr>
-            <a:picLocks noChangeAspect="1" noChangeArrowheads="1"/>
-          </p:cNvPicPr>
-          <p:nvPr/>
-        </p:nvPicPr>
-        <p:blipFill rotWithShape="1">
-          <a:blip r:embed="rId17"/>
-          <a:srcRect/>
-          <a:stretch>
-            <a:fillRect/>
-          </a:stretch>
-        </p:blipFill>
-        <p:spPr>
-          <a:xfrm flipH="1">
-            <a:off x="872143" y="1643772"/>
-            <a:ext cx="469900" cy="469900"/>
-          </a:xfrm>
-          <a:prstGeom prst="rect">
-            <a:avLst/>
-          </a:prstGeom>
-          <a:noFill/>
-          <a:ln>
-            <a:noFill/>
-          </a:ln>
-        </p:spPr>
-      </p:pic>
-      <p:pic>
-        <p:nvPicPr>
-          <p:cNvPr id="41" name="Graphic 10"/>
-          <p:cNvPicPr>
-            <a:picLocks noChangeAspect="1" noChangeArrowheads="1"/>
-          </p:cNvPicPr>
-          <p:nvPr/>
-        </p:nvPicPr>
-        <p:blipFill rotWithShape="1">
-          <a:blip r:embed="rId18"/>
-          <a:srcRect/>
-          <a:stretch>
-            <a:fillRect/>
-          </a:stretch>
-        </p:blipFill>
-        <p:spPr>
-          <a:xfrm>
-            <a:off x="3050448" y="3503375"/>
-            <a:ext cx="457200" cy="457200"/>
-          </a:xfrm>
-          <a:prstGeom prst="rect">
-            <a:avLst/>
-          </a:prstGeom>
-          <a:noFill/>
-          <a:ln>
-            <a:noFill/>
-          </a:ln>
-        </p:spPr>
-      </p:pic>
-      <p:pic>
-        <p:nvPicPr>
-          <p:cNvPr id="42" name="Graphic 31"/>
-          <p:cNvPicPr>
-            <a:picLocks noChangeAspect="1" noChangeArrowheads="1"/>
-          </p:cNvPicPr>
-          <p:nvPr/>
-        </p:nvPicPr>
-        <p:blipFill rotWithShape="1">
-          <a:blip r:embed="rId19"/>
-          <a:srcRect/>
-          <a:stretch>
-            <a:fillRect/>
-          </a:stretch>
-        </p:blipFill>
-        <p:spPr>
-          <a:xfrm>
-            <a:off x="6853048" y="3496680"/>
-            <a:ext cx="457200" cy="457200"/>
-          </a:xfrm>
-          <a:prstGeom prst="rect">
-            <a:avLst/>
-          </a:prstGeom>
-          <a:noFill/>
-          <a:ln>
-            <a:noFill/>
-          </a:ln>
-        </p:spPr>
-      </p:pic>
-      <p:cxnSp>
-        <p:nvCxnSpPr>
-          <p:cNvPr id="45" name="Straight Arrow Connector 8"/>
-          <p:cNvCxnSpPr/>
-          <p:nvPr/>
-        </p:nvCxnSpPr>
-        <p:spPr>
-          <a:xfrm>
-            <a:off x="1091718" y="2149203"/>
-            <a:ext cx="4109" cy="1268675"/>
-          </a:xfrm>
-          <a:prstGeom prst="straightConnector1">
-            <a:avLst/>
-          </a:prstGeom>
-          <a:ln w="12700">
-            <a:solidFill>
-              <a:srgbClr val="545b64"/>
-            </a:solidFill>
-            <a:headEnd w="med" len="sm"/>
-            <a:tailEnd type="arrow" w="med" len="sm"/>
-          </a:ln>
-        </p:spPr>
-        <p:style>
-          <a:lnRef idx="1">
-            <a:schemeClr val="accent1"/>
-          </a:lnRef>
-          <a:fillRef idx="0">
-            <a:schemeClr val="accent1"/>
-          </a:fillRef>
-          <a:effectRef idx="0">
-            <a:schemeClr val="accent1"/>
-          </a:effectRef>
-          <a:fontRef idx="minor">
-            <a:schemeClr val="tx1"/>
-          </a:fontRef>
-        </p:style>
-      </p:cxnSp>
-      <p:cxnSp>
-        <p:nvCxnSpPr>
-          <p:cNvPr id="46" name="Straight Arrow Connector 8"/>
-          <p:cNvCxnSpPr/>
-          <p:nvPr/>
-        </p:nvCxnSpPr>
-        <p:spPr>
-          <a:xfrm>
-            <a:off x="1425575" y="3728127"/>
-            <a:ext cx="1644650" cy="0"/>
-          </a:xfrm>
-          <a:prstGeom prst="straightConnector1">
-            <a:avLst/>
-          </a:prstGeom>
-          <a:ln w="12700">
-            <a:solidFill>
-              <a:srgbClr val="545b64"/>
-            </a:solidFill>
-            <a:headEnd w="med" len="sm"/>
-            <a:tailEnd type="arrow" w="med" len="sm"/>
-          </a:ln>
-        </p:spPr>
-        <p:style>
-          <a:lnRef idx="1">
-            <a:schemeClr val="accent1"/>
-          </a:lnRef>
-          <a:fillRef idx="0">
-            <a:schemeClr val="accent1"/>
-          </a:fillRef>
-          <a:effectRef idx="0">
-            <a:schemeClr val="accent1"/>
-          </a:effectRef>
-          <a:fontRef idx="minor">
-            <a:schemeClr val="tx1"/>
-          </a:fontRef>
-        </p:style>
-      </p:cxnSp>
-      <p:pic>
-        <p:nvPicPr>
-          <p:cNvPr id="74" name="그림 73"/>
-          <p:cNvPicPr>
-            <a:picLocks noChangeAspect="1"/>
-          </p:cNvPicPr>
-          <p:nvPr/>
-        </p:nvPicPr>
-        <p:blipFill rotWithShape="1">
-          <a:blip r:embed="rId20"/>
-          <a:stretch>
-            <a:fillRect/>
-          </a:stretch>
-        </p:blipFill>
-        <p:spPr>
-          <a:xfrm>
-            <a:off x="839166" y="4628814"/>
-            <a:ext cx="540000" cy="540000"/>
-          </a:xfrm>
-          <a:prstGeom prst="rect">
-            <a:avLst/>
-          </a:prstGeom>
-        </p:spPr>
-      </p:pic>
-      <p:cxnSp>
-        <p:nvCxnSpPr>
-          <p:cNvPr id="76" name="Straight Arrow Connector 8"/>
-          <p:cNvCxnSpPr>
-            <a:stCxn id="74" idx="0"/>
-            <a:endCxn id="34" idx="2"/>
-          </p:cNvCxnSpPr>
-          <p:nvPr/>
-        </p:nvCxnSpPr>
-        <p:spPr>
-          <a:xfrm rot="16200000" flipV="1">
-            <a:off x="761283" y="4280931"/>
-            <a:ext cx="693693" cy="2074"/>
-          </a:xfrm>
-          <a:prstGeom prst="straightConnector1">
-            <a:avLst/>
-          </a:prstGeom>
-          <a:ln w="12700">
-            <a:solidFill>
-              <a:srgbClr val="545b64"/>
-            </a:solidFill>
-            <a:headEnd w="med" len="sm"/>
-            <a:tailEnd type="arrow" w="med" len="sm"/>
-          </a:ln>
-        </p:spPr>
-        <p:style>
-          <a:lnRef idx="1">
-            <a:schemeClr val="accent1"/>
-          </a:lnRef>
-          <a:fillRef idx="0">
-            <a:schemeClr val="accent1"/>
-          </a:fillRef>
-          <a:effectRef idx="0">
-            <a:schemeClr val="accent1"/>
-          </a:effectRef>
-          <a:fontRef idx="minor">
-            <a:schemeClr val="tx1"/>
-          </a:fontRef>
-        </p:style>
-      </p:cxnSp>
-      <p:pic>
-        <p:nvPicPr>
-          <p:cNvPr id="32" name="Graphic 53"/>
-          <p:cNvPicPr>
-            <a:picLocks noChangeAspect="1" noChangeArrowheads="1"/>
-          </p:cNvPicPr>
-          <p:nvPr/>
-        </p:nvPicPr>
-        <p:blipFill rotWithShape="1">
-          <a:blip r:embed="rId21"/>
-          <a:srcRect/>
-          <a:stretch>
-            <a:fillRect/>
-          </a:stretch>
-        </p:blipFill>
-        <p:spPr>
-          <a:xfrm>
-            <a:off x="10464022" y="2403872"/>
-            <a:ext cx="457200" cy="457200"/>
-          </a:xfrm>
-          <a:prstGeom prst="rect">
-            <a:avLst/>
-          </a:prstGeom>
-          <a:noFill/>
-          <a:ln>
-            <a:noFill/>
-          </a:ln>
-        </p:spPr>
-      </p:pic>
-      <p:pic>
-        <p:nvPicPr>
-          <p:cNvPr id="58" name="Graphic 60"/>
-          <p:cNvPicPr>
-            <a:picLocks noChangeAspect="1" noChangeArrowheads="1"/>
-          </p:cNvPicPr>
-          <p:nvPr/>
-        </p:nvPicPr>
-        <p:blipFill rotWithShape="1">
-          <a:blip r:embed="rId22"/>
-          <a:srcRect/>
-          <a:stretch>
-            <a:fillRect/>
-          </a:stretch>
-        </p:blipFill>
-        <p:spPr>
-          <a:xfrm>
-            <a:off x="5667696" y="5320051"/>
-            <a:ext cx="457200" cy="457200"/>
-          </a:xfrm>
-          <a:prstGeom prst="rect">
-            <a:avLst/>
-          </a:prstGeom>
-          <a:noFill/>
-          <a:ln>
-            <a:noFill/>
-          </a:ln>
-        </p:spPr>
-      </p:pic>
-      <p:cxnSp>
-        <p:nvCxnSpPr>
-          <p:cNvPr id="50" name="Straight Arrow Connector 8"/>
-          <p:cNvCxnSpPr>
-            <a:endCxn id="42" idx="1"/>
-          </p:cNvCxnSpPr>
-          <p:nvPr/>
-        </p:nvCxnSpPr>
-        <p:spPr>
-          <a:xfrm flipV="1">
-            <a:off x="3457761" y="3725280"/>
-            <a:ext cx="3395287" cy="45"/>
-          </a:xfrm>
-          <a:prstGeom prst="straightConnector1">
-            <a:avLst/>
-          </a:prstGeom>
-          <a:ln w="12700">
-            <a:solidFill>
-              <a:srgbClr val="545b64"/>
-            </a:solidFill>
-            <a:headEnd w="med" len="sm"/>
-            <a:tailEnd type="arrow" w="med" len="sm"/>
-          </a:ln>
-        </p:spPr>
-        <p:style>
-          <a:lnRef idx="1">
-            <a:schemeClr val="accent1"/>
-          </a:lnRef>
-          <a:fillRef idx="0">
-            <a:schemeClr val="accent1"/>
-          </a:fillRef>
-          <a:effectRef idx="0">
-            <a:schemeClr val="accent1"/>
-          </a:effectRef>
-          <a:fontRef idx="minor">
-            <a:schemeClr val="tx1"/>
-          </a:fontRef>
-        </p:style>
-      </p:cxnSp>
-      <p:cxnSp>
-        <p:nvCxnSpPr>
-          <p:cNvPr id="72" name="Elbow Connector 18"/>
-          <p:cNvCxnSpPr>
-            <a:stCxn id="26" idx="2"/>
-            <a:endCxn id="15" idx="0"/>
-          </p:cNvCxnSpPr>
-          <p:nvPr/>
-        </p:nvCxnSpPr>
-        <p:spPr>
-          <a:xfrm rot="5400000">
-            <a:off x="6348371" y="4111114"/>
-            <a:ext cx="303489" cy="1156833"/>
-          </a:xfrm>
-          <a:prstGeom prst="bentConnector3">
-            <a:avLst>
-              <a:gd name="adj1" fmla="val 50000"/>
-            </a:avLst>
-          </a:prstGeom>
-          <a:ln w="12700">
-            <a:solidFill>
-              <a:schemeClr val="tx2"/>
-            </a:solidFill>
-            <a:headEnd w="med" len="sm"/>
-            <a:tailEnd type="arrow" w="med" len="sm"/>
-          </a:ln>
-        </p:spPr>
-        <p:style>
-          <a:lnRef idx="1">
-            <a:schemeClr val="accent1"/>
-          </a:lnRef>
-          <a:fillRef idx="0">
-            <a:schemeClr val="accent1"/>
-          </a:fillRef>
-          <a:effectRef idx="0">
-            <a:schemeClr val="accent1"/>
-          </a:effectRef>
-          <a:fontRef idx="minor">
-            <a:schemeClr val="tx1"/>
-          </a:fontRef>
-        </p:style>
-      </p:cxnSp>
-      <p:cxnSp>
-        <p:nvCxnSpPr>
-          <p:cNvPr id="64" name="Straight Arrow Connector 17"/>
-          <p:cNvCxnSpPr>
-            <a:stCxn id="26" idx="0"/>
-            <a:endCxn id="42" idx="2"/>
-          </p:cNvCxnSpPr>
-          <p:nvPr/>
-        </p:nvCxnSpPr>
-        <p:spPr>
-          <a:xfrm rot="5400000" flipH="1" flipV="1">
-            <a:off x="7016736" y="4015675"/>
-            <a:ext cx="126706" cy="3117"/>
-          </a:xfrm>
-          <a:prstGeom prst="straightConnector1">
-            <a:avLst/>
-          </a:prstGeom>
-          <a:ln w="12700">
-            <a:solidFill>
-              <a:schemeClr val="tx2"/>
-            </a:solidFill>
-            <a:headEnd type="arrow" w="med" len="sm"/>
-            <a:tailEnd w="med" len="sm"/>
-          </a:ln>
-        </p:spPr>
-        <p:style>
-          <a:lnRef idx="1">
-            <a:schemeClr val="accent1"/>
-          </a:lnRef>
-          <a:fillRef idx="0">
-            <a:schemeClr val="accent1"/>
-          </a:fillRef>
-          <a:effectRef idx="0">
-            <a:schemeClr val="accent1"/>
-          </a:effectRef>
-          <a:fontRef idx="minor">
-            <a:schemeClr val="tx1"/>
-          </a:fontRef>
-        </p:style>
-      </p:cxnSp>
-      <p:sp>
-        <p:nvSpPr>
-          <p:cNvPr id="70" name="Rectangle 32"/>
-          <p:cNvSpPr/>
-          <p:nvPr/>
-        </p:nvSpPr>
-        <p:spPr>
-          <a:xfrm>
-            <a:off x="7575656" y="4850239"/>
-            <a:ext cx="2120794" cy="1203987"/>
           </a:xfrm>
           <a:prstGeom prst="rect">
             <a:avLst/>
@@ -6778,6 +7650,770 @@
       </p:sp>
       <p:pic>
         <p:nvPicPr>
+          <p:cNvPr id="16" name="Graphic 19"/>
+          <p:cNvPicPr>
+            <a:picLocks noChangeAspect="1"/>
+          </p:cNvPicPr>
+          <p:nvPr/>
+        </p:nvPicPr>
+        <p:blipFill rotWithShape="1">
+          <a:blip r:embed="rId8"/>
+          <a:stretch>
+            <a:fillRect/>
+          </a:stretch>
+        </p:blipFill>
+        <p:spPr>
+          <a:xfrm>
+            <a:off x="4609324" y="4673867"/>
+            <a:ext cx="381000" cy="381000"/>
+          </a:xfrm>
+          <a:prstGeom prst="rect">
+            <a:avLst/>
+          </a:prstGeom>
+        </p:spPr>
+      </p:pic>
+      <p:sp>
+        <p:nvSpPr>
+          <p:cNvPr id="17" name="Rectangle 7"/>
+          <p:cNvSpPr/>
+          <p:nvPr/>
+        </p:nvSpPr>
+        <p:spPr>
+          <a:xfrm>
+            <a:off x="4276710" y="1876425"/>
+            <a:ext cx="2430011" cy="1285875"/>
+          </a:xfrm>
+          <a:prstGeom prst="rect">
+            <a:avLst/>
+          </a:prstGeom>
+          <a:solidFill>
+            <a:srgbClr val="007cbc">
+              <a:alpha val="9800"/>
+            </a:srgbClr>
+          </a:solidFill>
+          <a:ln w="12700">
+            <a:noFill/>
+            <a:prstDash val="dash"/>
+          </a:ln>
+        </p:spPr>
+        <p:style>
+          <a:lnRef idx="2">
+            <a:schemeClr val="accent1">
+              <a:shade val="50000"/>
+            </a:schemeClr>
+          </a:lnRef>
+          <a:fillRef idx="1">
+            <a:schemeClr val="accent1"/>
+          </a:fillRef>
+          <a:effectRef idx="0">
+            <a:schemeClr val="accent1"/>
+          </a:effectRef>
+          <a:fontRef idx="minor">
+            <a:schemeClr val="lt1"/>
+          </a:fontRef>
+        </p:style>
+        <p:txBody>
+          <a:bodyPr lIns="502920" tIns="45720" rIns="91440" bIns="45720" anchor="t"/>
+          <a:lstStyle/>
+          <a:p>
+            <a:pPr>
+              <a:defRPr/>
+            </a:pPr>
+            <a:r>
+              <a:rPr lang="en-US" sz="1200">
+                <a:solidFill>
+                  <a:srgbClr val="5b9cd5"/>
+                </a:solidFill>
+                <a:latin typeface="Arial"/>
+                <a:ea typeface="+mn-ea"/>
+                <a:cs typeface="Arial"/>
+              </a:rPr>
+              <a:t>Private </a:t>
+            </a:r>
+            <a:r>
+              <a:rPr lang="en-US" sz="1200">
+                <a:solidFill>
+                  <a:srgbClr val="5b9cd5"/>
+                </a:solidFill>
+                <a:latin typeface="Arial"/>
+                <a:cs typeface="Arial"/>
+              </a:rPr>
+              <a:t>subnet – WAS</a:t>
+            </a:r>
+            <a:endParaRPr lang="en-US" sz="1200">
+              <a:solidFill>
+                <a:srgbClr val="5b9cd5"/>
+              </a:solidFill>
+              <a:latin typeface="Arial"/>
+              <a:ea typeface="+mn-ea"/>
+              <a:cs typeface="Arial"/>
+            </a:endParaRPr>
+          </a:p>
+        </p:txBody>
+      </p:sp>
+      <p:pic>
+        <p:nvPicPr>
+          <p:cNvPr id="18" name="Graphic 21"/>
+          <p:cNvPicPr>
+            <a:picLocks noChangeAspect="1"/>
+          </p:cNvPicPr>
+          <p:nvPr/>
+        </p:nvPicPr>
+        <p:blipFill rotWithShape="1">
+          <a:blip r:embed="rId9"/>
+          <a:stretch>
+            <a:fillRect/>
+          </a:stretch>
+        </p:blipFill>
+        <p:spPr>
+          <a:xfrm>
+            <a:off x="4275278" y="1873421"/>
+            <a:ext cx="381000" cy="381000"/>
+          </a:xfrm>
+          <a:prstGeom prst="rect">
+            <a:avLst/>
+          </a:prstGeom>
+        </p:spPr>
+      </p:pic>
+      <p:pic>
+        <p:nvPicPr>
+          <p:cNvPr id="19" name="Graphic 19"/>
+          <p:cNvPicPr>
+            <a:picLocks noChangeAspect="1" noChangeArrowheads="1"/>
+          </p:cNvPicPr>
+          <p:nvPr/>
+        </p:nvPicPr>
+        <p:blipFill rotWithShape="1">
+          <a:blip r:embed="rId10"/>
+          <a:srcRect/>
+          <a:stretch>
+            <a:fillRect/>
+          </a:stretch>
+        </p:blipFill>
+        <p:spPr>
+          <a:xfrm>
+            <a:off x="9943570" y="545693"/>
+            <a:ext cx="350494" cy="350494"/>
+          </a:xfrm>
+          <a:prstGeom prst="rect">
+            <a:avLst/>
+          </a:prstGeom>
+          <a:noFill/>
+          <a:ln>
+            <a:noFill/>
+          </a:ln>
+        </p:spPr>
+      </p:pic>
+      <p:pic>
+        <p:nvPicPr>
+          <p:cNvPr id="21" name="Graphic 6"/>
+          <p:cNvPicPr>
+            <a:picLocks noChangeAspect="1" noChangeArrowheads="1"/>
+          </p:cNvPicPr>
+          <p:nvPr/>
+        </p:nvPicPr>
+        <p:blipFill rotWithShape="1">
+          <a:blip r:embed="rId11"/>
+          <a:srcRect/>
+          <a:stretch>
+            <a:fillRect/>
+          </a:stretch>
+        </p:blipFill>
+        <p:spPr>
+          <a:xfrm>
+            <a:off x="10384236" y="547523"/>
+            <a:ext cx="347280" cy="347280"/>
+          </a:xfrm>
+          <a:prstGeom prst="rect">
+            <a:avLst/>
+          </a:prstGeom>
+          <a:noFill/>
+          <a:ln>
+            <a:noFill/>
+          </a:ln>
+        </p:spPr>
+      </p:pic>
+      <p:pic>
+        <p:nvPicPr>
+          <p:cNvPr id="26" name="Graphic 24"/>
+          <p:cNvPicPr>
+            <a:picLocks noChangeAspect="1" noChangeArrowheads="1"/>
+          </p:cNvPicPr>
+          <p:nvPr/>
+        </p:nvPicPr>
+        <p:blipFill rotWithShape="1">
+          <a:blip r:embed="rId12"/>
+          <a:srcRect/>
+          <a:stretch>
+            <a:fillRect/>
+          </a:stretch>
+        </p:blipFill>
+        <p:spPr>
+          <a:xfrm>
+            <a:off x="6849931" y="4080586"/>
+            <a:ext cx="457200" cy="457200"/>
+          </a:xfrm>
+          <a:prstGeom prst="rect">
+            <a:avLst/>
+          </a:prstGeom>
+          <a:noFill/>
+          <a:ln>
+            <a:noFill/>
+          </a:ln>
+        </p:spPr>
+      </p:pic>
+      <p:pic>
+        <p:nvPicPr>
+          <p:cNvPr id="29" name="Graphic 60"/>
+          <p:cNvPicPr>
+            <a:picLocks noChangeAspect="1" noChangeArrowheads="1"/>
+          </p:cNvPicPr>
+          <p:nvPr/>
+        </p:nvPicPr>
+        <p:blipFill rotWithShape="1">
+          <a:blip r:embed="rId13"/>
+          <a:srcRect/>
+          <a:stretch>
+            <a:fillRect/>
+          </a:stretch>
+        </p:blipFill>
+        <p:spPr>
+          <a:xfrm>
+            <a:off x="7639371" y="2302640"/>
+            <a:ext cx="457200" cy="457200"/>
+          </a:xfrm>
+          <a:prstGeom prst="rect">
+            <a:avLst/>
+          </a:prstGeom>
+          <a:noFill/>
+          <a:ln>
+            <a:noFill/>
+          </a:ln>
+        </p:spPr>
+      </p:pic>
+      <p:pic>
+        <p:nvPicPr>
+          <p:cNvPr id="33" name="Graphic 6"/>
+          <p:cNvPicPr>
+            <a:picLocks noChangeAspect="1" noChangeArrowheads="1"/>
+          </p:cNvPicPr>
+          <p:nvPr/>
+        </p:nvPicPr>
+        <p:blipFill rotWithShape="1">
+          <a:blip r:embed="rId14"/>
+          <a:srcRect/>
+          <a:stretch>
+            <a:fillRect/>
+          </a:stretch>
+        </p:blipFill>
+        <p:spPr>
+          <a:xfrm>
+            <a:off x="11245822" y="556487"/>
+            <a:ext cx="370878" cy="352950"/>
+          </a:xfrm>
+          <a:prstGeom prst="rect">
+            <a:avLst/>
+          </a:prstGeom>
+          <a:noFill/>
+          <a:ln>
+            <a:noFill/>
+          </a:ln>
+        </p:spPr>
+      </p:pic>
+      <p:pic>
+        <p:nvPicPr>
+          <p:cNvPr id="34" name="Graphic 14"/>
+          <p:cNvPicPr>
+            <a:picLocks noChangeAspect="1" noChangeArrowheads="1"/>
+          </p:cNvPicPr>
+          <p:nvPr/>
+        </p:nvPicPr>
+        <p:blipFill rotWithShape="1">
+          <a:blip r:embed="rId15"/>
+          <a:srcRect/>
+          <a:stretch>
+            <a:fillRect/>
+          </a:stretch>
+        </p:blipFill>
+        <p:spPr>
+          <a:xfrm>
+            <a:off x="872142" y="3465221"/>
+            <a:ext cx="469900" cy="469900"/>
+          </a:xfrm>
+          <a:prstGeom prst="rect">
+            <a:avLst/>
+          </a:prstGeom>
+          <a:noFill/>
+          <a:ln>
+            <a:noFill/>
+          </a:ln>
+        </p:spPr>
+      </p:pic>
+      <p:pic>
+        <p:nvPicPr>
+          <p:cNvPr id="37" name="Graphic 23"/>
+          <p:cNvPicPr>
+            <a:picLocks noChangeAspect="1" noChangeArrowheads="1"/>
+          </p:cNvPicPr>
+          <p:nvPr/>
+        </p:nvPicPr>
+        <p:blipFill rotWithShape="1">
+          <a:blip r:embed="rId16"/>
+          <a:srcRect/>
+          <a:stretch>
+            <a:fillRect/>
+          </a:stretch>
+        </p:blipFill>
+        <p:spPr>
+          <a:xfrm flipH="1">
+            <a:off x="872143" y="1643772"/>
+            <a:ext cx="469900" cy="469900"/>
+          </a:xfrm>
+          <a:prstGeom prst="rect">
+            <a:avLst/>
+          </a:prstGeom>
+          <a:noFill/>
+          <a:ln>
+            <a:noFill/>
+          </a:ln>
+        </p:spPr>
+      </p:pic>
+      <p:pic>
+        <p:nvPicPr>
+          <p:cNvPr id="41" name="Graphic 10"/>
+          <p:cNvPicPr>
+            <a:picLocks noChangeAspect="1" noChangeArrowheads="1"/>
+          </p:cNvPicPr>
+          <p:nvPr/>
+        </p:nvPicPr>
+        <p:blipFill rotWithShape="1">
+          <a:blip r:embed="rId17"/>
+          <a:srcRect/>
+          <a:stretch>
+            <a:fillRect/>
+          </a:stretch>
+        </p:blipFill>
+        <p:spPr>
+          <a:xfrm>
+            <a:off x="3050448" y="3503375"/>
+            <a:ext cx="457200" cy="457200"/>
+          </a:xfrm>
+          <a:prstGeom prst="rect">
+            <a:avLst/>
+          </a:prstGeom>
+          <a:noFill/>
+          <a:ln>
+            <a:noFill/>
+          </a:ln>
+        </p:spPr>
+      </p:pic>
+      <p:pic>
+        <p:nvPicPr>
+          <p:cNvPr id="42" name="Graphic 31"/>
+          <p:cNvPicPr>
+            <a:picLocks noChangeAspect="1" noChangeArrowheads="1"/>
+          </p:cNvPicPr>
+          <p:nvPr/>
+        </p:nvPicPr>
+        <p:blipFill rotWithShape="1">
+          <a:blip r:embed="rId18"/>
+          <a:srcRect/>
+          <a:stretch>
+            <a:fillRect/>
+          </a:stretch>
+        </p:blipFill>
+        <p:spPr>
+          <a:xfrm>
+            <a:off x="6853048" y="3496680"/>
+            <a:ext cx="457200" cy="457200"/>
+          </a:xfrm>
+          <a:prstGeom prst="rect">
+            <a:avLst/>
+          </a:prstGeom>
+          <a:noFill/>
+          <a:ln>
+            <a:noFill/>
+          </a:ln>
+        </p:spPr>
+      </p:pic>
+      <p:cxnSp>
+        <p:nvCxnSpPr>
+          <p:cNvPr id="45" name="Straight Arrow Connector 8"/>
+          <p:cNvCxnSpPr/>
+          <p:nvPr/>
+        </p:nvCxnSpPr>
+        <p:spPr>
+          <a:xfrm>
+            <a:off x="1091718" y="2149203"/>
+            <a:ext cx="4109" cy="1268675"/>
+          </a:xfrm>
+          <a:prstGeom prst="straightConnector1">
+            <a:avLst/>
+          </a:prstGeom>
+          <a:ln w="12700">
+            <a:solidFill>
+              <a:srgbClr val="545b64"/>
+            </a:solidFill>
+            <a:headEnd w="med" len="sm"/>
+            <a:tailEnd type="arrow" w="med" len="sm"/>
+          </a:ln>
+        </p:spPr>
+        <p:style>
+          <a:lnRef idx="1">
+            <a:schemeClr val="accent1"/>
+          </a:lnRef>
+          <a:fillRef idx="0">
+            <a:schemeClr val="accent1"/>
+          </a:fillRef>
+          <a:effectRef idx="0">
+            <a:schemeClr val="accent1"/>
+          </a:effectRef>
+          <a:fontRef idx="minor">
+            <a:schemeClr val="tx1"/>
+          </a:fontRef>
+        </p:style>
+      </p:cxnSp>
+      <p:cxnSp>
+        <p:nvCxnSpPr>
+          <p:cNvPr id="46" name="Straight Arrow Connector 8"/>
+          <p:cNvCxnSpPr/>
+          <p:nvPr/>
+        </p:nvCxnSpPr>
+        <p:spPr>
+          <a:xfrm>
+            <a:off x="1425575" y="3728127"/>
+            <a:ext cx="1644650" cy="0"/>
+          </a:xfrm>
+          <a:prstGeom prst="straightConnector1">
+            <a:avLst/>
+          </a:prstGeom>
+          <a:ln w="12700">
+            <a:solidFill>
+              <a:srgbClr val="545b64"/>
+            </a:solidFill>
+            <a:headEnd w="med" len="sm"/>
+            <a:tailEnd type="arrow" w="med" len="sm"/>
+          </a:ln>
+        </p:spPr>
+        <p:style>
+          <a:lnRef idx="1">
+            <a:schemeClr val="accent1"/>
+          </a:lnRef>
+          <a:fillRef idx="0">
+            <a:schemeClr val="accent1"/>
+          </a:fillRef>
+          <a:effectRef idx="0">
+            <a:schemeClr val="accent1"/>
+          </a:effectRef>
+          <a:fontRef idx="minor">
+            <a:schemeClr val="tx1"/>
+          </a:fontRef>
+        </p:style>
+      </p:cxnSp>
+      <p:pic>
+        <p:nvPicPr>
+          <p:cNvPr id="74" name="그림 73"/>
+          <p:cNvPicPr>
+            <a:picLocks noChangeAspect="1"/>
+          </p:cNvPicPr>
+          <p:nvPr/>
+        </p:nvPicPr>
+        <p:blipFill rotWithShape="1">
+          <a:blip r:embed="rId19"/>
+          <a:stretch>
+            <a:fillRect/>
+          </a:stretch>
+        </p:blipFill>
+        <p:spPr>
+          <a:xfrm>
+            <a:off x="839166" y="4628814"/>
+            <a:ext cx="540000" cy="540000"/>
+          </a:xfrm>
+          <a:prstGeom prst="rect">
+            <a:avLst/>
+          </a:prstGeom>
+        </p:spPr>
+      </p:pic>
+      <p:cxnSp>
+        <p:nvCxnSpPr>
+          <p:cNvPr id="76" name="Straight Arrow Connector 8"/>
+          <p:cNvCxnSpPr>
+            <a:stCxn id="74" idx="0"/>
+            <a:endCxn id="34" idx="2"/>
+          </p:cNvCxnSpPr>
+          <p:nvPr/>
+        </p:nvCxnSpPr>
+        <p:spPr>
+          <a:xfrm rot="16200000" flipV="1">
+            <a:off x="761283" y="4280931"/>
+            <a:ext cx="693693" cy="2074"/>
+          </a:xfrm>
+          <a:prstGeom prst="straightConnector1">
+            <a:avLst/>
+          </a:prstGeom>
+          <a:ln w="12700">
+            <a:solidFill>
+              <a:srgbClr val="545b64"/>
+            </a:solidFill>
+            <a:headEnd w="med" len="sm"/>
+            <a:tailEnd type="arrow" w="med" len="sm"/>
+          </a:ln>
+        </p:spPr>
+        <p:style>
+          <a:lnRef idx="1">
+            <a:schemeClr val="accent1"/>
+          </a:lnRef>
+          <a:fillRef idx="0">
+            <a:schemeClr val="accent1"/>
+          </a:fillRef>
+          <a:effectRef idx="0">
+            <a:schemeClr val="accent1"/>
+          </a:effectRef>
+          <a:fontRef idx="minor">
+            <a:schemeClr val="tx1"/>
+          </a:fontRef>
+        </p:style>
+      </p:cxnSp>
+      <p:pic>
+        <p:nvPicPr>
+          <p:cNvPr id="32" name="Graphic 53"/>
+          <p:cNvPicPr>
+            <a:picLocks noChangeAspect="1" noChangeArrowheads="1"/>
+          </p:cNvPicPr>
+          <p:nvPr/>
+        </p:nvPicPr>
+        <p:blipFill rotWithShape="1">
+          <a:blip r:embed="rId20"/>
+          <a:srcRect/>
+          <a:stretch>
+            <a:fillRect/>
+          </a:stretch>
+        </p:blipFill>
+        <p:spPr>
+          <a:xfrm>
+            <a:off x="10464022" y="2403872"/>
+            <a:ext cx="457200" cy="457200"/>
+          </a:xfrm>
+          <a:prstGeom prst="rect">
+            <a:avLst/>
+          </a:prstGeom>
+          <a:noFill/>
+          <a:ln>
+            <a:noFill/>
+          </a:ln>
+        </p:spPr>
+      </p:pic>
+      <p:cxnSp>
+        <p:nvCxnSpPr>
+          <p:cNvPr id="50" name="Straight Arrow Connector 8"/>
+          <p:cNvCxnSpPr>
+            <a:endCxn id="42" idx="1"/>
+          </p:cNvCxnSpPr>
+          <p:nvPr/>
+        </p:nvCxnSpPr>
+        <p:spPr>
+          <a:xfrm flipV="1">
+            <a:off x="3457761" y="3725280"/>
+            <a:ext cx="3395287" cy="45"/>
+          </a:xfrm>
+          <a:prstGeom prst="straightConnector1">
+            <a:avLst/>
+          </a:prstGeom>
+          <a:ln w="12700">
+            <a:solidFill>
+              <a:srgbClr val="545b64"/>
+            </a:solidFill>
+            <a:headEnd w="med" len="sm"/>
+            <a:tailEnd type="arrow" w="med" len="sm"/>
+          </a:ln>
+        </p:spPr>
+        <p:style>
+          <a:lnRef idx="1">
+            <a:schemeClr val="accent1"/>
+          </a:lnRef>
+          <a:fillRef idx="0">
+            <a:schemeClr val="accent1"/>
+          </a:fillRef>
+          <a:effectRef idx="0">
+            <a:schemeClr val="accent1"/>
+          </a:effectRef>
+          <a:fontRef idx="minor">
+            <a:schemeClr val="tx1"/>
+          </a:fontRef>
+        </p:style>
+      </p:cxnSp>
+      <p:cxnSp>
+        <p:nvCxnSpPr>
+          <p:cNvPr id="72" name="Elbow Connector 18"/>
+          <p:cNvCxnSpPr>
+            <a:stCxn id="26" idx="2"/>
+            <a:endCxn id="15" idx="0"/>
+          </p:cNvCxnSpPr>
+          <p:nvPr/>
+        </p:nvCxnSpPr>
+        <p:spPr>
+          <a:xfrm rot="5400000">
+            <a:off x="6325024" y="3919680"/>
+            <a:ext cx="135401" cy="1371613"/>
+          </a:xfrm>
+          <a:prstGeom prst="bentConnector3">
+            <a:avLst>
+              <a:gd name="adj1" fmla="val 50000"/>
+            </a:avLst>
+          </a:prstGeom>
+          <a:ln w="12700">
+            <a:solidFill>
+              <a:schemeClr val="tx2"/>
+            </a:solidFill>
+            <a:headEnd w="med" len="sm"/>
+            <a:tailEnd type="arrow" w="med" len="sm"/>
+          </a:ln>
+        </p:spPr>
+        <p:style>
+          <a:lnRef idx="1">
+            <a:schemeClr val="accent1"/>
+          </a:lnRef>
+          <a:fillRef idx="0">
+            <a:schemeClr val="accent1"/>
+          </a:fillRef>
+          <a:effectRef idx="0">
+            <a:schemeClr val="accent1"/>
+          </a:effectRef>
+          <a:fontRef idx="minor">
+            <a:schemeClr val="tx1"/>
+          </a:fontRef>
+        </p:style>
+      </p:cxnSp>
+      <p:cxnSp>
+        <p:nvCxnSpPr>
+          <p:cNvPr id="64" name="Straight Arrow Connector 17"/>
+          <p:cNvCxnSpPr>
+            <a:stCxn id="26" idx="0"/>
+            <a:endCxn id="42" idx="2"/>
+          </p:cNvCxnSpPr>
+          <p:nvPr/>
+        </p:nvCxnSpPr>
+        <p:spPr>
+          <a:xfrm rot="5400000" flipH="1" flipV="1">
+            <a:off x="7016736" y="4015675"/>
+            <a:ext cx="126706" cy="3117"/>
+          </a:xfrm>
+          <a:prstGeom prst="straightConnector1">
+            <a:avLst/>
+          </a:prstGeom>
+          <a:ln w="12700">
+            <a:solidFill>
+              <a:schemeClr val="tx2"/>
+            </a:solidFill>
+            <a:headEnd type="arrow" w="med" len="sm"/>
+            <a:tailEnd w="med" len="sm"/>
+          </a:ln>
+        </p:spPr>
+        <p:style>
+          <a:lnRef idx="1">
+            <a:schemeClr val="accent1"/>
+          </a:lnRef>
+          <a:fillRef idx="0">
+            <a:schemeClr val="accent1"/>
+          </a:fillRef>
+          <a:effectRef idx="0">
+            <a:schemeClr val="accent1"/>
+          </a:effectRef>
+          <a:fontRef idx="minor">
+            <a:schemeClr val="tx1"/>
+          </a:fontRef>
+        </p:style>
+      </p:cxnSp>
+      <p:sp>
+        <p:nvSpPr>
+          <p:cNvPr id="70" name="Rectangle 32"/>
+          <p:cNvSpPr/>
+          <p:nvPr/>
+        </p:nvSpPr>
+        <p:spPr>
+          <a:xfrm>
+            <a:off x="8518336" y="4757339"/>
+            <a:ext cx="2120794" cy="1203987"/>
+          </a:xfrm>
+          <a:prstGeom prst="rect">
+            <a:avLst/>
+          </a:prstGeom>
+          <a:solidFill>
+            <a:srgbClr val="1d8900">
+              <a:alpha val="9800"/>
+            </a:srgbClr>
+          </a:solidFill>
+          <a:ln w="12700">
+            <a:noFill/>
+            <a:prstDash val="dash"/>
+          </a:ln>
+        </p:spPr>
+        <p:style>
+          <a:lnRef idx="2">
+            <a:schemeClr val="accent1">
+              <a:shade val="50000"/>
+            </a:schemeClr>
+          </a:lnRef>
+          <a:fillRef idx="1">
+            <a:schemeClr val="accent1"/>
+          </a:fillRef>
+          <a:effectRef idx="0">
+            <a:schemeClr val="accent1"/>
+          </a:effectRef>
+          <a:fontRef idx="minor">
+            <a:schemeClr val="lt1"/>
+          </a:fontRef>
+        </p:style>
+        <p:txBody>
+          <a:bodyPr lIns="502920" tIns="45720" rIns="91440" bIns="45720" anchor="t"/>
+          <a:lstStyle/>
+          <a:p>
+            <a:pPr>
+              <a:defRPr/>
+            </a:pPr>
+            <a:r>
+              <a:rPr lang="en-US" sz="1200">
+                <a:solidFill>
+                  <a:srgbClr val="1e8900"/>
+                </a:solidFill>
+                <a:latin typeface="Arial"/>
+                <a:ea typeface="+mn-ea"/>
+                <a:cs typeface="Arial"/>
+              </a:rPr>
+              <a:t>Public subnet</a:t>
+            </a:r>
+            <a:r>
+              <a:rPr lang="en-US" sz="1200">
+                <a:solidFill>
+                  <a:srgbClr val="1e8900"/>
+                </a:solidFill>
+                <a:latin typeface="Arial"/>
+                <a:cs typeface="Arial"/>
+              </a:rPr>
+              <a:t> - WEB</a:t>
+            </a:r>
+            <a:r>
+              <a:rPr lang="en-US" altLang="ko-KR" sz="1200">
+                <a:solidFill>
+                  <a:srgbClr val="1e8900"/>
+                </a:solidFill>
+                <a:latin typeface="Arial"/>
+                <a:cs typeface="Arial"/>
+              </a:rPr>
+              <a:t>2</a:t>
+            </a:r>
+            <a:endParaRPr lang="en-US" altLang="ko-KR" sz="1200">
+              <a:solidFill>
+                <a:srgbClr val="1e8900"/>
+              </a:solidFill>
+              <a:latin typeface="Arial"/>
+              <a:cs typeface="Arial"/>
+            </a:endParaRPr>
+          </a:p>
+        </p:txBody>
+      </p:sp>
+      <p:pic>
+        <p:nvPicPr>
           <p:cNvPr id="73" name="Graphic 19"/>
           <p:cNvPicPr>
             <a:picLocks noChangeAspect="1"/>
@@ -6785,14 +8421,14 @@
           <p:nvPr/>
         </p:nvPicPr>
         <p:blipFill rotWithShape="1">
-          <a:blip r:embed="rId23"/>
+          <a:blip r:embed="rId21"/>
           <a:stretch>
             <a:fillRect/>
           </a:stretch>
         </p:blipFill>
         <p:spPr>
           <a:xfrm>
-            <a:off x="7575708" y="4850919"/>
+            <a:off x="8518388" y="4758019"/>
             <a:ext cx="381000" cy="381000"/>
           </a:xfrm>
           <a:prstGeom prst="rect">
@@ -6810,9 +8446,9 @@
           <p:nvPr/>
         </p:nvCxnSpPr>
         <p:spPr>
-          <a:xfrm rot="16200000" flipH="1">
-            <a:off x="7701066" y="3915251"/>
-            <a:ext cx="312453" cy="1557522"/>
+          <a:xfrm rot="5400000" flipV="1">
+            <a:off x="8218855" y="3397461"/>
+            <a:ext cx="219553" cy="2500202"/>
           </a:xfrm>
           <a:prstGeom prst="bentConnector3">
             <a:avLst>
@@ -6891,7 +8527,7 @@
           <p:nvPr/>
         </p:nvPicPr>
         <p:blipFill rotWithShape="1">
-          <a:blip r:embed="rId24"/>
+          <a:blip r:embed="rId22"/>
           <a:srcRect/>
           <a:stretch>
             <a:fillRect/>
@@ -6999,7 +8635,7 @@
           <p:nvPr/>
         </p:nvPicPr>
         <p:blipFill rotWithShape="1">
-          <a:blip r:embed="rId25"/>
+          <a:blip r:embed="rId23"/>
           <a:stretch>
             <a:fillRect/>
           </a:stretch>
@@ -7061,6 +8697,870 @@
           <a:xfrm>
             <a:off x="6771139" y="1858496"/>
             <a:ext cx="2241752" cy="1285875"/>
+          </a:xfrm>
+          <a:prstGeom prst="rect">
+            <a:avLst/>
+          </a:prstGeom>
+          <a:solidFill>
+            <a:srgbClr val="007cbc">
+              <a:alpha val="9800"/>
+            </a:srgbClr>
+          </a:solidFill>
+          <a:ln w="12700">
+            <a:noFill/>
+            <a:prstDash val="dash"/>
+          </a:ln>
+        </p:spPr>
+        <p:style>
+          <a:lnRef idx="2">
+            <a:schemeClr val="accent1">
+              <a:shade val="50000"/>
+            </a:schemeClr>
+          </a:lnRef>
+          <a:fillRef idx="1">
+            <a:schemeClr val="accent1"/>
+          </a:fillRef>
+          <a:effectRef idx="0">
+            <a:schemeClr val="accent1"/>
+          </a:effectRef>
+          <a:fontRef idx="minor">
+            <a:schemeClr val="lt1"/>
+          </a:fontRef>
+        </p:style>
+        <p:txBody>
+          <a:bodyPr lIns="502920" tIns="45720" rIns="91440" bIns="45720" anchor="t"/>
+          <a:lstStyle/>
+          <a:p>
+            <a:pPr>
+              <a:defRPr/>
+            </a:pPr>
+            <a:r>
+              <a:rPr lang="en-US" sz="1200">
+                <a:solidFill>
+                  <a:srgbClr val="5b9cd5"/>
+                </a:solidFill>
+                <a:latin typeface="Arial"/>
+                <a:ea typeface="+mn-ea"/>
+                <a:cs typeface="Arial"/>
+              </a:rPr>
+              <a:t>Private </a:t>
+            </a:r>
+            <a:r>
+              <a:rPr lang="en-US" sz="1200">
+                <a:solidFill>
+                  <a:srgbClr val="5b9cd5"/>
+                </a:solidFill>
+                <a:latin typeface="Arial"/>
+                <a:cs typeface="Arial"/>
+              </a:rPr>
+              <a:t>subnet – WAS</a:t>
+            </a:r>
+            <a:r>
+              <a:rPr lang="en-US" altLang="ko-KR" sz="1200">
+                <a:solidFill>
+                  <a:srgbClr val="5b9cd5"/>
+                </a:solidFill>
+                <a:latin typeface="Arial"/>
+                <a:cs typeface="Arial"/>
+              </a:rPr>
+              <a:t>2</a:t>
+            </a:r>
+            <a:endParaRPr lang="en-US" altLang="ko-KR" sz="1200">
+              <a:solidFill>
+                <a:srgbClr val="5b9cd5"/>
+              </a:solidFill>
+              <a:latin typeface="Arial"/>
+              <a:cs typeface="Arial"/>
+            </a:endParaRPr>
+          </a:p>
+        </p:txBody>
+      </p:sp>
+      <p:pic>
+        <p:nvPicPr>
+          <p:cNvPr id="54" name="Graphic 21"/>
+          <p:cNvPicPr>
+            <a:picLocks noChangeAspect="1"/>
+          </p:cNvPicPr>
+          <p:nvPr/>
+        </p:nvPicPr>
+        <p:blipFill rotWithShape="1">
+          <a:blip r:embed="rId24"/>
+          <a:stretch>
+            <a:fillRect/>
+          </a:stretch>
+        </p:blipFill>
+        <p:spPr>
+          <a:xfrm>
+            <a:off x="6778672" y="1865017"/>
+            <a:ext cx="398929" cy="381000"/>
+          </a:xfrm>
+          <a:prstGeom prst="rect">
+            <a:avLst/>
+          </a:prstGeom>
+        </p:spPr>
+      </p:pic>
+      <p:cxnSp>
+        <p:nvCxnSpPr>
+          <p:cNvPr id="56" name="Elbow Connector 18"/>
+          <p:cNvCxnSpPr>
+            <a:stCxn id="42" idx="0"/>
+            <a:endCxn id="17" idx="2"/>
+          </p:cNvCxnSpPr>
+          <p:nvPr/>
+        </p:nvCxnSpPr>
+        <p:spPr>
+          <a:xfrm rot="16200000" flipV="1">
+            <a:off x="6119492" y="2534524"/>
+            <a:ext cx="334380" cy="1589932"/>
+          </a:xfrm>
+          <a:prstGeom prst="bentConnector3">
+            <a:avLst>
+              <a:gd name="adj1" fmla="val 50000"/>
+            </a:avLst>
+          </a:prstGeom>
+          <a:ln w="12700">
+            <a:solidFill>
+              <a:schemeClr val="tx2"/>
+            </a:solidFill>
+            <a:headEnd w="med" len="sm"/>
+            <a:tailEnd type="arrow" w="med" len="sm"/>
+          </a:ln>
+        </p:spPr>
+        <p:style>
+          <a:lnRef idx="1">
+            <a:schemeClr val="accent1"/>
+          </a:lnRef>
+          <a:fillRef idx="0">
+            <a:schemeClr val="accent1"/>
+          </a:fillRef>
+          <a:effectRef idx="0">
+            <a:schemeClr val="accent1"/>
+          </a:effectRef>
+          <a:fontRef idx="minor">
+            <a:schemeClr val="tx1"/>
+          </a:fontRef>
+        </p:style>
+      </p:cxnSp>
+      <p:cxnSp>
+        <p:nvCxnSpPr>
+          <p:cNvPr id="60" name="Elbow Connector 18"/>
+          <p:cNvCxnSpPr>
+            <a:stCxn id="42" idx="0"/>
+            <a:endCxn id="48" idx="2"/>
+          </p:cNvCxnSpPr>
+          <p:nvPr/>
+        </p:nvCxnSpPr>
+        <p:spPr>
+          <a:xfrm rot="5400000" flipH="1" flipV="1">
+            <a:off x="7310677" y="2915343"/>
+            <a:ext cx="352309" cy="810367"/>
+          </a:xfrm>
+          <a:prstGeom prst="bentConnector3">
+            <a:avLst>
+              <a:gd name="adj1" fmla="val 50000"/>
+            </a:avLst>
+          </a:prstGeom>
+          <a:ln w="12700">
+            <a:solidFill>
+              <a:schemeClr val="tx2"/>
+            </a:solidFill>
+            <a:headEnd w="med" len="sm"/>
+            <a:tailEnd type="arrow" w="med" len="sm"/>
+          </a:ln>
+        </p:spPr>
+        <p:style>
+          <a:lnRef idx="1">
+            <a:schemeClr val="accent1"/>
+          </a:lnRef>
+          <a:fillRef idx="0">
+            <a:schemeClr val="accent1"/>
+          </a:fillRef>
+          <a:effectRef idx="0">
+            <a:schemeClr val="accent1"/>
+          </a:effectRef>
+          <a:fontRef idx="minor">
+            <a:schemeClr val="tx1"/>
+          </a:fontRef>
+        </p:style>
+      </p:cxnSp>
+      <p:pic>
+        <p:nvPicPr>
+          <p:cNvPr id="53" name="Graphic 35"/>
+          <p:cNvPicPr>
+            <a:picLocks noChangeAspect="1" noChangeArrowheads="1"/>
+          </p:cNvPicPr>
+          <p:nvPr/>
+        </p:nvPicPr>
+        <p:blipFill rotWithShape="1">
+          <a:blip r:embed="rId25"/>
+          <a:srcRect/>
+          <a:stretch>
+            <a:fillRect/>
+          </a:stretch>
+        </p:blipFill>
+        <p:spPr>
+          <a:xfrm>
+            <a:off x="8937256" y="1759439"/>
+            <a:ext cx="457200" cy="457200"/>
+          </a:xfrm>
+          <a:prstGeom prst="rect">
+            <a:avLst/>
+          </a:prstGeom>
+          <a:noFill/>
+          <a:ln>
+            <a:noFill/>
+          </a:ln>
+        </p:spPr>
+      </p:pic>
+      <p:pic>
+        <p:nvPicPr>
+          <p:cNvPr id="106" name="Graphic 63"/>
+          <p:cNvPicPr>
+            <a:picLocks noChangeAspect="1" noChangeArrowheads="1"/>
+          </p:cNvPicPr>
+          <p:nvPr/>
+        </p:nvPicPr>
+        <p:blipFill rotWithShape="1">
+          <a:blip r:embed="rId26"/>
+          <a:srcRect/>
+          <a:stretch>
+            <a:fillRect/>
+          </a:stretch>
+        </p:blipFill>
+        <p:spPr>
+          <a:xfrm>
+            <a:off x="5321300" y="5155912"/>
+            <a:ext cx="457200" cy="457200"/>
+          </a:xfrm>
+          <a:prstGeom prst="rect">
+            <a:avLst/>
+          </a:prstGeom>
+          <a:noFill/>
+          <a:ln>
+            <a:noFill/>
+          </a:ln>
+        </p:spPr>
+      </p:pic>
+      <p:pic>
+        <p:nvPicPr>
+          <p:cNvPr id="110" name="Graphic 60"/>
+          <p:cNvPicPr>
+            <a:picLocks noChangeAspect="1" noChangeArrowheads="1"/>
+          </p:cNvPicPr>
+          <p:nvPr/>
+        </p:nvPicPr>
+        <p:blipFill rotWithShape="1">
+          <a:blip r:embed="rId27"/>
+          <a:srcRect/>
+          <a:stretch>
+            <a:fillRect/>
+          </a:stretch>
+        </p:blipFill>
+        <p:spPr>
+          <a:xfrm>
+            <a:off x="9317264" y="5255576"/>
+            <a:ext cx="457200" cy="457200"/>
+          </a:xfrm>
+          <a:prstGeom prst="rect">
+            <a:avLst/>
+          </a:prstGeom>
+          <a:noFill/>
+          <a:ln>
+            <a:noFill/>
+          </a:ln>
+        </p:spPr>
+      </p:pic>
+    </p:spTree>
+  </p:cSld>
+  <p:clrMapOvr>
+    <a:masterClrMapping/>
+  </p:clrMapOvr>
+  <mc:AlternateContent xmlns:mc="http://schemas.openxmlformats.org/markup-compatibility/2006">
+    <mc:Choice xmlns:p14="http://schemas.microsoft.com/office/powerpoint/2010/main" Requires="p14">
+      <p:transition xmlns:mc="http://schemas.openxmlformats.org/markup-compatibility/2006" xmlns:p14="http://schemas.microsoft.com/office/powerpoint/2010/main" mc:Ignorable="p14" p14:dur="500"/>
+    </mc:Choice>
+    <mc:Fallback>
+      <p:transition/>
+    </mc:Fallback>
+  </mc:AlternateContent>
+</p:sld>
+</file>
+
+<file path=ppt/slides/slide6.xml><?xml version="1.0" encoding="utf-8"?>
+<p:sld xmlns:r="http://schemas.openxmlformats.org/officeDocument/2006/relationships" xmlns:c="http://schemas.openxmlformats.org/drawingml/2006/chart" xmlns:a="http://schemas.openxmlformats.org/drawingml/2006/main" xmlns:dgm="http://schemas.openxmlformats.org/drawingml/2006/diagram" xmlns:dsp="http://schemas.microsoft.com/office/drawing/2008/diagram" xmlns:p="http://schemas.openxmlformats.org/presentationml/2006/main">
+  <p:cSld>
+    <p:spTree>
+      <p:nvGrpSpPr>
+        <p:cNvPr id="1" name=""/>
+        <p:cNvGrpSpPr/>
+        <p:nvPr/>
+      </p:nvGrpSpPr>
+      <p:grpSpPr>
+        <a:xfrm>
+          <a:off x="0" y="0"/>
+          <a:ext cx="0" cy="0"/>
+          <a:chOff x="0" y="0"/>
+          <a:chExt cx="0" cy="0"/>
+        </a:xfrm>
+      </p:grpSpPr>
+      <p:sp>
+        <p:nvSpPr>
+          <p:cNvPr id="4" name="Rectangle 9"/>
+          <p:cNvSpPr/>
+          <p:nvPr/>
+        </p:nvSpPr>
+        <p:spPr>
+          <a:xfrm>
+            <a:off x="2456294" y="104787"/>
+            <a:ext cx="9630327" cy="6648424"/>
+          </a:xfrm>
+          <a:prstGeom prst="rect">
+            <a:avLst/>
+          </a:prstGeom>
+          <a:noFill/>
+          <a:ln w="12700">
+            <a:solidFill>
+              <a:schemeClr val="tx1"/>
+            </a:solidFill>
+          </a:ln>
+        </p:spPr>
+        <p:style>
+          <a:lnRef idx="2">
+            <a:schemeClr val="accent1">
+              <a:shade val="50000"/>
+            </a:schemeClr>
+          </a:lnRef>
+          <a:fillRef idx="1">
+            <a:schemeClr val="accent1"/>
+          </a:fillRef>
+          <a:effectRef idx="0">
+            <a:schemeClr val="accent1"/>
+          </a:effectRef>
+          <a:fontRef idx="minor">
+            <a:schemeClr val="lt1"/>
+          </a:fontRef>
+        </p:style>
+        <p:txBody>
+          <a:bodyPr lIns="502920" tIns="91440"/>
+          <a:lstStyle/>
+          <a:p>
+            <a:pPr eaLnBrk="1" hangingPunct="1">
+              <a:spcBef>
+                <a:spcPts val="0"/>
+              </a:spcBef>
+              <a:spcAft>
+                <a:spcPts val="0"/>
+              </a:spcAft>
+              <a:defRPr/>
+            </a:pPr>
+            <a:r>
+              <a:rPr lang="en-US" sz="1200">
+                <a:solidFill>
+                  <a:sysClr val="windowText" lastClr="000000"/>
+                </a:solidFill>
+                <a:latin typeface="Arial"/>
+                <a:ea typeface="+mn-ea"/>
+                <a:cs typeface="Arial"/>
+              </a:rPr>
+              <a:t>AWS Cloud</a:t>
+            </a:r>
+            <a:endParaRPr lang="en-US" sz="1200">
+              <a:solidFill>
+                <a:sysClr val="windowText" lastClr="000000"/>
+              </a:solidFill>
+              <a:latin typeface="Arial"/>
+              <a:ea typeface="+mn-ea"/>
+              <a:cs typeface="Arial"/>
+            </a:endParaRPr>
+          </a:p>
+        </p:txBody>
+      </p:sp>
+      <p:pic>
+        <p:nvPicPr>
+          <p:cNvPr id="5" name="Graphic 35"/>
+          <p:cNvPicPr>
+            <a:picLocks noChangeAspect="1"/>
+          </p:cNvPicPr>
+          <p:nvPr/>
+        </p:nvPicPr>
+        <p:blipFill rotWithShape="1">
+          <a:blip r:embed="rId2"/>
+          <a:srcRect/>
+          <a:stretch>
+            <a:fillRect/>
+          </a:stretch>
+        </p:blipFill>
+        <p:spPr>
+          <a:xfrm>
+            <a:off x="2454969" y="104787"/>
+            <a:ext cx="381000" cy="381000"/>
+          </a:xfrm>
+          <a:prstGeom prst="rect">
+            <a:avLst/>
+          </a:prstGeom>
+        </p:spPr>
+      </p:pic>
+      <p:sp>
+        <p:nvSpPr>
+          <p:cNvPr id="6" name="Rectangle 8"/>
+          <p:cNvSpPr/>
+          <p:nvPr/>
+        </p:nvSpPr>
+        <p:spPr>
+          <a:xfrm>
+            <a:off x="2835969" y="485787"/>
+            <a:ext cx="9020705" cy="6124190"/>
+          </a:xfrm>
+          <a:prstGeom prst="rect">
+            <a:avLst/>
+          </a:prstGeom>
+          <a:noFill/>
+          <a:ln w="12700">
+            <a:solidFill>
+              <a:srgbClr val="5b9cd5"/>
+            </a:solidFill>
+            <a:prstDash val="sysDash"/>
+          </a:ln>
+        </p:spPr>
+        <p:style>
+          <a:lnRef idx="2">
+            <a:schemeClr val="accent1">
+              <a:shade val="50000"/>
+            </a:schemeClr>
+          </a:lnRef>
+          <a:fillRef idx="1">
+            <a:schemeClr val="accent1"/>
+          </a:fillRef>
+          <a:effectRef idx="0">
+            <a:schemeClr val="accent1"/>
+          </a:effectRef>
+          <a:fontRef idx="minor">
+            <a:schemeClr val="lt1"/>
+          </a:fontRef>
+        </p:style>
+        <p:txBody>
+          <a:bodyPr lIns="502920" tIns="91440"/>
+          <a:lstStyle/>
+          <a:p>
+            <a:pPr eaLnBrk="1" hangingPunct="1">
+              <a:spcBef>
+                <a:spcPts val="0"/>
+              </a:spcBef>
+              <a:spcAft>
+                <a:spcPts val="0"/>
+              </a:spcAft>
+              <a:defRPr/>
+            </a:pPr>
+            <a:r>
+              <a:rPr lang="en-US" sz="1200">
+                <a:solidFill>
+                  <a:srgbClr val="5b9cd5"/>
+                </a:solidFill>
+                <a:latin typeface="Arial"/>
+                <a:ea typeface="+mn-ea"/>
+                <a:cs typeface="Arial"/>
+              </a:rPr>
+              <a:t>Region</a:t>
+            </a:r>
+            <a:endParaRPr lang="en-US" sz="1200">
+              <a:solidFill>
+                <a:srgbClr val="5b9cd5"/>
+              </a:solidFill>
+              <a:latin typeface="Arial"/>
+              <a:ea typeface="+mn-ea"/>
+              <a:cs typeface="Arial"/>
+            </a:endParaRPr>
+          </a:p>
+        </p:txBody>
+      </p:sp>
+      <p:pic>
+        <p:nvPicPr>
+          <p:cNvPr id="7" name="Graphic 25"/>
+          <p:cNvPicPr>
+            <a:picLocks noChangeAspect="1"/>
+          </p:cNvPicPr>
+          <p:nvPr/>
+        </p:nvPicPr>
+        <p:blipFill rotWithShape="1">
+          <a:blip r:embed="rId3"/>
+          <a:stretch>
+            <a:fillRect/>
+          </a:stretch>
+        </p:blipFill>
+        <p:spPr>
+          <a:xfrm>
+            <a:off x="2835492" y="488819"/>
+            <a:ext cx="450633" cy="435106"/>
+          </a:xfrm>
+          <a:prstGeom prst="rect">
+            <a:avLst/>
+          </a:prstGeom>
+        </p:spPr>
+      </p:pic>
+      <p:sp>
+        <p:nvSpPr>
+          <p:cNvPr id="8" name="Rectangle 6"/>
+          <p:cNvSpPr/>
+          <p:nvPr/>
+        </p:nvSpPr>
+        <p:spPr>
+          <a:xfrm>
+            <a:off x="3283334" y="963033"/>
+            <a:ext cx="8333365" cy="5432691"/>
+          </a:xfrm>
+          <a:prstGeom prst="rect">
+            <a:avLst/>
+          </a:prstGeom>
+          <a:noFill/>
+          <a:ln w="12700">
+            <a:solidFill>
+              <a:srgbClr val="1e8900"/>
+            </a:solidFill>
+          </a:ln>
+        </p:spPr>
+        <p:style>
+          <a:lnRef idx="2">
+            <a:schemeClr val="accent1">
+              <a:shade val="50000"/>
+            </a:schemeClr>
+          </a:lnRef>
+          <a:fillRef idx="1">
+            <a:schemeClr val="accent1"/>
+          </a:fillRef>
+          <a:effectRef idx="0">
+            <a:schemeClr val="accent1"/>
+          </a:effectRef>
+          <a:fontRef idx="minor">
+            <a:schemeClr val="lt1"/>
+          </a:fontRef>
+        </p:style>
+        <p:txBody>
+          <a:bodyPr lIns="502920" tIns="91440"/>
+          <a:lstStyle/>
+          <a:p>
+            <a:pPr eaLnBrk="1" hangingPunct="1">
+              <a:spcBef>
+                <a:spcPts val="0"/>
+              </a:spcBef>
+              <a:spcAft>
+                <a:spcPts val="0"/>
+              </a:spcAft>
+              <a:defRPr/>
+            </a:pPr>
+            <a:r>
+              <a:rPr lang="en-US" sz="1200">
+                <a:ln w="0"/>
+                <a:solidFill>
+                  <a:srgbClr val="1e8900"/>
+                </a:solidFill>
+                <a:latin typeface="Arial"/>
+                <a:ea typeface="+mn-ea"/>
+                <a:cs typeface="Arial"/>
+              </a:rPr>
+              <a:t>VPC</a:t>
+            </a:r>
+            <a:endParaRPr lang="en-US" sz="1200">
+              <a:solidFill>
+                <a:srgbClr val="1e8900"/>
+              </a:solidFill>
+              <a:latin typeface="Arial"/>
+              <a:ea typeface="+mn-ea"/>
+              <a:cs typeface="Arial"/>
+            </a:endParaRPr>
+          </a:p>
+        </p:txBody>
+      </p:sp>
+      <p:pic>
+        <p:nvPicPr>
+          <p:cNvPr id="9" name="Graphic 16"/>
+          <p:cNvPicPr>
+            <a:picLocks noChangeAspect="1"/>
+          </p:cNvPicPr>
+          <p:nvPr/>
+        </p:nvPicPr>
+        <p:blipFill rotWithShape="1">
+          <a:blip r:embed="rId4"/>
+          <a:stretch>
+            <a:fillRect/>
+          </a:stretch>
+        </p:blipFill>
+        <p:spPr>
+          <a:xfrm>
+            <a:off x="3283334" y="962238"/>
+            <a:ext cx="461830" cy="472464"/>
+          </a:xfrm>
+          <a:prstGeom prst="rect">
+            <a:avLst/>
+          </a:prstGeom>
+        </p:spPr>
+      </p:pic>
+      <p:sp>
+        <p:nvSpPr>
+          <p:cNvPr id="11" name="Rectangle 38"/>
+          <p:cNvSpPr/>
+          <p:nvPr/>
+        </p:nvSpPr>
+        <p:spPr>
+          <a:xfrm>
+            <a:off x="3723030" y="1465553"/>
+            <a:ext cx="7783170" cy="4640067"/>
+          </a:xfrm>
+          <a:prstGeom prst="rect">
+            <a:avLst/>
+          </a:prstGeom>
+          <a:noFill/>
+          <a:ln w="12700">
+            <a:solidFill>
+              <a:srgbClr val="d86613"/>
+            </a:solidFill>
+          </a:ln>
+        </p:spPr>
+        <p:style>
+          <a:lnRef idx="2">
+            <a:schemeClr val="accent1">
+              <a:shade val="50000"/>
+            </a:schemeClr>
+          </a:lnRef>
+          <a:fillRef idx="1">
+            <a:schemeClr val="accent1"/>
+          </a:fillRef>
+          <a:effectRef idx="0">
+            <a:schemeClr val="accent1"/>
+          </a:effectRef>
+          <a:fontRef idx="minor">
+            <a:schemeClr val="lt1"/>
+          </a:fontRef>
+        </p:style>
+        <p:txBody>
+          <a:bodyPr lIns="502920" tIns="91440"/>
+          <a:lstStyle/>
+          <a:p>
+            <a:pPr eaLnBrk="1" hangingPunct="1">
+              <a:spcBef>
+                <a:spcPts val="0"/>
+              </a:spcBef>
+              <a:spcAft>
+                <a:spcPts val="0"/>
+              </a:spcAft>
+              <a:defRPr/>
+            </a:pPr>
+            <a:r>
+              <a:rPr lang="en-US" sz="1200">
+                <a:solidFill>
+                  <a:srgbClr val="d86613"/>
+                </a:solidFill>
+                <a:latin typeface="Arial"/>
+                <a:ea typeface="+mn-ea"/>
+                <a:cs typeface="Arial"/>
+              </a:rPr>
+              <a:t>Elastic Beanstalk container</a:t>
+            </a:r>
+            <a:endParaRPr lang="en-US" sz="1200">
+              <a:solidFill>
+                <a:srgbClr val="d86613"/>
+              </a:solidFill>
+              <a:latin typeface="Arial"/>
+              <a:ea typeface="+mn-ea"/>
+              <a:cs typeface="Arial"/>
+            </a:endParaRPr>
+          </a:p>
+        </p:txBody>
+      </p:sp>
+      <p:pic>
+        <p:nvPicPr>
+          <p:cNvPr id="12" name="Graphic 42"/>
+          <p:cNvPicPr>
+            <a:picLocks noChangeAspect="1"/>
+          </p:cNvPicPr>
+          <p:nvPr/>
+        </p:nvPicPr>
+        <p:blipFill rotWithShape="1">
+          <a:blip r:embed="rId5"/>
+          <a:stretch>
+            <a:fillRect/>
+          </a:stretch>
+        </p:blipFill>
+        <p:spPr>
+          <a:xfrm>
+            <a:off x="3723030" y="1465553"/>
+            <a:ext cx="381000" cy="381000"/>
+          </a:xfrm>
+          <a:prstGeom prst="rect">
+            <a:avLst/>
+          </a:prstGeom>
+        </p:spPr>
+      </p:pic>
+      <p:pic>
+        <p:nvPicPr>
+          <p:cNvPr id="13" name="Graphic 5"/>
+          <p:cNvPicPr>
+            <a:picLocks noChangeAspect="1" noChangeArrowheads="1"/>
+          </p:cNvPicPr>
+          <p:nvPr/>
+        </p:nvPicPr>
+        <p:blipFill rotWithShape="1">
+          <a:blip r:embed="rId6"/>
+          <a:srcRect/>
+          <a:stretch>
+            <a:fillRect/>
+          </a:stretch>
+        </p:blipFill>
+        <p:spPr>
+          <a:xfrm>
+            <a:off x="10802406" y="556487"/>
+            <a:ext cx="370116" cy="352188"/>
+          </a:xfrm>
+          <a:prstGeom prst="rect">
+            <a:avLst/>
+          </a:prstGeom>
+          <a:noFill/>
+          <a:ln>
+            <a:noFill/>
+          </a:ln>
+        </p:spPr>
+      </p:pic>
+      <p:pic>
+        <p:nvPicPr>
+          <p:cNvPr id="14" name="Graphic 8"/>
+          <p:cNvPicPr>
+            <a:picLocks noChangeAspect="1" noChangeArrowheads="1"/>
+          </p:cNvPicPr>
+          <p:nvPr/>
+        </p:nvPicPr>
+        <p:blipFill rotWithShape="1">
+          <a:blip r:embed="rId7"/>
+          <a:srcRect/>
+          <a:stretch>
+            <a:fillRect/>
+          </a:stretch>
+        </p:blipFill>
+        <p:spPr>
+          <a:xfrm>
+            <a:off x="9476944" y="548624"/>
+            <a:ext cx="347564" cy="347564"/>
+          </a:xfrm>
+          <a:prstGeom prst="rect">
+            <a:avLst/>
+          </a:prstGeom>
+          <a:noFill/>
+          <a:ln>
+            <a:noFill/>
+          </a:ln>
+        </p:spPr>
+      </p:pic>
+      <p:sp>
+        <p:nvSpPr>
+          <p:cNvPr id="15" name="Rectangle 32"/>
+          <p:cNvSpPr/>
+          <p:nvPr/>
+        </p:nvSpPr>
+        <p:spPr>
+          <a:xfrm>
+            <a:off x="4824051" y="4841275"/>
+            <a:ext cx="2195293" cy="1213632"/>
+          </a:xfrm>
+          <a:prstGeom prst="rect">
+            <a:avLst/>
+          </a:prstGeom>
+          <a:solidFill>
+            <a:srgbClr val="1d8900">
+              <a:alpha val="9800"/>
+            </a:srgbClr>
+          </a:solidFill>
+          <a:ln w="12700">
+            <a:noFill/>
+            <a:prstDash val="dash"/>
+          </a:ln>
+        </p:spPr>
+        <p:style>
+          <a:lnRef idx="2">
+            <a:schemeClr val="accent1">
+              <a:shade val="50000"/>
+            </a:schemeClr>
+          </a:lnRef>
+          <a:fillRef idx="1">
+            <a:schemeClr val="accent1"/>
+          </a:fillRef>
+          <a:effectRef idx="0">
+            <a:schemeClr val="accent1"/>
+          </a:effectRef>
+          <a:fontRef idx="minor">
+            <a:schemeClr val="lt1"/>
+          </a:fontRef>
+        </p:style>
+        <p:txBody>
+          <a:bodyPr lIns="502920" tIns="45720" rIns="91440" bIns="45720" anchor="t"/>
+          <a:lstStyle/>
+          <a:p>
+            <a:pPr>
+              <a:defRPr/>
+            </a:pPr>
+            <a:r>
+              <a:rPr lang="en-US" sz="1200">
+                <a:solidFill>
+                  <a:srgbClr val="1e8900"/>
+                </a:solidFill>
+                <a:latin typeface="Arial"/>
+                <a:ea typeface="+mn-ea"/>
+                <a:cs typeface="Arial"/>
+              </a:rPr>
+              <a:t>Public subnet</a:t>
+            </a:r>
+            <a:r>
+              <a:rPr lang="en-US" sz="1200">
+                <a:solidFill>
+                  <a:srgbClr val="1e8900"/>
+                </a:solidFill>
+                <a:latin typeface="Arial"/>
+                <a:cs typeface="Arial"/>
+              </a:rPr>
+              <a:t> - WEB</a:t>
+            </a:r>
+            <a:endParaRPr lang="en-US" sz="1200">
+              <a:solidFill>
+                <a:srgbClr val="1e8900"/>
+              </a:solidFill>
+              <a:latin typeface="Arial"/>
+              <a:ea typeface="+mn-ea"/>
+              <a:cs typeface="Arial"/>
+            </a:endParaRPr>
+          </a:p>
+        </p:txBody>
+      </p:sp>
+      <p:pic>
+        <p:nvPicPr>
+          <p:cNvPr id="16" name="Graphic 19"/>
+          <p:cNvPicPr>
+            <a:picLocks noChangeAspect="1"/>
+          </p:cNvPicPr>
+          <p:nvPr/>
+        </p:nvPicPr>
+        <p:blipFill rotWithShape="1">
+          <a:blip r:embed="rId8"/>
+          <a:stretch>
+            <a:fillRect/>
+          </a:stretch>
+        </p:blipFill>
+        <p:spPr>
+          <a:xfrm>
+            <a:off x="4824104" y="4841955"/>
+            <a:ext cx="381000" cy="381000"/>
+          </a:xfrm>
+          <a:prstGeom prst="rect">
+            <a:avLst/>
+          </a:prstGeom>
+        </p:spPr>
+      </p:pic>
+      <p:sp>
+        <p:nvSpPr>
+          <p:cNvPr id="17" name="Rectangle 7"/>
+          <p:cNvSpPr/>
+          <p:nvPr/>
+        </p:nvSpPr>
+        <p:spPr>
+          <a:xfrm>
+            <a:off x="4276710" y="1876425"/>
+            <a:ext cx="2430011" cy="1285875"/>
           </a:xfrm>
           <a:prstGeom prst="rect">
             <a:avLst/>
@@ -7132,6 +9632,1059 @@
       </p:sp>
       <p:pic>
         <p:nvPicPr>
+          <p:cNvPr id="18" name="Graphic 21"/>
+          <p:cNvPicPr>
+            <a:picLocks noChangeAspect="1"/>
+          </p:cNvPicPr>
+          <p:nvPr/>
+        </p:nvPicPr>
+        <p:blipFill rotWithShape="1">
+          <a:blip r:embed="rId9"/>
+          <a:stretch>
+            <a:fillRect/>
+          </a:stretch>
+        </p:blipFill>
+        <p:spPr>
+          <a:xfrm>
+            <a:off x="4275278" y="1873421"/>
+            <a:ext cx="381000" cy="381000"/>
+          </a:xfrm>
+          <a:prstGeom prst="rect">
+            <a:avLst/>
+          </a:prstGeom>
+        </p:spPr>
+      </p:pic>
+      <p:pic>
+        <p:nvPicPr>
+          <p:cNvPr id="19" name="Graphic 19"/>
+          <p:cNvPicPr>
+            <a:picLocks noChangeAspect="1" noChangeArrowheads="1"/>
+          </p:cNvPicPr>
+          <p:nvPr/>
+        </p:nvPicPr>
+        <p:blipFill rotWithShape="1">
+          <a:blip r:embed="rId10"/>
+          <a:srcRect/>
+          <a:stretch>
+            <a:fillRect/>
+          </a:stretch>
+        </p:blipFill>
+        <p:spPr>
+          <a:xfrm>
+            <a:off x="9943570" y="545693"/>
+            <a:ext cx="350494" cy="350494"/>
+          </a:xfrm>
+          <a:prstGeom prst="rect">
+            <a:avLst/>
+          </a:prstGeom>
+          <a:noFill/>
+          <a:ln>
+            <a:noFill/>
+          </a:ln>
+        </p:spPr>
+      </p:pic>
+      <p:pic>
+        <p:nvPicPr>
+          <p:cNvPr id="21" name="Graphic 6"/>
+          <p:cNvPicPr>
+            <a:picLocks noChangeAspect="1" noChangeArrowheads="1"/>
+          </p:cNvPicPr>
+          <p:nvPr/>
+        </p:nvPicPr>
+        <p:blipFill rotWithShape="1">
+          <a:blip r:embed="rId11"/>
+          <a:srcRect/>
+          <a:stretch>
+            <a:fillRect/>
+          </a:stretch>
+        </p:blipFill>
+        <p:spPr>
+          <a:xfrm>
+            <a:off x="10384236" y="547523"/>
+            <a:ext cx="347280" cy="347280"/>
+          </a:xfrm>
+          <a:prstGeom prst="rect">
+            <a:avLst/>
+          </a:prstGeom>
+          <a:noFill/>
+          <a:ln>
+            <a:noFill/>
+          </a:ln>
+        </p:spPr>
+      </p:pic>
+      <p:pic>
+        <p:nvPicPr>
+          <p:cNvPr id="26" name="Graphic 24"/>
+          <p:cNvPicPr>
+            <a:picLocks noChangeAspect="1" noChangeArrowheads="1"/>
+          </p:cNvPicPr>
+          <p:nvPr/>
+        </p:nvPicPr>
+        <p:blipFill rotWithShape="1">
+          <a:blip r:embed="rId12"/>
+          <a:srcRect/>
+          <a:stretch>
+            <a:fillRect/>
+          </a:stretch>
+        </p:blipFill>
+        <p:spPr>
+          <a:xfrm>
+            <a:off x="6849931" y="4080586"/>
+            <a:ext cx="457200" cy="457200"/>
+          </a:xfrm>
+          <a:prstGeom prst="rect">
+            <a:avLst/>
+          </a:prstGeom>
+          <a:noFill/>
+          <a:ln>
+            <a:noFill/>
+          </a:ln>
+        </p:spPr>
+      </p:pic>
+      <p:pic>
+        <p:nvPicPr>
+          <p:cNvPr id="29" name="Graphic 60"/>
+          <p:cNvPicPr>
+            <a:picLocks noChangeAspect="1" noChangeArrowheads="1"/>
+          </p:cNvPicPr>
+          <p:nvPr/>
+        </p:nvPicPr>
+        <p:blipFill rotWithShape="1">
+          <a:blip r:embed="rId13"/>
+          <a:srcRect/>
+          <a:stretch>
+            <a:fillRect/>
+          </a:stretch>
+        </p:blipFill>
+        <p:spPr>
+          <a:xfrm>
+            <a:off x="7639371" y="2302640"/>
+            <a:ext cx="457200" cy="457200"/>
+          </a:xfrm>
+          <a:prstGeom prst="rect">
+            <a:avLst/>
+          </a:prstGeom>
+          <a:noFill/>
+          <a:ln>
+            <a:noFill/>
+          </a:ln>
+        </p:spPr>
+      </p:pic>
+      <p:pic>
+        <p:nvPicPr>
+          <p:cNvPr id="30" name="Graphic 60"/>
+          <p:cNvPicPr>
+            <a:picLocks noChangeAspect="1" noChangeArrowheads="1"/>
+          </p:cNvPicPr>
+          <p:nvPr/>
+        </p:nvPicPr>
+        <p:blipFill rotWithShape="1">
+          <a:blip r:embed="rId14"/>
+          <a:srcRect/>
+          <a:stretch>
+            <a:fillRect/>
+          </a:stretch>
+        </p:blipFill>
+        <p:spPr>
+          <a:xfrm>
+            <a:off x="8350946" y="5332047"/>
+            <a:ext cx="457200" cy="457200"/>
+          </a:xfrm>
+          <a:prstGeom prst="rect">
+            <a:avLst/>
+          </a:prstGeom>
+          <a:noFill/>
+          <a:ln>
+            <a:noFill/>
+          </a:ln>
+        </p:spPr>
+      </p:pic>
+      <p:pic>
+        <p:nvPicPr>
+          <p:cNvPr id="33" name="Graphic 6"/>
+          <p:cNvPicPr>
+            <a:picLocks noChangeAspect="1" noChangeArrowheads="1"/>
+          </p:cNvPicPr>
+          <p:nvPr/>
+        </p:nvPicPr>
+        <p:blipFill rotWithShape="1">
+          <a:blip r:embed="rId15"/>
+          <a:srcRect/>
+          <a:stretch>
+            <a:fillRect/>
+          </a:stretch>
+        </p:blipFill>
+        <p:spPr>
+          <a:xfrm>
+            <a:off x="11245822" y="556487"/>
+            <a:ext cx="370878" cy="352950"/>
+          </a:xfrm>
+          <a:prstGeom prst="rect">
+            <a:avLst/>
+          </a:prstGeom>
+          <a:noFill/>
+          <a:ln>
+            <a:noFill/>
+          </a:ln>
+        </p:spPr>
+      </p:pic>
+      <p:pic>
+        <p:nvPicPr>
+          <p:cNvPr id="34" name="Graphic 14"/>
+          <p:cNvPicPr>
+            <a:picLocks noChangeAspect="1" noChangeArrowheads="1"/>
+          </p:cNvPicPr>
+          <p:nvPr/>
+        </p:nvPicPr>
+        <p:blipFill rotWithShape="1">
+          <a:blip r:embed="rId16"/>
+          <a:srcRect/>
+          <a:stretch>
+            <a:fillRect/>
+          </a:stretch>
+        </p:blipFill>
+        <p:spPr>
+          <a:xfrm>
+            <a:off x="872142" y="3465221"/>
+            <a:ext cx="469900" cy="469900"/>
+          </a:xfrm>
+          <a:prstGeom prst="rect">
+            <a:avLst/>
+          </a:prstGeom>
+          <a:noFill/>
+          <a:ln>
+            <a:noFill/>
+          </a:ln>
+        </p:spPr>
+      </p:pic>
+      <p:pic>
+        <p:nvPicPr>
+          <p:cNvPr id="37" name="Graphic 23"/>
+          <p:cNvPicPr>
+            <a:picLocks noChangeAspect="1" noChangeArrowheads="1"/>
+          </p:cNvPicPr>
+          <p:nvPr/>
+        </p:nvPicPr>
+        <p:blipFill rotWithShape="1">
+          <a:blip r:embed="rId17"/>
+          <a:srcRect/>
+          <a:stretch>
+            <a:fillRect/>
+          </a:stretch>
+        </p:blipFill>
+        <p:spPr>
+          <a:xfrm flipH="1">
+            <a:off x="872143" y="1643772"/>
+            <a:ext cx="469900" cy="469900"/>
+          </a:xfrm>
+          <a:prstGeom prst="rect">
+            <a:avLst/>
+          </a:prstGeom>
+          <a:noFill/>
+          <a:ln>
+            <a:noFill/>
+          </a:ln>
+        </p:spPr>
+      </p:pic>
+      <p:pic>
+        <p:nvPicPr>
+          <p:cNvPr id="41" name="Graphic 10"/>
+          <p:cNvPicPr>
+            <a:picLocks noChangeAspect="1" noChangeArrowheads="1"/>
+          </p:cNvPicPr>
+          <p:nvPr/>
+        </p:nvPicPr>
+        <p:blipFill rotWithShape="1">
+          <a:blip r:embed="rId18"/>
+          <a:srcRect/>
+          <a:stretch>
+            <a:fillRect/>
+          </a:stretch>
+        </p:blipFill>
+        <p:spPr>
+          <a:xfrm>
+            <a:off x="3050448" y="3503375"/>
+            <a:ext cx="457200" cy="457200"/>
+          </a:xfrm>
+          <a:prstGeom prst="rect">
+            <a:avLst/>
+          </a:prstGeom>
+          <a:noFill/>
+          <a:ln>
+            <a:noFill/>
+          </a:ln>
+        </p:spPr>
+      </p:pic>
+      <p:pic>
+        <p:nvPicPr>
+          <p:cNvPr id="42" name="Graphic 31"/>
+          <p:cNvPicPr>
+            <a:picLocks noChangeAspect="1" noChangeArrowheads="1"/>
+          </p:cNvPicPr>
+          <p:nvPr/>
+        </p:nvPicPr>
+        <p:blipFill rotWithShape="1">
+          <a:blip r:embed="rId19"/>
+          <a:srcRect/>
+          <a:stretch>
+            <a:fillRect/>
+          </a:stretch>
+        </p:blipFill>
+        <p:spPr>
+          <a:xfrm>
+            <a:off x="6853048" y="3496680"/>
+            <a:ext cx="457200" cy="457200"/>
+          </a:xfrm>
+          <a:prstGeom prst="rect">
+            <a:avLst/>
+          </a:prstGeom>
+          <a:noFill/>
+          <a:ln>
+            <a:noFill/>
+          </a:ln>
+        </p:spPr>
+      </p:pic>
+      <p:cxnSp>
+        <p:nvCxnSpPr>
+          <p:cNvPr id="45" name="Straight Arrow Connector 8"/>
+          <p:cNvCxnSpPr/>
+          <p:nvPr/>
+        </p:nvCxnSpPr>
+        <p:spPr>
+          <a:xfrm>
+            <a:off x="1091718" y="2149203"/>
+            <a:ext cx="4109" cy="1268675"/>
+          </a:xfrm>
+          <a:prstGeom prst="straightConnector1">
+            <a:avLst/>
+          </a:prstGeom>
+          <a:ln w="12700">
+            <a:solidFill>
+              <a:srgbClr val="545b64"/>
+            </a:solidFill>
+            <a:headEnd w="med" len="sm"/>
+            <a:tailEnd type="arrow" w="med" len="sm"/>
+          </a:ln>
+        </p:spPr>
+        <p:style>
+          <a:lnRef idx="1">
+            <a:schemeClr val="accent1"/>
+          </a:lnRef>
+          <a:fillRef idx="0">
+            <a:schemeClr val="accent1"/>
+          </a:fillRef>
+          <a:effectRef idx="0">
+            <a:schemeClr val="accent1"/>
+          </a:effectRef>
+          <a:fontRef idx="minor">
+            <a:schemeClr val="tx1"/>
+          </a:fontRef>
+        </p:style>
+      </p:cxnSp>
+      <p:cxnSp>
+        <p:nvCxnSpPr>
+          <p:cNvPr id="46" name="Straight Arrow Connector 8"/>
+          <p:cNvCxnSpPr/>
+          <p:nvPr/>
+        </p:nvCxnSpPr>
+        <p:spPr>
+          <a:xfrm>
+            <a:off x="1425575" y="3728127"/>
+            <a:ext cx="1644650" cy="0"/>
+          </a:xfrm>
+          <a:prstGeom prst="straightConnector1">
+            <a:avLst/>
+          </a:prstGeom>
+          <a:ln w="12700">
+            <a:solidFill>
+              <a:srgbClr val="545b64"/>
+            </a:solidFill>
+            <a:headEnd w="med" len="sm"/>
+            <a:tailEnd type="arrow" w="med" len="sm"/>
+          </a:ln>
+        </p:spPr>
+        <p:style>
+          <a:lnRef idx="1">
+            <a:schemeClr val="accent1"/>
+          </a:lnRef>
+          <a:fillRef idx="0">
+            <a:schemeClr val="accent1"/>
+          </a:fillRef>
+          <a:effectRef idx="0">
+            <a:schemeClr val="accent1"/>
+          </a:effectRef>
+          <a:fontRef idx="minor">
+            <a:schemeClr val="tx1"/>
+          </a:fontRef>
+        </p:style>
+      </p:cxnSp>
+      <p:pic>
+        <p:nvPicPr>
+          <p:cNvPr id="74" name="그림 73"/>
+          <p:cNvPicPr>
+            <a:picLocks noChangeAspect="1"/>
+          </p:cNvPicPr>
+          <p:nvPr/>
+        </p:nvPicPr>
+        <p:blipFill rotWithShape="1">
+          <a:blip r:embed="rId20"/>
+          <a:stretch>
+            <a:fillRect/>
+          </a:stretch>
+        </p:blipFill>
+        <p:spPr>
+          <a:xfrm>
+            <a:off x="839166" y="4628814"/>
+            <a:ext cx="540000" cy="540000"/>
+          </a:xfrm>
+          <a:prstGeom prst="rect">
+            <a:avLst/>
+          </a:prstGeom>
+        </p:spPr>
+      </p:pic>
+      <p:cxnSp>
+        <p:nvCxnSpPr>
+          <p:cNvPr id="76" name="Straight Arrow Connector 8"/>
+          <p:cNvCxnSpPr>
+            <a:stCxn id="74" idx="0"/>
+            <a:endCxn id="34" idx="2"/>
+          </p:cNvCxnSpPr>
+          <p:nvPr/>
+        </p:nvCxnSpPr>
+        <p:spPr>
+          <a:xfrm rot="16200000" flipV="1">
+            <a:off x="761283" y="4280931"/>
+            <a:ext cx="693693" cy="2074"/>
+          </a:xfrm>
+          <a:prstGeom prst="straightConnector1">
+            <a:avLst/>
+          </a:prstGeom>
+          <a:ln w="12700">
+            <a:solidFill>
+              <a:srgbClr val="545b64"/>
+            </a:solidFill>
+            <a:headEnd w="med" len="sm"/>
+            <a:tailEnd type="arrow" w="med" len="sm"/>
+          </a:ln>
+        </p:spPr>
+        <p:style>
+          <a:lnRef idx="1">
+            <a:schemeClr val="accent1"/>
+          </a:lnRef>
+          <a:fillRef idx="0">
+            <a:schemeClr val="accent1"/>
+          </a:fillRef>
+          <a:effectRef idx="0">
+            <a:schemeClr val="accent1"/>
+          </a:effectRef>
+          <a:fontRef idx="minor">
+            <a:schemeClr val="tx1"/>
+          </a:fontRef>
+        </p:style>
+      </p:cxnSp>
+      <p:pic>
+        <p:nvPicPr>
+          <p:cNvPr id="32" name="Graphic 53"/>
+          <p:cNvPicPr>
+            <a:picLocks noChangeAspect="1" noChangeArrowheads="1"/>
+          </p:cNvPicPr>
+          <p:nvPr/>
+        </p:nvPicPr>
+        <p:blipFill rotWithShape="1">
+          <a:blip r:embed="rId21"/>
+          <a:srcRect/>
+          <a:stretch>
+            <a:fillRect/>
+          </a:stretch>
+        </p:blipFill>
+        <p:spPr>
+          <a:xfrm>
+            <a:off x="10464022" y="2403872"/>
+            <a:ext cx="457200" cy="457200"/>
+          </a:xfrm>
+          <a:prstGeom prst="rect">
+            <a:avLst/>
+          </a:prstGeom>
+          <a:noFill/>
+          <a:ln>
+            <a:noFill/>
+          </a:ln>
+        </p:spPr>
+      </p:pic>
+      <p:cxnSp>
+        <p:nvCxnSpPr>
+          <p:cNvPr id="50" name="Straight Arrow Connector 8"/>
+          <p:cNvCxnSpPr>
+            <a:endCxn id="42" idx="1"/>
+          </p:cNvCxnSpPr>
+          <p:nvPr/>
+        </p:nvCxnSpPr>
+        <p:spPr>
+          <a:xfrm flipV="1">
+            <a:off x="3457761" y="3725280"/>
+            <a:ext cx="3395287" cy="45"/>
+          </a:xfrm>
+          <a:prstGeom prst="straightConnector1">
+            <a:avLst/>
+          </a:prstGeom>
+          <a:ln w="12700">
+            <a:solidFill>
+              <a:srgbClr val="545b64"/>
+            </a:solidFill>
+            <a:headEnd w="med" len="sm"/>
+            <a:tailEnd type="arrow" w="med" len="sm"/>
+          </a:ln>
+        </p:spPr>
+        <p:style>
+          <a:lnRef idx="1">
+            <a:schemeClr val="accent1"/>
+          </a:lnRef>
+          <a:fillRef idx="0">
+            <a:schemeClr val="accent1"/>
+          </a:fillRef>
+          <a:effectRef idx="0">
+            <a:schemeClr val="accent1"/>
+          </a:effectRef>
+          <a:fontRef idx="minor">
+            <a:schemeClr val="tx1"/>
+          </a:fontRef>
+        </p:style>
+      </p:cxnSp>
+      <p:cxnSp>
+        <p:nvCxnSpPr>
+          <p:cNvPr id="72" name="Elbow Connector 18"/>
+          <p:cNvCxnSpPr>
+            <a:stCxn id="26" idx="2"/>
+            <a:endCxn id="15" idx="0"/>
+          </p:cNvCxnSpPr>
+          <p:nvPr/>
+        </p:nvCxnSpPr>
+        <p:spPr>
+          <a:xfrm rot="5400000">
+            <a:off x="6348371" y="4111114"/>
+            <a:ext cx="303489" cy="1156833"/>
+          </a:xfrm>
+          <a:prstGeom prst="bentConnector3">
+            <a:avLst>
+              <a:gd name="adj1" fmla="val 50000"/>
+            </a:avLst>
+          </a:prstGeom>
+          <a:ln w="12700">
+            <a:solidFill>
+              <a:schemeClr val="tx2"/>
+            </a:solidFill>
+            <a:headEnd w="med" len="sm"/>
+            <a:tailEnd type="arrow" w="med" len="sm"/>
+          </a:ln>
+        </p:spPr>
+        <p:style>
+          <a:lnRef idx="1">
+            <a:schemeClr val="accent1"/>
+          </a:lnRef>
+          <a:fillRef idx="0">
+            <a:schemeClr val="accent1"/>
+          </a:fillRef>
+          <a:effectRef idx="0">
+            <a:schemeClr val="accent1"/>
+          </a:effectRef>
+          <a:fontRef idx="minor">
+            <a:schemeClr val="tx1"/>
+          </a:fontRef>
+        </p:style>
+      </p:cxnSp>
+      <p:cxnSp>
+        <p:nvCxnSpPr>
+          <p:cNvPr id="64" name="Straight Arrow Connector 17"/>
+          <p:cNvCxnSpPr>
+            <a:stCxn id="26" idx="0"/>
+            <a:endCxn id="42" idx="2"/>
+          </p:cNvCxnSpPr>
+          <p:nvPr/>
+        </p:nvCxnSpPr>
+        <p:spPr>
+          <a:xfrm rot="5400000" flipH="1" flipV="1">
+            <a:off x="7016736" y="4015675"/>
+            <a:ext cx="126706" cy="3117"/>
+          </a:xfrm>
+          <a:prstGeom prst="straightConnector1">
+            <a:avLst/>
+          </a:prstGeom>
+          <a:ln w="12700">
+            <a:solidFill>
+              <a:schemeClr val="tx2"/>
+            </a:solidFill>
+            <a:headEnd type="arrow" w="med" len="sm"/>
+            <a:tailEnd w="med" len="sm"/>
+          </a:ln>
+        </p:spPr>
+        <p:style>
+          <a:lnRef idx="1">
+            <a:schemeClr val="accent1"/>
+          </a:lnRef>
+          <a:fillRef idx="0">
+            <a:schemeClr val="accent1"/>
+          </a:fillRef>
+          <a:effectRef idx="0">
+            <a:schemeClr val="accent1"/>
+          </a:effectRef>
+          <a:fontRef idx="minor">
+            <a:schemeClr val="tx1"/>
+          </a:fontRef>
+        </p:style>
+      </p:cxnSp>
+      <p:sp>
+        <p:nvSpPr>
+          <p:cNvPr id="70" name="Rectangle 32"/>
+          <p:cNvSpPr/>
+          <p:nvPr/>
+        </p:nvSpPr>
+        <p:spPr>
+          <a:xfrm>
+            <a:off x="7575656" y="4850239"/>
+            <a:ext cx="2120794" cy="1203987"/>
+          </a:xfrm>
+          <a:prstGeom prst="rect">
+            <a:avLst/>
+          </a:prstGeom>
+          <a:solidFill>
+            <a:srgbClr val="1d8900">
+              <a:alpha val="9800"/>
+            </a:srgbClr>
+          </a:solidFill>
+          <a:ln w="12700">
+            <a:noFill/>
+            <a:prstDash val="dash"/>
+          </a:ln>
+        </p:spPr>
+        <p:style>
+          <a:lnRef idx="2">
+            <a:schemeClr val="accent1">
+              <a:shade val="50000"/>
+            </a:schemeClr>
+          </a:lnRef>
+          <a:fillRef idx="1">
+            <a:schemeClr val="accent1"/>
+          </a:fillRef>
+          <a:effectRef idx="0">
+            <a:schemeClr val="accent1"/>
+          </a:effectRef>
+          <a:fontRef idx="minor">
+            <a:schemeClr val="lt1"/>
+          </a:fontRef>
+        </p:style>
+        <p:txBody>
+          <a:bodyPr lIns="502920" tIns="45720" rIns="91440" bIns="45720" anchor="t"/>
+          <a:lstStyle/>
+          <a:p>
+            <a:pPr>
+              <a:defRPr/>
+            </a:pPr>
+            <a:r>
+              <a:rPr lang="en-US" sz="1200">
+                <a:solidFill>
+                  <a:srgbClr val="1e8900"/>
+                </a:solidFill>
+                <a:latin typeface="Arial"/>
+                <a:ea typeface="+mn-ea"/>
+                <a:cs typeface="Arial"/>
+              </a:rPr>
+              <a:t>Public subnet</a:t>
+            </a:r>
+            <a:r>
+              <a:rPr lang="en-US" sz="1200">
+                <a:solidFill>
+                  <a:srgbClr val="1e8900"/>
+                </a:solidFill>
+                <a:latin typeface="Arial"/>
+                <a:cs typeface="Arial"/>
+              </a:rPr>
+              <a:t> - WEB</a:t>
+            </a:r>
+            <a:r>
+              <a:rPr lang="en-US" altLang="ko-KR" sz="1200">
+                <a:solidFill>
+                  <a:srgbClr val="1e8900"/>
+                </a:solidFill>
+                <a:latin typeface="Arial"/>
+                <a:cs typeface="Arial"/>
+              </a:rPr>
+              <a:t>2</a:t>
+            </a:r>
+            <a:endParaRPr lang="en-US" altLang="ko-KR" sz="1200">
+              <a:solidFill>
+                <a:srgbClr val="1e8900"/>
+              </a:solidFill>
+              <a:latin typeface="Arial"/>
+              <a:cs typeface="Arial"/>
+            </a:endParaRPr>
+          </a:p>
+        </p:txBody>
+      </p:sp>
+      <p:pic>
+        <p:nvPicPr>
+          <p:cNvPr id="73" name="Graphic 19"/>
+          <p:cNvPicPr>
+            <a:picLocks noChangeAspect="1"/>
+          </p:cNvPicPr>
+          <p:nvPr/>
+        </p:nvPicPr>
+        <p:blipFill rotWithShape="1">
+          <a:blip r:embed="rId22"/>
+          <a:stretch>
+            <a:fillRect/>
+          </a:stretch>
+        </p:blipFill>
+        <p:spPr>
+          <a:xfrm>
+            <a:off x="7575708" y="4850919"/>
+            <a:ext cx="381000" cy="381000"/>
+          </a:xfrm>
+          <a:prstGeom prst="rect">
+            <a:avLst/>
+          </a:prstGeom>
+        </p:spPr>
+      </p:pic>
+      <p:cxnSp>
+        <p:nvCxnSpPr>
+          <p:cNvPr id="88" name="Elbow Connector 18"/>
+          <p:cNvCxnSpPr>
+            <a:stCxn id="26" idx="2"/>
+            <a:endCxn id="70" idx="0"/>
+          </p:cNvCxnSpPr>
+          <p:nvPr/>
+        </p:nvCxnSpPr>
+        <p:spPr>
+          <a:xfrm rot="16200000" flipH="1">
+            <a:off x="7701066" y="3915251"/>
+            <a:ext cx="312453" cy="1557522"/>
+          </a:xfrm>
+          <a:prstGeom prst="bentConnector3">
+            <a:avLst>
+              <a:gd name="adj1" fmla="val 50000"/>
+            </a:avLst>
+          </a:prstGeom>
+          <a:ln w="12700">
+            <a:solidFill>
+              <a:schemeClr val="tx2"/>
+            </a:solidFill>
+            <a:headEnd w="med" len="sm"/>
+            <a:tailEnd type="arrow" w="med" len="sm"/>
+          </a:ln>
+        </p:spPr>
+        <p:style>
+          <a:lnRef idx="1">
+            <a:schemeClr val="accent1"/>
+          </a:lnRef>
+          <a:fillRef idx="0">
+            <a:schemeClr val="accent1"/>
+          </a:fillRef>
+          <a:effectRef idx="0">
+            <a:schemeClr val="accent1"/>
+          </a:effectRef>
+          <a:fontRef idx="minor">
+            <a:schemeClr val="tx1"/>
+          </a:fontRef>
+        </p:style>
+      </p:cxnSp>
+      <p:cxnSp>
+        <p:nvCxnSpPr>
+          <p:cNvPr id="93" name="Straight Arrow Connector 7"/>
+          <p:cNvCxnSpPr>
+            <a:stCxn id="48" idx="3"/>
+            <a:endCxn id="95" idx="1"/>
+          </p:cNvCxnSpPr>
+          <p:nvPr/>
+        </p:nvCxnSpPr>
+        <p:spPr>
+          <a:xfrm>
+            <a:off x="9012891" y="2519363"/>
+            <a:ext cx="312628" cy="3039"/>
+          </a:xfrm>
+          <a:prstGeom prst="straightConnector1">
+            <a:avLst/>
+          </a:prstGeom>
+          <a:ln w="12700">
+            <a:solidFill>
+              <a:srgbClr val="545b64"/>
+            </a:solidFill>
+            <a:headEnd w="med" len="sm"/>
+            <a:tailEnd w="med" len="sm"/>
+          </a:ln>
+        </p:spPr>
+        <p:style>
+          <a:lnRef idx="1">
+            <a:schemeClr val="accent1"/>
+          </a:lnRef>
+          <a:fillRef idx="0">
+            <a:schemeClr val="accent1"/>
+          </a:fillRef>
+          <a:effectRef idx="0">
+            <a:schemeClr val="accent1"/>
+          </a:effectRef>
+          <a:fontRef idx="minor">
+            <a:schemeClr val="tx1"/>
+          </a:fontRef>
+        </p:style>
+      </p:cxnSp>
+      <p:pic>
+        <p:nvPicPr>
+          <p:cNvPr id="94" name="Graphic 60"/>
+          <p:cNvPicPr>
+            <a:picLocks noChangeAspect="1" noChangeArrowheads="1"/>
+          </p:cNvPicPr>
+          <p:nvPr/>
+        </p:nvPicPr>
+        <p:blipFill rotWithShape="1">
+          <a:blip r:embed="rId23"/>
+          <a:srcRect/>
+          <a:stretch>
+            <a:fillRect/>
+          </a:stretch>
+        </p:blipFill>
+        <p:spPr>
+          <a:xfrm>
+            <a:off x="5149424" y="2339059"/>
+            <a:ext cx="457200" cy="457200"/>
+          </a:xfrm>
+          <a:prstGeom prst="rect">
+            <a:avLst/>
+          </a:prstGeom>
+          <a:noFill/>
+          <a:ln>
+            <a:noFill/>
+          </a:ln>
+        </p:spPr>
+      </p:pic>
+      <p:sp>
+        <p:nvSpPr>
+          <p:cNvPr id="95" name="Rectangle 7"/>
+          <p:cNvSpPr/>
+          <p:nvPr/>
+        </p:nvSpPr>
+        <p:spPr>
+          <a:xfrm>
+            <a:off x="9325520" y="1864016"/>
+            <a:ext cx="2114005" cy="1298844"/>
+          </a:xfrm>
+          <a:prstGeom prst="rect">
+            <a:avLst/>
+          </a:prstGeom>
+          <a:solidFill>
+            <a:srgbClr val="007cbc">
+              <a:alpha val="9800"/>
+            </a:srgbClr>
+          </a:solidFill>
+          <a:ln w="12700">
+            <a:noFill/>
+            <a:prstDash val="dash"/>
+          </a:ln>
+        </p:spPr>
+        <p:style>
+          <a:lnRef idx="2">
+            <a:schemeClr val="accent1">
+              <a:shade val="50000"/>
+            </a:schemeClr>
+          </a:lnRef>
+          <a:fillRef idx="1">
+            <a:schemeClr val="accent1"/>
+          </a:fillRef>
+          <a:effectRef idx="0">
+            <a:schemeClr val="accent1"/>
+          </a:effectRef>
+          <a:fontRef idx="minor">
+            <a:schemeClr val="lt1"/>
+          </a:fontRef>
+        </p:style>
+        <p:txBody>
+          <a:bodyPr lIns="502920" tIns="45720" rIns="91440" bIns="45720" anchor="t"/>
+          <a:lstStyle/>
+          <a:p>
+            <a:pPr>
+              <a:defRPr/>
+            </a:pPr>
+            <a:r>
+              <a:rPr lang="en-US" sz="1200">
+                <a:solidFill>
+                  <a:srgbClr val="5b9cd5"/>
+                </a:solidFill>
+                <a:latin typeface="Arial"/>
+                <a:ea typeface="+mn-ea"/>
+                <a:cs typeface="Arial"/>
+              </a:rPr>
+              <a:t>Private </a:t>
+            </a:r>
+            <a:r>
+              <a:rPr lang="en-US" sz="1200">
+                <a:solidFill>
+                  <a:srgbClr val="5b9cd5"/>
+                </a:solidFill>
+                <a:latin typeface="Arial"/>
+                <a:cs typeface="Arial"/>
+              </a:rPr>
+              <a:t>subnet – RDS</a:t>
+            </a:r>
+            <a:endParaRPr lang="en-US" sz="1200">
+              <a:solidFill>
+                <a:srgbClr val="5b9cd5"/>
+              </a:solidFill>
+              <a:latin typeface="Arial"/>
+              <a:ea typeface="+mn-ea"/>
+              <a:cs typeface="Arial"/>
+            </a:endParaRPr>
+          </a:p>
+        </p:txBody>
+      </p:sp>
+      <p:pic>
+        <p:nvPicPr>
+          <p:cNvPr id="96" name="Graphic 21"/>
+          <p:cNvPicPr>
+            <a:picLocks noChangeAspect="1"/>
+          </p:cNvPicPr>
+          <p:nvPr/>
+        </p:nvPicPr>
+        <p:blipFill rotWithShape="1">
+          <a:blip r:embed="rId24"/>
+          <a:stretch>
+            <a:fillRect/>
+          </a:stretch>
+        </p:blipFill>
+        <p:spPr>
+          <a:xfrm>
+            <a:off x="9323528" y="1854931"/>
+            <a:ext cx="354969" cy="354969"/>
+          </a:xfrm>
+          <a:prstGeom prst="rect">
+            <a:avLst/>
+          </a:prstGeom>
+        </p:spPr>
+      </p:pic>
+      <p:cxnSp>
+        <p:nvCxnSpPr>
+          <p:cNvPr id="105" name="Straight Arrow Connector 7"/>
+          <p:cNvCxnSpPr/>
+          <p:nvPr/>
+        </p:nvCxnSpPr>
+        <p:spPr>
+          <a:xfrm flipV="1">
+            <a:off x="9183784" y="2175065"/>
+            <a:ext cx="7280" cy="328447"/>
+          </a:xfrm>
+          <a:prstGeom prst="straightConnector1">
+            <a:avLst/>
+          </a:prstGeom>
+          <a:ln w="12700">
+            <a:solidFill>
+              <a:srgbClr val="545b64"/>
+            </a:solidFill>
+            <a:headEnd w="med" len="sm"/>
+            <a:tailEnd w="med" len="sm"/>
+          </a:ln>
+        </p:spPr>
+        <p:style>
+          <a:lnRef idx="1">
+            <a:schemeClr val="accent1"/>
+          </a:lnRef>
+          <a:fillRef idx="0">
+            <a:schemeClr val="accent1"/>
+          </a:fillRef>
+          <a:effectRef idx="0">
+            <a:schemeClr val="accent1"/>
+          </a:effectRef>
+          <a:fontRef idx="minor">
+            <a:schemeClr val="tx1"/>
+          </a:fontRef>
+        </p:style>
+      </p:cxnSp>
+      <p:sp>
+        <p:nvSpPr>
+          <p:cNvPr id="48" name="Rectangle 7"/>
+          <p:cNvSpPr/>
+          <p:nvPr/>
+        </p:nvSpPr>
+        <p:spPr>
+          <a:xfrm>
+            <a:off x="6771139" y="1858496"/>
+            <a:ext cx="2241752" cy="1285875"/>
+          </a:xfrm>
+          <a:prstGeom prst="rect">
+            <a:avLst/>
+          </a:prstGeom>
+          <a:solidFill>
+            <a:srgbClr val="007cbc">
+              <a:alpha val="9800"/>
+            </a:srgbClr>
+          </a:solidFill>
+          <a:ln w="12700">
+            <a:noFill/>
+            <a:prstDash val="dash"/>
+          </a:ln>
+        </p:spPr>
+        <p:style>
+          <a:lnRef idx="2">
+            <a:schemeClr val="accent1">
+              <a:shade val="50000"/>
+            </a:schemeClr>
+          </a:lnRef>
+          <a:fillRef idx="1">
+            <a:schemeClr val="accent1"/>
+          </a:fillRef>
+          <a:effectRef idx="0">
+            <a:schemeClr val="accent1"/>
+          </a:effectRef>
+          <a:fontRef idx="minor">
+            <a:schemeClr val="lt1"/>
+          </a:fontRef>
+        </p:style>
+        <p:txBody>
+          <a:bodyPr lIns="502920" tIns="45720" rIns="91440" bIns="45720" anchor="t"/>
+          <a:lstStyle/>
+          <a:p>
+            <a:pPr>
+              <a:defRPr/>
+            </a:pPr>
+            <a:r>
+              <a:rPr lang="en-US" sz="1200">
+                <a:solidFill>
+                  <a:srgbClr val="5b9cd5"/>
+                </a:solidFill>
+                <a:latin typeface="Arial"/>
+                <a:ea typeface="+mn-ea"/>
+                <a:cs typeface="Arial"/>
+              </a:rPr>
+              <a:t>Private </a:t>
+            </a:r>
+            <a:r>
+              <a:rPr lang="en-US" sz="1200">
+                <a:solidFill>
+                  <a:srgbClr val="5b9cd5"/>
+                </a:solidFill>
+                <a:latin typeface="Arial"/>
+                <a:cs typeface="Arial"/>
+              </a:rPr>
+              <a:t>subnet – WAS</a:t>
+            </a:r>
+            <a:r>
+              <a:rPr lang="en-US" altLang="ko-KR" sz="1200">
+                <a:solidFill>
+                  <a:srgbClr val="5b9cd5"/>
+                </a:solidFill>
+                <a:latin typeface="Arial"/>
+                <a:cs typeface="Arial"/>
+              </a:rPr>
+              <a:t>2</a:t>
+            </a:r>
+            <a:endParaRPr lang="en-US" altLang="ko-KR" sz="1200">
+              <a:solidFill>
+                <a:srgbClr val="5b9cd5"/>
+              </a:solidFill>
+              <a:latin typeface="Arial"/>
+              <a:cs typeface="Arial"/>
+            </a:endParaRPr>
+          </a:p>
+        </p:txBody>
+      </p:sp>
+      <p:pic>
+        <p:nvPicPr>
           <p:cNvPr id="54" name="Graphic 21"/>
           <p:cNvPicPr>
             <a:picLocks noChangeAspect="1"/>
@@ -7139,7 +10692,7 @@
           <p:nvPr/>
         </p:nvPicPr>
         <p:blipFill rotWithShape="1">
-          <a:blip r:embed="rId26"/>
+          <a:blip r:embed="rId25"/>
           <a:stretch>
             <a:fillRect/>
           </a:stretch>
@@ -7247,6 +10800,255 @@
           <p:nvPr/>
         </p:nvPicPr>
         <p:blipFill rotWithShape="1">
+          <a:blip r:embed="rId26"/>
+          <a:srcRect/>
+          <a:stretch>
+            <a:fillRect/>
+          </a:stretch>
+        </p:blipFill>
+        <p:spPr>
+          <a:xfrm>
+            <a:off x="8937256" y="1759439"/>
+            <a:ext cx="457200" cy="457200"/>
+          </a:xfrm>
+          <a:prstGeom prst="rect">
+            <a:avLst/>
+          </a:prstGeom>
+          <a:noFill/>
+          <a:ln>
+            <a:noFill/>
+          </a:ln>
+        </p:spPr>
+      </p:pic>
+      <p:sp>
+        <p:nvSpPr>
+          <p:cNvPr id="106" name=""/>
+          <p:cNvSpPr txBox="1"/>
+          <p:nvPr/>
+        </p:nvSpPr>
+        <p:spPr>
+          <a:xfrm>
+            <a:off x="4382434" y="2429809"/>
+            <a:ext cx="691029" cy="359111"/>
+          </a:xfrm>
+          <a:prstGeom prst="rect">
+            <a:avLst/>
+          </a:prstGeom>
+        </p:spPr>
+        <p:txBody>
+          <a:bodyPr wrap="square">
+            <a:spAutoFit/>
+          </a:bodyPr>
+          <a:p>
+            <a:pPr>
+              <a:defRPr/>
+            </a:pPr>
+            <a:endParaRPr lang="ko-KR" altLang="en-US"/>
+          </a:p>
+        </p:txBody>
+      </p:sp>
+      <p:sp>
+        <p:nvSpPr>
+          <p:cNvPr id="107" name=""/>
+          <p:cNvSpPr txBox="1"/>
+          <p:nvPr/>
+        </p:nvSpPr>
+        <p:spPr>
+          <a:xfrm>
+            <a:off x="8145740" y="2532527"/>
+            <a:ext cx="1223308" cy="643742"/>
+          </a:xfrm>
+          <a:prstGeom prst="rect">
+            <a:avLst/>
+          </a:prstGeom>
+        </p:spPr>
+        <p:txBody>
+          <a:bodyPr wrap="square">
+            <a:spAutoFit/>
+          </a:bodyPr>
+          <a:p>
+            <a:pPr>
+              <a:defRPr/>
+            </a:pPr>
+            <a:r>
+              <a:rPr lang="ko-KR" altLang="en-US"/>
+              <a:t>유저</a:t>
+            </a:r>
+            <a:endParaRPr lang="ko-KR" altLang="en-US"/>
+          </a:p>
+          <a:p>
+            <a:pPr>
+              <a:defRPr/>
+            </a:pPr>
+            <a:r>
+              <a:rPr lang="en-US" altLang="ko-KR"/>
+              <a:t>private2</a:t>
+            </a:r>
+            <a:endParaRPr lang="en-US" altLang="ko-KR"/>
+          </a:p>
+        </p:txBody>
+      </p:sp>
+      <p:sp>
+        <p:nvSpPr>
+          <p:cNvPr id="108" name=""/>
+          <p:cNvSpPr txBox="1"/>
+          <p:nvPr/>
+        </p:nvSpPr>
+        <p:spPr>
+          <a:xfrm>
+            <a:off x="9642848" y="5084855"/>
+            <a:ext cx="952500" cy="636271"/>
+          </a:xfrm>
+          <a:prstGeom prst="rect">
+            <a:avLst/>
+          </a:prstGeom>
+        </p:spPr>
+        <p:txBody>
+          <a:bodyPr wrap="square">
+            <a:spAutoFit/>
+          </a:bodyPr>
+          <a:lstStyle/>
+          <a:p>
+            <a:pPr>
+              <a:defRPr/>
+            </a:pPr>
+            <a:r>
+              <a:rPr lang="ko-KR" altLang="en-US"/>
+              <a:t>젠킨스용 </a:t>
+            </a:r>
+            <a:r>
+              <a:rPr lang="en-US" altLang="ko-KR"/>
+              <a:t>EC2</a:t>
+            </a:r>
+            <a:endParaRPr lang="en-US" altLang="ko-KR"/>
+          </a:p>
+        </p:txBody>
+      </p:sp>
+      <p:sp>
+        <p:nvSpPr>
+          <p:cNvPr id="109" name=""/>
+          <p:cNvSpPr txBox="1"/>
+          <p:nvPr/>
+        </p:nvSpPr>
+        <p:spPr>
+          <a:xfrm>
+            <a:off x="3906183" y="5165911"/>
+            <a:ext cx="952500" cy="642434"/>
+          </a:xfrm>
+          <a:prstGeom prst="rect">
+            <a:avLst/>
+          </a:prstGeom>
+        </p:spPr>
+        <p:txBody>
+          <a:bodyPr wrap="square">
+            <a:spAutoFit/>
+          </a:bodyPr>
+          <a:lstStyle/>
+          <a:p>
+            <a:pPr>
+              <a:defRPr/>
+            </a:pPr>
+            <a:r>
+              <a:rPr lang="ko-KR" altLang="en-US"/>
+              <a:t>관리자</a:t>
+            </a:r>
+            <a:endParaRPr lang="ko-KR" altLang="en-US"/>
+          </a:p>
+          <a:p>
+            <a:pPr>
+              <a:defRPr/>
+            </a:pPr>
+            <a:r>
+              <a:rPr lang="en-US" altLang="ko-KR"/>
+              <a:t>public</a:t>
+            </a:r>
+            <a:endParaRPr lang="en-US" altLang="ko-KR"/>
+          </a:p>
+        </p:txBody>
+      </p:sp>
+      <p:sp>
+        <p:nvSpPr>
+          <p:cNvPr id="110" name=""/>
+          <p:cNvSpPr txBox="1"/>
+          <p:nvPr/>
+        </p:nvSpPr>
+        <p:spPr>
+          <a:xfrm>
+            <a:off x="3853141" y="2507501"/>
+            <a:ext cx="952500" cy="643369"/>
+          </a:xfrm>
+          <a:prstGeom prst="rect">
+            <a:avLst/>
+          </a:prstGeom>
+        </p:spPr>
+        <p:txBody>
+          <a:bodyPr wrap="square">
+            <a:spAutoFit/>
+          </a:bodyPr>
+          <a:lstStyle/>
+          <a:p>
+            <a:pPr>
+              <a:defRPr/>
+            </a:pPr>
+            <a:r>
+              <a:rPr lang="ko-KR" altLang="en-US"/>
+              <a:t>관리자</a:t>
+            </a:r>
+            <a:endParaRPr lang="ko-KR" altLang="en-US"/>
+          </a:p>
+          <a:p>
+            <a:pPr>
+              <a:defRPr/>
+            </a:pPr>
+            <a:r>
+              <a:rPr lang="en-US" altLang="ko-KR"/>
+              <a:t>private1</a:t>
+            </a:r>
+            <a:endParaRPr lang="en-US" altLang="ko-KR"/>
+          </a:p>
+        </p:txBody>
+      </p:sp>
+      <p:sp>
+        <p:nvSpPr>
+          <p:cNvPr id="111" name=""/>
+          <p:cNvSpPr txBox="1"/>
+          <p:nvPr/>
+        </p:nvSpPr>
+        <p:spPr>
+          <a:xfrm>
+            <a:off x="9888630" y="2893356"/>
+            <a:ext cx="1475440" cy="360794"/>
+          </a:xfrm>
+          <a:prstGeom prst="rect">
+            <a:avLst/>
+          </a:prstGeom>
+        </p:spPr>
+        <p:txBody>
+          <a:bodyPr wrap="square">
+            <a:spAutoFit/>
+          </a:bodyPr>
+          <a:lstStyle/>
+          <a:p>
+            <a:pPr>
+              <a:defRPr/>
+            </a:pPr>
+            <a:r>
+              <a:rPr lang="en-US" altLang="ko-KR"/>
+              <a:t>databace</a:t>
+            </a:r>
+            <a:endParaRPr lang="en-US" altLang="ko-KR"/>
+          </a:p>
+        </p:txBody>
+      </p:sp>
+      <p:pic>
+        <p:nvPicPr>
+          <p:cNvPr id="113" name="Graphic 63"/>
+          <p:cNvPicPr>
+            <a:picLocks noChangeAspect="1" noChangeArrowheads="1"/>
+          </p:cNvPicPr>
+          <p:nvPr/>
+        </p:nvPicPr>
+        <p:blipFill rotWithShape="1">
           <a:blip r:embed="rId27"/>
           <a:srcRect/>
           <a:stretch>
@@ -7255,36 +11057,7 @@
         </p:blipFill>
         <p:spPr>
           <a:xfrm>
-            <a:off x="8937256" y="1759439"/>
-            <a:ext cx="457200" cy="457200"/>
-          </a:xfrm>
-          <a:prstGeom prst="rect">
-            <a:avLst/>
-          </a:prstGeom>
-          <a:noFill/>
-          <a:ln>
-            <a:noFill/>
-          </a:ln>
-        </p:spPr>
-      </p:pic>
-      <p:pic>
-        <p:nvPicPr>
-          <p:cNvPr id="55" name="Graphic 60"/>
-          <p:cNvPicPr>
-            <a:picLocks noChangeAspect="1" noChangeArrowheads="1"/>
-          </p:cNvPicPr>
-          <p:nvPr/>
-        </p:nvPicPr>
-        <p:blipFill rotWithShape="1">
-          <a:blip r:embed="rId28"/>
-          <a:srcRect/>
-          <a:stretch>
-            <a:fillRect/>
-          </a:stretch>
-        </p:blipFill>
-        <p:spPr>
-          <a:xfrm>
-            <a:off x="9075965" y="5324305"/>
+            <a:off x="5638800" y="5277308"/>
             <a:ext cx="457200" cy="457200"/>
           </a:xfrm>
           <a:prstGeom prst="rect">
@@ -7312,7 +11085,168 @@
 </p:sld>
 </file>
 
-<file path=ppt/slides/slide6.xml><?xml version="1.0" encoding="utf-8"?>
+<file path=ppt/slides/slide7.xml><?xml version="1.0" encoding="utf-8"?>
+<p:sld xmlns:r="http://schemas.openxmlformats.org/officeDocument/2006/relationships" xmlns:c="http://schemas.openxmlformats.org/drawingml/2006/chart" xmlns:a="http://schemas.openxmlformats.org/drawingml/2006/main" xmlns:dgm="http://schemas.openxmlformats.org/drawingml/2006/diagram" xmlns:dsp="http://schemas.microsoft.com/office/drawing/2008/diagram" xmlns:p="http://schemas.openxmlformats.org/presentationml/2006/main">
+  <p:cSld>
+    <p:spTree>
+      <p:nvGrpSpPr>
+        <p:cNvPr id="1" name=""/>
+        <p:cNvGrpSpPr/>
+        <p:nvPr/>
+      </p:nvGrpSpPr>
+      <p:grpSpPr>
+        <a:xfrm>
+          <a:off x="0" y="0"/>
+          <a:ext cx="0" cy="0"/>
+          <a:chOff x="0" y="0"/>
+          <a:chExt cx="0" cy="0"/>
+        </a:xfrm>
+      </p:grpSpPr>
+      <p:sp>
+        <p:nvSpPr>
+          <p:cNvPr id="4" name="TextBox 3"/>
+          <p:cNvSpPr txBox="1"/>
+          <p:nvPr/>
+        </p:nvSpPr>
+        <p:spPr>
+          <a:xfrm>
+            <a:off x="9977718" y="403412"/>
+            <a:ext cx="1694329" cy="369332"/>
+          </a:xfrm>
+          <a:prstGeom prst="rect">
+            <a:avLst/>
+          </a:prstGeom>
+          <a:noFill/>
+        </p:spPr>
+        <p:txBody>
+          <a:bodyPr rot="0" vert="horz" wrap="square" lIns="91440" tIns="45720" rIns="91440" bIns="45720" anchor="t" anchorCtr="0">
+            <a:prstTxWarp prst="textNoShape">
+              <a:avLst/>
+            </a:prstTxWarp>
+            <a:spAutoFit/>
+          </a:bodyPr>
+          <a:lstStyle/>
+          <a:p>
+            <a:pPr lvl="0">
+              <a:defRPr/>
+            </a:pPr>
+            <a:r>
+              <a:rPr lang="ko-KR" altLang="en-US">
+                <a:ea typeface="맑은 고딕"/>
+              </a:rPr>
+              <a:t>AWS 추가사항</a:t>
+            </a:r>
+            <a:endParaRPr lang="ko-KR" altLang="en-US"/>
+          </a:p>
+        </p:txBody>
+      </p:sp>
+      <p:pic>
+        <p:nvPicPr>
+          <p:cNvPr id="5" name="그림 5"/>
+          <p:cNvPicPr>
+            <a:picLocks noChangeAspect="1"/>
+          </p:cNvPicPr>
+          <p:nvPr/>
+        </p:nvPicPr>
+        <p:blipFill rotWithShape="1">
+          <a:blip r:embed="rId2"/>
+          <a:stretch>
+            <a:fillRect/>
+          </a:stretch>
+        </p:blipFill>
+        <p:spPr>
+          <a:xfrm>
+            <a:off x="1013579" y="984166"/>
+            <a:ext cx="1631577" cy="1314226"/>
+          </a:xfrm>
+          <a:prstGeom prst="rect">
+            <a:avLst/>
+          </a:prstGeom>
+        </p:spPr>
+      </p:pic>
+      <p:pic>
+        <p:nvPicPr>
+          <p:cNvPr id="2" name="그림 2"/>
+          <p:cNvPicPr>
+            <a:picLocks noChangeAspect="1"/>
+          </p:cNvPicPr>
+          <p:nvPr/>
+        </p:nvPicPr>
+        <p:blipFill rotWithShape="1">
+          <a:blip r:embed="rId3"/>
+          <a:stretch>
+            <a:fillRect/>
+          </a:stretch>
+        </p:blipFill>
+        <p:spPr>
+          <a:xfrm>
+            <a:off x="2168836" y="2633008"/>
+            <a:ext cx="6883167" cy="3560196"/>
+          </a:xfrm>
+          <a:prstGeom prst="rect">
+            <a:avLst/>
+          </a:prstGeom>
+        </p:spPr>
+      </p:pic>
+      <p:sp>
+        <p:nvSpPr>
+          <p:cNvPr id="3" name="TextBox 2"/>
+          <p:cNvSpPr txBox="1"/>
+          <p:nvPr/>
+        </p:nvSpPr>
+        <p:spPr>
+          <a:xfrm>
+            <a:off x="1271286" y="2332298"/>
+            <a:ext cx="2743199" cy="369332"/>
+          </a:xfrm>
+          <a:prstGeom prst="rect">
+            <a:avLst/>
+          </a:prstGeom>
+          <a:noFill/>
+        </p:spPr>
+        <p:txBody>
+          <a:bodyPr rot="0" vert="horz" wrap="square" lIns="91440" tIns="45720" rIns="91440" bIns="45720" anchor="t" anchorCtr="0">
+            <a:prstTxWarp prst="textNoShape">
+              <a:avLst/>
+            </a:prstTxWarp>
+            <a:spAutoFit/>
+          </a:bodyPr>
+          <a:lstStyle/>
+          <a:p>
+            <a:pPr lvl="0">
+              <a:defRPr/>
+            </a:pPr>
+            <a:r>
+              <a:rPr lang="ko-KR" altLang="en-US">
+                <a:ea typeface="맑은 고딕"/>
+                <a:cs typeface="Calibri"/>
+              </a:rPr>
+              <a:t>Ver 2.335</a:t>
+            </a:r>
+            <a:endParaRPr lang="ko-KR" altLang="en-US">
+              <a:ea typeface="맑은 고딕"/>
+              <a:cs typeface="Calibri"/>
+            </a:endParaRPr>
+          </a:p>
+        </p:txBody>
+      </p:sp>
+    </p:spTree>
+  </p:cSld>
+  <p:clrMapOvr>
+    <a:masterClrMapping/>
+  </p:clrMapOvr>
+  <mc:AlternateContent xmlns:mc="http://schemas.openxmlformats.org/markup-compatibility/2006">
+    <mc:Choice xmlns:p14="http://schemas.microsoft.com/office/powerpoint/2010/main" Requires="p14">
+      <p:transition xmlns:mc="http://schemas.openxmlformats.org/markup-compatibility/2006" xmlns:p14="http://schemas.microsoft.com/office/powerpoint/2010/main" mc:Ignorable="p14" p14:dur="500"/>
+    </mc:Choice>
+    <mc:Fallback>
+      <p:transition/>
+    </mc:Fallback>
+  </mc:AlternateContent>
+</p:sld>
+</file>
+
+<file path=ppt/slides/slide8.xml><?xml version="1.0" encoding="utf-8"?>
 <p:sld xmlns:a="http://schemas.openxmlformats.org/drawingml/2006/main" xmlns:r="http://schemas.openxmlformats.org/officeDocument/2006/relationships" xmlns:p="http://schemas.openxmlformats.org/presentationml/2006/main">
   <p:cSld>
     <p:spTree>
@@ -9582,7 +13516,7 @@
 </p:sld>
 </file>
 
-<file path=ppt/slides/slide7.xml><?xml version="1.0" encoding="utf-8"?>
+<file path=ppt/slides/slide9.xml><?xml version="1.0" encoding="utf-8"?>
 <p:sld xmlns:a="http://schemas.openxmlformats.org/drawingml/2006/main" xmlns:r="http://schemas.openxmlformats.org/officeDocument/2006/relationships" xmlns:p="http://schemas.openxmlformats.org/presentationml/2006/main">
   <p:cSld>
     <p:spTree>
@@ -11550,1954 +15484,6 @@
     <a:masterClrMapping/>
   </p:clrMapOvr>
   <p:transition/>
-</p:sld>
-</file>
-
-<file path=ppt/slides/slide8.xml><?xml version="1.0" encoding="utf-8"?>
-<p:sld xmlns:a="http://schemas.openxmlformats.org/drawingml/2006/main" xmlns:r="http://schemas.openxmlformats.org/officeDocument/2006/relationships" xmlns:p="http://schemas.openxmlformats.org/presentationml/2006/main">
-  <p:cSld>
-    <p:spTree>
-      <p:nvGrpSpPr>
-        <p:cNvPr id="1" name=""/>
-        <p:cNvGrpSpPr/>
-        <p:nvPr/>
-      </p:nvGrpSpPr>
-      <p:grpSpPr>
-        <a:xfrm>
-          <a:off x="0" y="0"/>
-          <a:ext cx="0" cy="0"/>
-          <a:chOff x="0" y="0"/>
-          <a:chExt cx="0" cy="0"/>
-        </a:xfrm>
-      </p:grpSpPr>
-      <p:sp>
-        <p:nvSpPr>
-          <p:cNvPr id="4" name="Rectangle 9"/>
-          <p:cNvSpPr/>
-          <p:nvPr/>
-        </p:nvSpPr>
-        <p:spPr>
-          <a:xfrm>
-            <a:off x="2456294" y="104787"/>
-            <a:ext cx="9630327" cy="6648424"/>
-          </a:xfrm>
-          <a:prstGeom prst="rect">
-            <a:avLst/>
-          </a:prstGeom>
-          <a:noFill/>
-          <a:ln w="12700">
-            <a:solidFill>
-              <a:schemeClr val="tx1"/>
-            </a:solidFill>
-          </a:ln>
-        </p:spPr>
-        <p:style>
-          <a:lnRef idx="2">
-            <a:schemeClr val="accent1">
-              <a:shade val="50000"/>
-            </a:schemeClr>
-          </a:lnRef>
-          <a:fillRef idx="1">
-            <a:schemeClr val="accent1"/>
-          </a:fillRef>
-          <a:effectRef idx="0">
-            <a:schemeClr val="accent1"/>
-          </a:effectRef>
-          <a:fontRef idx="minor">
-            <a:schemeClr val="lt1"/>
-          </a:fontRef>
-        </p:style>
-        <p:txBody>
-          <a:bodyPr lIns="502920" tIns="91440"/>
-          <a:lstStyle/>
-          <a:p>
-            <a:pPr eaLnBrk="1" hangingPunct="1">
-              <a:spcBef>
-                <a:spcPts val="0"/>
-              </a:spcBef>
-              <a:spcAft>
-                <a:spcPts val="0"/>
-              </a:spcAft>
-              <a:defRPr/>
-            </a:pPr>
-            <a:r>
-              <a:rPr lang="en-US" sz="1200">
-                <a:solidFill>
-                  <a:sysClr val="windowText" lastClr="000000"/>
-                </a:solidFill>
-                <a:latin typeface="Arial"/>
-                <a:ea typeface="+mn-ea"/>
-                <a:cs typeface="Arial"/>
-              </a:rPr>
-              <a:t>AWS Cloud</a:t>
-            </a:r>
-          </a:p>
-        </p:txBody>
-      </p:sp>
-      <p:pic>
-        <p:nvPicPr>
-          <p:cNvPr id="5" name="Graphic 35"/>
-          <p:cNvPicPr>
-            <a:picLocks noChangeAspect="1"/>
-          </p:cNvPicPr>
-          <p:nvPr/>
-        </p:nvPicPr>
-        <p:blipFill rotWithShape="1">
-          <a:blip r:embed="rId2" cstate="print"/>
-          <a:srcRect/>
-          <a:stretch>
-            <a:fillRect/>
-          </a:stretch>
-        </p:blipFill>
-        <p:spPr>
-          <a:xfrm>
-            <a:off x="2454969" y="104787"/>
-            <a:ext cx="381000" cy="381000"/>
-          </a:xfrm>
-          <a:prstGeom prst="rect">
-            <a:avLst/>
-          </a:prstGeom>
-        </p:spPr>
-      </p:pic>
-      <p:sp>
-        <p:nvSpPr>
-          <p:cNvPr id="6" name="Rectangle 8"/>
-          <p:cNvSpPr/>
-          <p:nvPr/>
-        </p:nvSpPr>
-        <p:spPr>
-          <a:xfrm>
-            <a:off x="2835969" y="485787"/>
-            <a:ext cx="9020705" cy="6124190"/>
-          </a:xfrm>
-          <a:prstGeom prst="rect">
-            <a:avLst/>
-          </a:prstGeom>
-          <a:noFill/>
-          <a:ln w="12700">
-            <a:solidFill>
-              <a:srgbClr val="5B9CD5"/>
-            </a:solidFill>
-            <a:prstDash val="sysDash"/>
-          </a:ln>
-        </p:spPr>
-        <p:style>
-          <a:lnRef idx="2">
-            <a:schemeClr val="accent1">
-              <a:shade val="50000"/>
-            </a:schemeClr>
-          </a:lnRef>
-          <a:fillRef idx="1">
-            <a:schemeClr val="accent1"/>
-          </a:fillRef>
-          <a:effectRef idx="0">
-            <a:schemeClr val="accent1"/>
-          </a:effectRef>
-          <a:fontRef idx="minor">
-            <a:schemeClr val="lt1"/>
-          </a:fontRef>
-        </p:style>
-        <p:txBody>
-          <a:bodyPr lIns="502920" tIns="91440"/>
-          <a:lstStyle/>
-          <a:p>
-            <a:pPr eaLnBrk="1" hangingPunct="1">
-              <a:spcBef>
-                <a:spcPts val="0"/>
-              </a:spcBef>
-              <a:spcAft>
-                <a:spcPts val="0"/>
-              </a:spcAft>
-              <a:defRPr/>
-            </a:pPr>
-            <a:r>
-              <a:rPr lang="en-US" sz="1200">
-                <a:solidFill>
-                  <a:srgbClr val="5B9CD5"/>
-                </a:solidFill>
-                <a:latin typeface="Arial"/>
-                <a:ea typeface="+mn-ea"/>
-                <a:cs typeface="Arial"/>
-              </a:rPr>
-              <a:t>Region</a:t>
-            </a:r>
-          </a:p>
-        </p:txBody>
-      </p:sp>
-      <p:pic>
-        <p:nvPicPr>
-          <p:cNvPr id="7" name="Graphic 25"/>
-          <p:cNvPicPr>
-            <a:picLocks noChangeAspect="1"/>
-          </p:cNvPicPr>
-          <p:nvPr/>
-        </p:nvPicPr>
-        <p:blipFill rotWithShape="1">
-          <a:blip r:embed="rId3"/>
-          <a:stretch>
-            <a:fillRect/>
-          </a:stretch>
-        </p:blipFill>
-        <p:spPr>
-          <a:xfrm>
-            <a:off x="2835492" y="488819"/>
-            <a:ext cx="450633" cy="435106"/>
-          </a:xfrm>
-          <a:prstGeom prst="rect">
-            <a:avLst/>
-          </a:prstGeom>
-        </p:spPr>
-      </p:pic>
-      <p:sp>
-        <p:nvSpPr>
-          <p:cNvPr id="8" name="Rectangle 6"/>
-          <p:cNvSpPr/>
-          <p:nvPr/>
-        </p:nvSpPr>
-        <p:spPr>
-          <a:xfrm>
-            <a:off x="3283334" y="963033"/>
-            <a:ext cx="8333365" cy="5432691"/>
-          </a:xfrm>
-          <a:prstGeom prst="rect">
-            <a:avLst/>
-          </a:prstGeom>
-          <a:noFill/>
-          <a:ln w="12700">
-            <a:solidFill>
-              <a:srgbClr val="1E8900"/>
-            </a:solidFill>
-          </a:ln>
-        </p:spPr>
-        <p:style>
-          <a:lnRef idx="2">
-            <a:schemeClr val="accent1">
-              <a:shade val="50000"/>
-            </a:schemeClr>
-          </a:lnRef>
-          <a:fillRef idx="1">
-            <a:schemeClr val="accent1"/>
-          </a:fillRef>
-          <a:effectRef idx="0">
-            <a:schemeClr val="accent1"/>
-          </a:effectRef>
-          <a:fontRef idx="minor">
-            <a:schemeClr val="lt1"/>
-          </a:fontRef>
-        </p:style>
-        <p:txBody>
-          <a:bodyPr lIns="502920" tIns="91440"/>
-          <a:lstStyle/>
-          <a:p>
-            <a:pPr eaLnBrk="1" hangingPunct="1">
-              <a:spcBef>
-                <a:spcPts val="0"/>
-              </a:spcBef>
-              <a:spcAft>
-                <a:spcPts val="0"/>
-              </a:spcAft>
-              <a:defRPr/>
-            </a:pPr>
-            <a:r>
-              <a:rPr lang="en-US" sz="1200">
-                <a:ln w="0"/>
-                <a:solidFill>
-                  <a:srgbClr val="1E8900"/>
-                </a:solidFill>
-                <a:latin typeface="Arial"/>
-                <a:ea typeface="+mn-ea"/>
-                <a:cs typeface="Arial"/>
-              </a:rPr>
-              <a:t>VPC</a:t>
-            </a:r>
-            <a:endParaRPr lang="en-US" sz="1200">
-              <a:solidFill>
-                <a:srgbClr val="1E8900"/>
-              </a:solidFill>
-              <a:latin typeface="Arial"/>
-              <a:ea typeface="+mn-ea"/>
-              <a:cs typeface="Arial"/>
-            </a:endParaRPr>
-          </a:p>
-        </p:txBody>
-      </p:sp>
-      <p:pic>
-        <p:nvPicPr>
-          <p:cNvPr id="9" name="Graphic 16"/>
-          <p:cNvPicPr>
-            <a:picLocks noChangeAspect="1"/>
-          </p:cNvPicPr>
-          <p:nvPr/>
-        </p:nvPicPr>
-        <p:blipFill rotWithShape="1">
-          <a:blip r:embed="rId4"/>
-          <a:stretch>
-            <a:fillRect/>
-          </a:stretch>
-        </p:blipFill>
-        <p:spPr>
-          <a:xfrm>
-            <a:off x="3283334" y="962238"/>
-            <a:ext cx="461830" cy="472464"/>
-          </a:xfrm>
-          <a:prstGeom prst="rect">
-            <a:avLst/>
-          </a:prstGeom>
-        </p:spPr>
-      </p:pic>
-      <p:sp>
-        <p:nvSpPr>
-          <p:cNvPr id="11" name="Rectangle 38"/>
-          <p:cNvSpPr/>
-          <p:nvPr/>
-        </p:nvSpPr>
-        <p:spPr>
-          <a:xfrm>
-            <a:off x="4008780" y="1503653"/>
-            <a:ext cx="7127884" cy="4640067"/>
-          </a:xfrm>
-          <a:prstGeom prst="rect">
-            <a:avLst/>
-          </a:prstGeom>
-          <a:noFill/>
-          <a:ln w="12700">
-            <a:solidFill>
-              <a:srgbClr val="D86613"/>
-            </a:solidFill>
-          </a:ln>
-        </p:spPr>
-        <p:style>
-          <a:lnRef idx="2">
-            <a:schemeClr val="accent1">
-              <a:shade val="50000"/>
-            </a:schemeClr>
-          </a:lnRef>
-          <a:fillRef idx="1">
-            <a:schemeClr val="accent1"/>
-          </a:fillRef>
-          <a:effectRef idx="0">
-            <a:schemeClr val="accent1"/>
-          </a:effectRef>
-          <a:fontRef idx="minor">
-            <a:schemeClr val="lt1"/>
-          </a:fontRef>
-        </p:style>
-        <p:txBody>
-          <a:bodyPr lIns="502920" tIns="91440"/>
-          <a:lstStyle/>
-          <a:p>
-            <a:pPr eaLnBrk="1" hangingPunct="1">
-              <a:spcBef>
-                <a:spcPts val="0"/>
-              </a:spcBef>
-              <a:spcAft>
-                <a:spcPts val="0"/>
-              </a:spcAft>
-              <a:defRPr/>
-            </a:pPr>
-            <a:r>
-              <a:rPr lang="en-US" sz="1200">
-                <a:solidFill>
-                  <a:srgbClr val="D86613"/>
-                </a:solidFill>
-                <a:latin typeface="Arial"/>
-                <a:ea typeface="+mn-ea"/>
-                <a:cs typeface="Arial"/>
-              </a:rPr>
-              <a:t>Elastic Beanstalk container</a:t>
-            </a:r>
-          </a:p>
-        </p:txBody>
-      </p:sp>
-      <p:pic>
-        <p:nvPicPr>
-          <p:cNvPr id="12" name="Graphic 42"/>
-          <p:cNvPicPr>
-            <a:picLocks noChangeAspect="1"/>
-          </p:cNvPicPr>
-          <p:nvPr/>
-        </p:nvPicPr>
-        <p:blipFill rotWithShape="1">
-          <a:blip r:embed="rId5" cstate="print"/>
-          <a:stretch>
-            <a:fillRect/>
-          </a:stretch>
-        </p:blipFill>
-        <p:spPr>
-          <a:xfrm>
-            <a:off x="4008780" y="1503653"/>
-            <a:ext cx="381000" cy="381000"/>
-          </a:xfrm>
-          <a:prstGeom prst="rect">
-            <a:avLst/>
-          </a:prstGeom>
-        </p:spPr>
-      </p:pic>
-      <p:pic>
-        <p:nvPicPr>
-          <p:cNvPr id="13" name="Graphic 5"/>
-          <p:cNvPicPr>
-            <a:picLocks noChangeAspect="1" noChangeArrowheads="1"/>
-          </p:cNvPicPr>
-          <p:nvPr/>
-        </p:nvPicPr>
-        <p:blipFill rotWithShape="1">
-          <a:blip r:embed="rId6" cstate="print"/>
-          <a:srcRect/>
-          <a:stretch>
-            <a:fillRect/>
-          </a:stretch>
-        </p:blipFill>
-        <p:spPr>
-          <a:xfrm>
-            <a:off x="10802406" y="556487"/>
-            <a:ext cx="370116" cy="352188"/>
-          </a:xfrm>
-          <a:prstGeom prst="rect">
-            <a:avLst/>
-          </a:prstGeom>
-          <a:noFill/>
-          <a:ln>
-            <a:noFill/>
-          </a:ln>
-        </p:spPr>
-      </p:pic>
-      <p:pic>
-        <p:nvPicPr>
-          <p:cNvPr id="14" name="Graphic 8"/>
-          <p:cNvPicPr>
-            <a:picLocks noChangeAspect="1" noChangeArrowheads="1"/>
-          </p:cNvPicPr>
-          <p:nvPr/>
-        </p:nvPicPr>
-        <p:blipFill rotWithShape="1">
-          <a:blip r:embed="rId7" cstate="print"/>
-          <a:srcRect/>
-          <a:stretch>
-            <a:fillRect/>
-          </a:stretch>
-        </p:blipFill>
-        <p:spPr>
-          <a:xfrm>
-            <a:off x="9476944" y="548624"/>
-            <a:ext cx="347564" cy="347564"/>
-          </a:xfrm>
-          <a:prstGeom prst="rect">
-            <a:avLst/>
-          </a:prstGeom>
-          <a:noFill/>
-          <a:ln>
-            <a:noFill/>
-          </a:ln>
-        </p:spPr>
-      </p:pic>
-      <p:sp>
-        <p:nvSpPr>
-          <p:cNvPr id="15" name="Rectangle 32"/>
-          <p:cNvSpPr/>
-          <p:nvPr/>
-        </p:nvSpPr>
-        <p:spPr>
-          <a:xfrm>
-            <a:off x="4824051" y="4841275"/>
-            <a:ext cx="2195293" cy="1213632"/>
-          </a:xfrm>
-          <a:prstGeom prst="rect">
-            <a:avLst/>
-          </a:prstGeom>
-          <a:solidFill>
-            <a:srgbClr val="1D8900">
-              <a:alpha val="9800"/>
-            </a:srgbClr>
-          </a:solidFill>
-          <a:ln w="12700">
-            <a:noFill/>
-            <a:prstDash val="dash"/>
-          </a:ln>
-        </p:spPr>
-        <p:style>
-          <a:lnRef idx="2">
-            <a:schemeClr val="accent1">
-              <a:shade val="50000"/>
-            </a:schemeClr>
-          </a:lnRef>
-          <a:fillRef idx="1">
-            <a:schemeClr val="accent1"/>
-          </a:fillRef>
-          <a:effectRef idx="0">
-            <a:schemeClr val="accent1"/>
-          </a:effectRef>
-          <a:fontRef idx="minor">
-            <a:schemeClr val="lt1"/>
-          </a:fontRef>
-        </p:style>
-        <p:txBody>
-          <a:bodyPr lIns="502920" tIns="45720" rIns="91440" bIns="45720" anchor="t"/>
-          <a:lstStyle/>
-          <a:p>
-            <a:pPr>
-              <a:defRPr/>
-            </a:pPr>
-            <a:r>
-              <a:rPr lang="en-US" sz="1200">
-                <a:solidFill>
-                  <a:srgbClr val="1E8900"/>
-                </a:solidFill>
-                <a:latin typeface="Arial"/>
-                <a:ea typeface="+mn-ea"/>
-                <a:cs typeface="Arial"/>
-              </a:rPr>
-              <a:t>Public subnet</a:t>
-            </a:r>
-            <a:r>
-              <a:rPr lang="en-US" sz="1200">
-                <a:solidFill>
-                  <a:srgbClr val="1E8900"/>
-                </a:solidFill>
-                <a:latin typeface="Arial"/>
-                <a:cs typeface="Arial"/>
-              </a:rPr>
-              <a:t> - WEB2</a:t>
-            </a:r>
-            <a:endParaRPr lang="en-US" sz="1200">
-              <a:solidFill>
-                <a:srgbClr val="1E8900"/>
-              </a:solidFill>
-              <a:latin typeface="Arial"/>
-              <a:ea typeface="+mn-ea"/>
-              <a:cs typeface="Arial"/>
-            </a:endParaRPr>
-          </a:p>
-        </p:txBody>
-      </p:sp>
-      <p:pic>
-        <p:nvPicPr>
-          <p:cNvPr id="16" name="Graphic 19"/>
-          <p:cNvPicPr>
-            <a:picLocks noChangeAspect="1"/>
-          </p:cNvPicPr>
-          <p:nvPr/>
-        </p:nvPicPr>
-        <p:blipFill rotWithShape="1">
-          <a:blip r:embed="rId8" cstate="print"/>
-          <a:stretch>
-            <a:fillRect/>
-          </a:stretch>
-        </p:blipFill>
-        <p:spPr>
-          <a:xfrm>
-            <a:off x="4824104" y="4841955"/>
-            <a:ext cx="381000" cy="381000"/>
-          </a:xfrm>
-          <a:prstGeom prst="rect">
-            <a:avLst/>
-          </a:prstGeom>
-        </p:spPr>
-      </p:pic>
-      <p:sp>
-        <p:nvSpPr>
-          <p:cNvPr id="17" name="Rectangle 7"/>
-          <p:cNvSpPr/>
-          <p:nvPr/>
-        </p:nvSpPr>
-        <p:spPr>
-          <a:xfrm>
-            <a:off x="4724945" y="1876425"/>
-            <a:ext cx="3047455" cy="1285875"/>
-          </a:xfrm>
-          <a:prstGeom prst="rect">
-            <a:avLst/>
-          </a:prstGeom>
-          <a:solidFill>
-            <a:srgbClr val="007CBC">
-              <a:alpha val="9800"/>
-            </a:srgbClr>
-          </a:solidFill>
-          <a:ln w="12700">
-            <a:noFill/>
-            <a:prstDash val="dash"/>
-          </a:ln>
-        </p:spPr>
-        <p:style>
-          <a:lnRef idx="2">
-            <a:schemeClr val="accent1">
-              <a:shade val="50000"/>
-            </a:schemeClr>
-          </a:lnRef>
-          <a:fillRef idx="1">
-            <a:schemeClr val="accent1"/>
-          </a:fillRef>
-          <a:effectRef idx="0">
-            <a:schemeClr val="accent1"/>
-          </a:effectRef>
-          <a:fontRef idx="minor">
-            <a:schemeClr val="lt1"/>
-          </a:fontRef>
-        </p:style>
-        <p:txBody>
-          <a:bodyPr lIns="502920" tIns="45720" rIns="91440" bIns="45720" anchor="t"/>
-          <a:lstStyle/>
-          <a:p>
-            <a:pPr>
-              <a:defRPr/>
-            </a:pPr>
-            <a:r>
-              <a:rPr lang="en-US" sz="1200" dirty="0">
-                <a:solidFill>
-                  <a:srgbClr val="5B9CD5"/>
-                </a:solidFill>
-                <a:latin typeface="Arial"/>
-                <a:ea typeface="+mn-ea"/>
-                <a:cs typeface="Arial"/>
-              </a:rPr>
-              <a:t>Private </a:t>
-            </a:r>
-            <a:r>
-              <a:rPr lang="en-US" sz="1200" dirty="0">
-                <a:solidFill>
-                  <a:srgbClr val="5B9CD5"/>
-                </a:solidFill>
-                <a:latin typeface="Arial"/>
-                <a:cs typeface="Arial"/>
-              </a:rPr>
-              <a:t>subnet – WAS</a:t>
-            </a:r>
-            <a:endParaRPr lang="en-US" sz="1200" dirty="0">
-              <a:solidFill>
-                <a:srgbClr val="5B9CD5"/>
-              </a:solidFill>
-              <a:latin typeface="Arial"/>
-              <a:ea typeface="+mn-ea"/>
-              <a:cs typeface="Arial"/>
-            </a:endParaRPr>
-          </a:p>
-        </p:txBody>
-      </p:sp>
-      <p:pic>
-        <p:nvPicPr>
-          <p:cNvPr id="18" name="Graphic 21"/>
-          <p:cNvPicPr>
-            <a:picLocks noChangeAspect="1"/>
-          </p:cNvPicPr>
-          <p:nvPr/>
-        </p:nvPicPr>
-        <p:blipFill rotWithShape="1">
-          <a:blip r:embed="rId9" cstate="print"/>
-          <a:stretch>
-            <a:fillRect/>
-          </a:stretch>
-        </p:blipFill>
-        <p:spPr>
-          <a:xfrm>
-            <a:off x="4732478" y="1873421"/>
-            <a:ext cx="381000" cy="381000"/>
-          </a:xfrm>
-          <a:prstGeom prst="rect">
-            <a:avLst/>
-          </a:prstGeom>
-        </p:spPr>
-      </p:pic>
-      <p:pic>
-        <p:nvPicPr>
-          <p:cNvPr id="19" name="Graphic 19"/>
-          <p:cNvPicPr>
-            <a:picLocks noChangeAspect="1" noChangeArrowheads="1"/>
-          </p:cNvPicPr>
-          <p:nvPr/>
-        </p:nvPicPr>
-        <p:blipFill rotWithShape="1">
-          <a:blip r:embed="rId10" cstate="print"/>
-          <a:srcRect/>
-          <a:stretch>
-            <a:fillRect/>
-          </a:stretch>
-        </p:blipFill>
-        <p:spPr>
-          <a:xfrm>
-            <a:off x="9943570" y="545693"/>
-            <a:ext cx="350494" cy="350494"/>
-          </a:xfrm>
-          <a:prstGeom prst="rect">
-            <a:avLst/>
-          </a:prstGeom>
-          <a:noFill/>
-          <a:ln>
-            <a:noFill/>
-          </a:ln>
-        </p:spPr>
-      </p:pic>
-      <p:pic>
-        <p:nvPicPr>
-          <p:cNvPr id="21" name="Graphic 6"/>
-          <p:cNvPicPr>
-            <a:picLocks noChangeAspect="1" noChangeArrowheads="1"/>
-          </p:cNvPicPr>
-          <p:nvPr/>
-        </p:nvPicPr>
-        <p:blipFill rotWithShape="1">
-          <a:blip r:embed="rId11" cstate="print"/>
-          <a:srcRect/>
-          <a:stretch>
-            <a:fillRect/>
-          </a:stretch>
-        </p:blipFill>
-        <p:spPr>
-          <a:xfrm>
-            <a:off x="10384236" y="547523"/>
-            <a:ext cx="347280" cy="347280"/>
-          </a:xfrm>
-          <a:prstGeom prst="rect">
-            <a:avLst/>
-          </a:prstGeom>
-          <a:noFill/>
-          <a:ln>
-            <a:noFill/>
-          </a:ln>
-        </p:spPr>
-      </p:pic>
-      <p:pic>
-        <p:nvPicPr>
-          <p:cNvPr id="26" name="Graphic 24"/>
-          <p:cNvPicPr>
-            <a:picLocks noChangeAspect="1" noChangeArrowheads="1"/>
-          </p:cNvPicPr>
-          <p:nvPr/>
-        </p:nvPicPr>
-        <p:blipFill rotWithShape="1">
-          <a:blip r:embed="rId12" cstate="print"/>
-          <a:srcRect/>
-          <a:stretch>
-            <a:fillRect/>
-          </a:stretch>
-        </p:blipFill>
-        <p:spPr>
-          <a:xfrm>
-            <a:off x="6849931" y="4080586"/>
-            <a:ext cx="457200" cy="457200"/>
-          </a:xfrm>
-          <a:prstGeom prst="rect">
-            <a:avLst/>
-          </a:prstGeom>
-          <a:noFill/>
-          <a:ln>
-            <a:noFill/>
-          </a:ln>
-        </p:spPr>
-      </p:pic>
-      <p:pic>
-        <p:nvPicPr>
-          <p:cNvPr id="29" name="Graphic 60"/>
-          <p:cNvPicPr>
-            <a:picLocks noChangeAspect="1" noChangeArrowheads="1"/>
-          </p:cNvPicPr>
-          <p:nvPr/>
-        </p:nvPicPr>
-        <p:blipFill rotWithShape="1">
-          <a:blip r:embed="rId13" cstate="print"/>
-          <a:srcRect/>
-          <a:stretch>
-            <a:fillRect/>
-          </a:stretch>
-        </p:blipFill>
-        <p:spPr>
-          <a:xfrm>
-            <a:off x="7001196" y="2312165"/>
-            <a:ext cx="457200" cy="457200"/>
-          </a:xfrm>
-          <a:prstGeom prst="rect">
-            <a:avLst/>
-          </a:prstGeom>
-          <a:noFill/>
-          <a:ln>
-            <a:noFill/>
-          </a:ln>
-        </p:spPr>
-      </p:pic>
-      <p:pic>
-        <p:nvPicPr>
-          <p:cNvPr id="30" name="Graphic 60"/>
-          <p:cNvPicPr>
-            <a:picLocks noChangeAspect="1" noChangeArrowheads="1"/>
-          </p:cNvPicPr>
-          <p:nvPr/>
-        </p:nvPicPr>
-        <p:blipFill rotWithShape="1">
-          <a:blip r:embed="rId13" cstate="print"/>
-          <a:srcRect/>
-          <a:stretch>
-            <a:fillRect/>
-          </a:stretch>
-        </p:blipFill>
-        <p:spPr>
-          <a:xfrm>
-            <a:off x="8350946" y="5332047"/>
-            <a:ext cx="457200" cy="457200"/>
-          </a:xfrm>
-          <a:prstGeom prst="rect">
-            <a:avLst/>
-          </a:prstGeom>
-          <a:noFill/>
-          <a:ln>
-            <a:noFill/>
-          </a:ln>
-        </p:spPr>
-      </p:pic>
-      <p:pic>
-        <p:nvPicPr>
-          <p:cNvPr id="33" name="Graphic 6"/>
-          <p:cNvPicPr>
-            <a:picLocks noChangeAspect="1" noChangeArrowheads="1"/>
-          </p:cNvPicPr>
-          <p:nvPr/>
-        </p:nvPicPr>
-        <p:blipFill rotWithShape="1">
-          <a:blip r:embed="rId14" cstate="print"/>
-          <a:srcRect/>
-          <a:stretch>
-            <a:fillRect/>
-          </a:stretch>
-        </p:blipFill>
-        <p:spPr>
-          <a:xfrm>
-            <a:off x="11245822" y="556487"/>
-            <a:ext cx="370878" cy="352950"/>
-          </a:xfrm>
-          <a:prstGeom prst="rect">
-            <a:avLst/>
-          </a:prstGeom>
-          <a:noFill/>
-          <a:ln>
-            <a:noFill/>
-          </a:ln>
-        </p:spPr>
-      </p:pic>
-      <p:pic>
-        <p:nvPicPr>
-          <p:cNvPr id="34" name="Graphic 14"/>
-          <p:cNvPicPr>
-            <a:picLocks noChangeAspect="1" noChangeArrowheads="1"/>
-          </p:cNvPicPr>
-          <p:nvPr/>
-        </p:nvPicPr>
-        <p:blipFill rotWithShape="1">
-          <a:blip r:embed="rId15" cstate="print"/>
-          <a:srcRect/>
-          <a:stretch>
-            <a:fillRect/>
-          </a:stretch>
-        </p:blipFill>
-        <p:spPr>
-          <a:xfrm>
-            <a:off x="872142" y="3465221"/>
-            <a:ext cx="469900" cy="469900"/>
-          </a:xfrm>
-          <a:prstGeom prst="rect">
-            <a:avLst/>
-          </a:prstGeom>
-          <a:noFill/>
-          <a:ln>
-            <a:noFill/>
-          </a:ln>
-        </p:spPr>
-      </p:pic>
-      <p:pic>
-        <p:nvPicPr>
-          <p:cNvPr id="37" name="Graphic 23"/>
-          <p:cNvPicPr>
-            <a:picLocks noChangeAspect="1" noChangeArrowheads="1"/>
-          </p:cNvPicPr>
-          <p:nvPr/>
-        </p:nvPicPr>
-        <p:blipFill rotWithShape="1">
-          <a:blip r:embed="rId16" cstate="print"/>
-          <a:srcRect/>
-          <a:stretch>
-            <a:fillRect/>
-          </a:stretch>
-        </p:blipFill>
-        <p:spPr>
-          <a:xfrm flipH="1">
-            <a:off x="872143" y="1643772"/>
-            <a:ext cx="469900" cy="469900"/>
-          </a:xfrm>
-          <a:prstGeom prst="rect">
-            <a:avLst/>
-          </a:prstGeom>
-          <a:noFill/>
-          <a:ln>
-            <a:noFill/>
-          </a:ln>
-        </p:spPr>
-      </p:pic>
-      <p:pic>
-        <p:nvPicPr>
-          <p:cNvPr id="41" name="Graphic 10"/>
-          <p:cNvPicPr>
-            <a:picLocks noChangeAspect="1" noChangeArrowheads="1"/>
-          </p:cNvPicPr>
-          <p:nvPr/>
-        </p:nvPicPr>
-        <p:blipFill rotWithShape="1">
-          <a:blip r:embed="rId17" cstate="print"/>
-          <a:srcRect/>
-          <a:stretch>
-            <a:fillRect/>
-          </a:stretch>
-        </p:blipFill>
-        <p:spPr>
-          <a:xfrm>
-            <a:off x="3050448" y="3503375"/>
-            <a:ext cx="457200" cy="457200"/>
-          </a:xfrm>
-          <a:prstGeom prst="rect">
-            <a:avLst/>
-          </a:prstGeom>
-          <a:noFill/>
-          <a:ln>
-            <a:noFill/>
-          </a:ln>
-        </p:spPr>
-      </p:pic>
-      <p:pic>
-        <p:nvPicPr>
-          <p:cNvPr id="42" name="Graphic 31"/>
-          <p:cNvPicPr>
-            <a:picLocks noChangeAspect="1" noChangeArrowheads="1"/>
-          </p:cNvPicPr>
-          <p:nvPr/>
-        </p:nvPicPr>
-        <p:blipFill rotWithShape="1">
-          <a:blip r:embed="rId18" cstate="print"/>
-          <a:srcRect/>
-          <a:stretch>
-            <a:fillRect/>
-          </a:stretch>
-        </p:blipFill>
-        <p:spPr>
-          <a:xfrm>
-            <a:off x="6853048" y="3496680"/>
-            <a:ext cx="457200" cy="457200"/>
-          </a:xfrm>
-          <a:prstGeom prst="rect">
-            <a:avLst/>
-          </a:prstGeom>
-          <a:noFill/>
-          <a:ln>
-            <a:noFill/>
-          </a:ln>
-        </p:spPr>
-      </p:pic>
-      <p:cxnSp>
-        <p:nvCxnSpPr>
-          <p:cNvPr id="45" name="Straight Arrow Connector 8">
-            <a:extLst>
-              <a:ext uri="{FF2B5EF4-FFF2-40B4-BE49-F238E27FC236}">
-                <a16:creationId xmlns:a16="http://schemas.microsoft.com/office/drawing/2014/main" id="{5A386A8D-F06E-43F9-ACEE-379F0CDAD48C}"/>
-              </a:ext>
-            </a:extLst>
-          </p:cNvPr>
-          <p:cNvCxnSpPr>
-            <a:cxnSpLocks/>
-          </p:cNvCxnSpPr>
-          <p:nvPr/>
-        </p:nvCxnSpPr>
-        <p:spPr>
-          <a:xfrm>
-            <a:off x="1091718" y="2149203"/>
-            <a:ext cx="4109" cy="1268675"/>
-          </a:xfrm>
-          <a:prstGeom prst="straightConnector1">
-            <a:avLst/>
-          </a:prstGeom>
-          <a:ln w="12700">
-            <a:solidFill>
-              <a:srgbClr val="545B64"/>
-            </a:solidFill>
-            <a:headEnd type="none" w="med" len="sm"/>
-            <a:tailEnd type="arrow" w="med" len="sm"/>
-          </a:ln>
-        </p:spPr>
-        <p:style>
-          <a:lnRef idx="1">
-            <a:schemeClr val="accent1"/>
-          </a:lnRef>
-          <a:fillRef idx="0">
-            <a:schemeClr val="accent1"/>
-          </a:fillRef>
-          <a:effectRef idx="0">
-            <a:schemeClr val="accent1"/>
-          </a:effectRef>
-          <a:fontRef idx="minor">
-            <a:schemeClr val="tx1"/>
-          </a:fontRef>
-        </p:style>
-      </p:cxnSp>
-      <p:cxnSp>
-        <p:nvCxnSpPr>
-          <p:cNvPr id="46" name="Straight Arrow Connector 8">
-            <a:extLst>
-              <a:ext uri="{FF2B5EF4-FFF2-40B4-BE49-F238E27FC236}">
-                <a16:creationId xmlns:a16="http://schemas.microsoft.com/office/drawing/2014/main" id="{5A386A8D-F06E-43F9-ACEE-379F0CDAD48C}"/>
-              </a:ext>
-            </a:extLst>
-          </p:cNvPr>
-          <p:cNvCxnSpPr>
-            <a:cxnSpLocks/>
-          </p:cNvCxnSpPr>
-          <p:nvPr/>
-        </p:nvCxnSpPr>
-        <p:spPr>
-          <a:xfrm>
-            <a:off x="1425575" y="3728127"/>
-            <a:ext cx="1644650" cy="0"/>
-          </a:xfrm>
-          <a:prstGeom prst="straightConnector1">
-            <a:avLst/>
-          </a:prstGeom>
-          <a:ln w="12700">
-            <a:solidFill>
-              <a:srgbClr val="545B64"/>
-            </a:solidFill>
-            <a:headEnd type="none" w="med" len="sm"/>
-            <a:tailEnd type="arrow" w="med" len="sm"/>
-          </a:ln>
-        </p:spPr>
-        <p:style>
-          <a:lnRef idx="1">
-            <a:schemeClr val="accent1"/>
-          </a:lnRef>
-          <a:fillRef idx="0">
-            <a:schemeClr val="accent1"/>
-          </a:fillRef>
-          <a:effectRef idx="0">
-            <a:schemeClr val="accent1"/>
-          </a:effectRef>
-          <a:fontRef idx="minor">
-            <a:schemeClr val="tx1"/>
-          </a:fontRef>
-        </p:style>
-      </p:cxnSp>
-      <p:pic>
-        <p:nvPicPr>
-          <p:cNvPr id="74" name="그림 73">
-            <a:extLst>
-              <a:ext uri="{FF2B5EF4-FFF2-40B4-BE49-F238E27FC236}">
-                <a16:creationId xmlns:a16="http://schemas.microsoft.com/office/drawing/2014/main" id="{EB287661-A59D-4932-B1CC-9AB44152A95E}"/>
-              </a:ext>
-            </a:extLst>
-          </p:cNvPr>
-          <p:cNvPicPr>
-            <a:picLocks noChangeAspect="1"/>
-          </p:cNvPicPr>
-          <p:nvPr/>
-        </p:nvPicPr>
-        <p:blipFill rotWithShape="1">
-          <a:blip r:embed="rId19" cstate="print"/>
-          <a:stretch>
-            <a:fillRect/>
-          </a:stretch>
-        </p:blipFill>
-        <p:spPr>
-          <a:xfrm>
-            <a:off x="839166" y="4628814"/>
-            <a:ext cx="540000" cy="540000"/>
-          </a:xfrm>
-          <a:prstGeom prst="rect">
-            <a:avLst/>
-          </a:prstGeom>
-        </p:spPr>
-      </p:pic>
-      <p:cxnSp>
-        <p:nvCxnSpPr>
-          <p:cNvPr id="76" name="Straight Arrow Connector 8">
-            <a:extLst>
-              <a:ext uri="{FF2B5EF4-FFF2-40B4-BE49-F238E27FC236}">
-                <a16:creationId xmlns:a16="http://schemas.microsoft.com/office/drawing/2014/main" id="{8E968933-2926-44A2-8B42-D3CE381D726C}"/>
-              </a:ext>
-            </a:extLst>
-          </p:cNvPr>
-          <p:cNvCxnSpPr>
-            <a:cxnSpLocks/>
-            <a:stCxn id="74" idx="0"/>
-            <a:endCxn id="34" idx="2"/>
-          </p:cNvCxnSpPr>
-          <p:nvPr/>
-        </p:nvCxnSpPr>
-        <p:spPr>
-          <a:xfrm rot="16200000" flipV="1">
-            <a:off x="761283" y="4280931"/>
-            <a:ext cx="693693" cy="2074"/>
-          </a:xfrm>
-          <a:prstGeom prst="straightConnector1">
-            <a:avLst/>
-          </a:prstGeom>
-          <a:ln w="12700">
-            <a:solidFill>
-              <a:srgbClr val="545B64"/>
-            </a:solidFill>
-            <a:headEnd type="none" w="med" len="sm"/>
-            <a:tailEnd type="arrow" w="med" len="sm"/>
-          </a:ln>
-        </p:spPr>
-        <p:style>
-          <a:lnRef idx="1">
-            <a:schemeClr val="accent1"/>
-          </a:lnRef>
-          <a:fillRef idx="0">
-            <a:schemeClr val="accent1"/>
-          </a:fillRef>
-          <a:effectRef idx="0">
-            <a:schemeClr val="accent1"/>
-          </a:effectRef>
-          <a:fontRef idx="minor">
-            <a:schemeClr val="tx1"/>
-          </a:fontRef>
-        </p:style>
-      </p:cxnSp>
-      <p:pic>
-        <p:nvPicPr>
-          <p:cNvPr id="53" name="Graphic 35">
-            <a:extLst>
-              <a:ext uri="{FF2B5EF4-FFF2-40B4-BE49-F238E27FC236}">
-                <a16:creationId xmlns:a16="http://schemas.microsoft.com/office/drawing/2014/main" id="{FCFF7772-204F-426B-8D57-837EC0388BEE}"/>
-              </a:ext>
-            </a:extLst>
-          </p:cNvPr>
-          <p:cNvPicPr>
-            <a:picLocks noChangeAspect="1" noChangeArrowheads="1"/>
-          </p:cNvPicPr>
-          <p:nvPr/>
-        </p:nvPicPr>
-        <p:blipFill rotWithShape="1">
-          <a:blip r:embed="rId20" cstate="print"/>
-          <a:srcRect/>
-          <a:stretch>
-            <a:fillRect/>
-          </a:stretch>
-        </p:blipFill>
-        <p:spPr>
-          <a:xfrm>
-            <a:off x="7936010" y="1888307"/>
-            <a:ext cx="457200" cy="457200"/>
-          </a:xfrm>
-          <a:prstGeom prst="rect">
-            <a:avLst/>
-          </a:prstGeom>
-          <a:noFill/>
-          <a:ln>
-            <a:noFill/>
-          </a:ln>
-        </p:spPr>
-      </p:pic>
-      <p:pic>
-        <p:nvPicPr>
-          <p:cNvPr id="32" name="Graphic 53"/>
-          <p:cNvPicPr>
-            <a:picLocks noChangeAspect="1" noChangeArrowheads="1"/>
-          </p:cNvPicPr>
-          <p:nvPr/>
-        </p:nvPicPr>
-        <p:blipFill rotWithShape="1">
-          <a:blip r:embed="rId21" cstate="print"/>
-          <a:srcRect/>
-          <a:stretch>
-            <a:fillRect/>
-          </a:stretch>
-        </p:blipFill>
-        <p:spPr>
-          <a:xfrm>
-            <a:off x="8987647" y="2327672"/>
-            <a:ext cx="457200" cy="457200"/>
-          </a:xfrm>
-          <a:prstGeom prst="rect">
-            <a:avLst/>
-          </a:prstGeom>
-          <a:noFill/>
-          <a:ln>
-            <a:noFill/>
-          </a:ln>
-        </p:spPr>
-      </p:pic>
-      <p:pic>
-        <p:nvPicPr>
-          <p:cNvPr id="58" name="Graphic 60">
-            <a:extLst>
-              <a:ext uri="{FF2B5EF4-FFF2-40B4-BE49-F238E27FC236}">
-                <a16:creationId xmlns:a16="http://schemas.microsoft.com/office/drawing/2014/main" id="{209B7853-9A8D-4C53-AF9F-7E71BC77171E}"/>
-              </a:ext>
-            </a:extLst>
-          </p:cNvPr>
-          <p:cNvPicPr>
-            <a:picLocks noChangeAspect="1" noChangeArrowheads="1"/>
-          </p:cNvPicPr>
-          <p:nvPr/>
-        </p:nvPicPr>
-        <p:blipFill rotWithShape="1">
-          <a:blip r:embed="rId13" cstate="print"/>
-          <a:srcRect/>
-          <a:stretch>
-            <a:fillRect/>
-          </a:stretch>
-        </p:blipFill>
-        <p:spPr>
-          <a:xfrm>
-            <a:off x="5667696" y="5320051"/>
-            <a:ext cx="457200" cy="457200"/>
-          </a:xfrm>
-          <a:prstGeom prst="rect">
-            <a:avLst/>
-          </a:prstGeom>
-          <a:noFill/>
-          <a:ln>
-            <a:noFill/>
-          </a:ln>
-        </p:spPr>
-      </p:pic>
-      <p:cxnSp>
-        <p:nvCxnSpPr>
-          <p:cNvPr id="50" name="Straight Arrow Connector 8">
-            <a:extLst>
-              <a:ext uri="{FF2B5EF4-FFF2-40B4-BE49-F238E27FC236}">
-                <a16:creationId xmlns:a16="http://schemas.microsoft.com/office/drawing/2014/main" id="{E2EB1470-3316-4AD0-A03F-491A414937D1}"/>
-              </a:ext>
-            </a:extLst>
-          </p:cNvPr>
-          <p:cNvCxnSpPr>
-            <a:cxnSpLocks/>
-            <a:endCxn id="42" idx="1"/>
-          </p:cNvCxnSpPr>
-          <p:nvPr/>
-        </p:nvCxnSpPr>
-        <p:spPr>
-          <a:xfrm flipV="1">
-            <a:off x="3457761" y="3725280"/>
-            <a:ext cx="3395287" cy="45"/>
-          </a:xfrm>
-          <a:prstGeom prst="straightConnector1">
-            <a:avLst/>
-          </a:prstGeom>
-          <a:ln w="12700">
-            <a:solidFill>
-              <a:srgbClr val="545B64"/>
-            </a:solidFill>
-            <a:headEnd type="none" w="med" len="sm"/>
-            <a:tailEnd type="arrow" w="med" len="sm"/>
-          </a:ln>
-        </p:spPr>
-        <p:style>
-          <a:lnRef idx="1">
-            <a:schemeClr val="accent1"/>
-          </a:lnRef>
-          <a:fillRef idx="0">
-            <a:schemeClr val="accent1"/>
-          </a:fillRef>
-          <a:effectRef idx="0">
-            <a:schemeClr val="accent1"/>
-          </a:effectRef>
-          <a:fontRef idx="minor">
-            <a:schemeClr val="tx1"/>
-          </a:fontRef>
-        </p:style>
-      </p:cxnSp>
-      <p:cxnSp>
-        <p:nvCxnSpPr>
-          <p:cNvPr id="72" name="Elbow Connector 18">
-            <a:extLst>
-              <a:ext uri="{FF2B5EF4-FFF2-40B4-BE49-F238E27FC236}">
-                <a16:creationId xmlns:a16="http://schemas.microsoft.com/office/drawing/2014/main" id="{76575C21-7F57-4866-93FD-D7909E1F880F}"/>
-              </a:ext>
-            </a:extLst>
-          </p:cNvPr>
-          <p:cNvCxnSpPr>
-            <a:cxnSpLocks/>
-            <a:stCxn id="26" idx="2"/>
-            <a:endCxn id="15" idx="0"/>
-          </p:cNvCxnSpPr>
-          <p:nvPr/>
-        </p:nvCxnSpPr>
-        <p:spPr>
-          <a:xfrm rot="5400000">
-            <a:off x="6348371" y="4111114"/>
-            <a:ext cx="303489" cy="1156833"/>
-          </a:xfrm>
-          <a:prstGeom prst="bentConnector3">
-            <a:avLst>
-              <a:gd name="adj1" fmla="val 50000"/>
-            </a:avLst>
-          </a:prstGeom>
-          <a:ln w="12700">
-            <a:solidFill>
-              <a:schemeClr val="tx2"/>
-            </a:solidFill>
-            <a:headEnd type="none" w="med" len="sm"/>
-            <a:tailEnd type="arrow" w="med" len="sm"/>
-          </a:ln>
-        </p:spPr>
-        <p:style>
-          <a:lnRef idx="1">
-            <a:schemeClr val="accent1"/>
-          </a:lnRef>
-          <a:fillRef idx="0">
-            <a:schemeClr val="accent1"/>
-          </a:fillRef>
-          <a:effectRef idx="0">
-            <a:schemeClr val="accent1"/>
-          </a:effectRef>
-          <a:fontRef idx="minor">
-            <a:schemeClr val="tx1"/>
-          </a:fontRef>
-        </p:style>
-      </p:cxnSp>
-      <p:cxnSp>
-        <p:nvCxnSpPr>
-          <p:cNvPr id="64" name="Straight Arrow Connector 17">
-            <a:extLst>
-              <a:ext uri="{FF2B5EF4-FFF2-40B4-BE49-F238E27FC236}">
-                <a16:creationId xmlns:a16="http://schemas.microsoft.com/office/drawing/2014/main" id="{5A9D33BB-F7AF-C044-9BA5-6F98953C5C41}"/>
-              </a:ext>
-            </a:extLst>
-          </p:cNvPr>
-          <p:cNvCxnSpPr>
-            <a:stCxn id="26" idx="0"/>
-            <a:endCxn id="42" idx="2"/>
-          </p:cNvCxnSpPr>
-          <p:nvPr/>
-        </p:nvCxnSpPr>
-        <p:spPr>
-          <a:xfrm rot="5400000" flipH="1" flipV="1">
-            <a:off x="7016736" y="4015675"/>
-            <a:ext cx="126706" cy="3117"/>
-          </a:xfrm>
-          <a:prstGeom prst="straightConnector1">
-            <a:avLst/>
-          </a:prstGeom>
-          <a:ln w="12700">
-            <a:solidFill>
-              <a:schemeClr val="tx2"/>
-            </a:solidFill>
-            <a:headEnd type="arrow" w="med" len="sm"/>
-            <a:tailEnd type="none" w="med" len="sm"/>
-          </a:ln>
-        </p:spPr>
-        <p:style>
-          <a:lnRef idx="1">
-            <a:schemeClr val="accent1"/>
-          </a:lnRef>
-          <a:fillRef idx="0">
-            <a:schemeClr val="accent1"/>
-          </a:fillRef>
-          <a:effectRef idx="0">
-            <a:schemeClr val="accent1"/>
-          </a:effectRef>
-          <a:fontRef idx="minor">
-            <a:schemeClr val="tx1"/>
-          </a:fontRef>
-        </p:style>
-      </p:cxnSp>
-      <p:sp>
-        <p:nvSpPr>
-          <p:cNvPr id="70" name="Rectangle 32">
-            <a:extLst>
-              <a:ext uri="{FF2B5EF4-FFF2-40B4-BE49-F238E27FC236}">
-                <a16:creationId xmlns:a16="http://schemas.microsoft.com/office/drawing/2014/main" id="{D5377BF9-AF75-4EBE-AC31-8C28D943A194}"/>
-              </a:ext>
-            </a:extLst>
-          </p:cNvPr>
-          <p:cNvSpPr/>
-          <p:nvPr/>
-        </p:nvSpPr>
-        <p:spPr>
-          <a:xfrm>
-            <a:off x="7575656" y="4850239"/>
-            <a:ext cx="2120794" cy="1203987"/>
-          </a:xfrm>
-          <a:prstGeom prst="rect">
-            <a:avLst/>
-          </a:prstGeom>
-          <a:solidFill>
-            <a:srgbClr val="1D8900">
-              <a:alpha val="9800"/>
-            </a:srgbClr>
-          </a:solidFill>
-          <a:ln w="12700">
-            <a:noFill/>
-            <a:prstDash val="dash"/>
-          </a:ln>
-        </p:spPr>
-        <p:style>
-          <a:lnRef idx="2">
-            <a:schemeClr val="accent1">
-              <a:shade val="50000"/>
-            </a:schemeClr>
-          </a:lnRef>
-          <a:fillRef idx="1">
-            <a:schemeClr val="accent1"/>
-          </a:fillRef>
-          <a:effectRef idx="0">
-            <a:schemeClr val="accent1"/>
-          </a:effectRef>
-          <a:fontRef idx="minor">
-            <a:schemeClr val="lt1"/>
-          </a:fontRef>
-        </p:style>
-        <p:txBody>
-          <a:bodyPr lIns="502920" tIns="45720" rIns="91440" bIns="45720" anchor="t"/>
-          <a:lstStyle/>
-          <a:p>
-            <a:pPr>
-              <a:defRPr/>
-            </a:pPr>
-            <a:r>
-              <a:rPr lang="en-US" sz="1200" dirty="0">
-                <a:solidFill>
-                  <a:srgbClr val="1E8900"/>
-                </a:solidFill>
-                <a:latin typeface="Arial"/>
-                <a:ea typeface="+mn-ea"/>
-                <a:cs typeface="Arial"/>
-              </a:rPr>
-              <a:t>Public subnet</a:t>
-            </a:r>
-            <a:r>
-              <a:rPr lang="en-US" sz="1200" dirty="0">
-                <a:solidFill>
-                  <a:srgbClr val="1E8900"/>
-                </a:solidFill>
-                <a:latin typeface="Arial"/>
-                <a:cs typeface="Arial"/>
-              </a:rPr>
-              <a:t> - WEB</a:t>
-            </a:r>
-            <a:endParaRPr lang="en-US" sz="1200" dirty="0">
-              <a:solidFill>
-                <a:srgbClr val="1E8900"/>
-              </a:solidFill>
-              <a:latin typeface="Arial"/>
-              <a:ea typeface="+mn-ea"/>
-              <a:cs typeface="Arial"/>
-            </a:endParaRPr>
-          </a:p>
-        </p:txBody>
-      </p:sp>
-      <p:pic>
-        <p:nvPicPr>
-          <p:cNvPr id="73" name="Graphic 19">
-            <a:extLst>
-              <a:ext uri="{FF2B5EF4-FFF2-40B4-BE49-F238E27FC236}">
-                <a16:creationId xmlns:a16="http://schemas.microsoft.com/office/drawing/2014/main" id="{AA48A2D6-FE84-43A6-A9B4-8579EBA19D07}"/>
-              </a:ext>
-            </a:extLst>
-          </p:cNvPr>
-          <p:cNvPicPr>
-            <a:picLocks noChangeAspect="1"/>
-          </p:cNvPicPr>
-          <p:nvPr/>
-        </p:nvPicPr>
-        <p:blipFill rotWithShape="1">
-          <a:blip r:embed="rId8" cstate="print"/>
-          <a:stretch>
-            <a:fillRect/>
-          </a:stretch>
-        </p:blipFill>
-        <p:spPr>
-          <a:xfrm>
-            <a:off x="7575708" y="4850919"/>
-            <a:ext cx="381000" cy="381000"/>
-          </a:xfrm>
-          <a:prstGeom prst="rect">
-            <a:avLst/>
-          </a:prstGeom>
-        </p:spPr>
-      </p:pic>
-      <p:cxnSp>
-        <p:nvCxnSpPr>
-          <p:cNvPr id="88" name="Elbow Connector 18">
-            <a:extLst>
-              <a:ext uri="{FF2B5EF4-FFF2-40B4-BE49-F238E27FC236}">
-                <a16:creationId xmlns:a16="http://schemas.microsoft.com/office/drawing/2014/main" id="{76575C21-7F57-4866-93FD-D7909E1F880F}"/>
-              </a:ext>
-            </a:extLst>
-          </p:cNvPr>
-          <p:cNvCxnSpPr>
-            <a:cxnSpLocks/>
-            <a:stCxn id="26" idx="2"/>
-            <a:endCxn id="70" idx="0"/>
-          </p:cNvCxnSpPr>
-          <p:nvPr/>
-        </p:nvCxnSpPr>
-        <p:spPr>
-          <a:xfrm rot="16200000" flipH="1">
-            <a:off x="7701066" y="3915251"/>
-            <a:ext cx="312453" cy="1557522"/>
-          </a:xfrm>
-          <a:prstGeom prst="bentConnector3">
-            <a:avLst>
-              <a:gd name="adj1" fmla="val 50000"/>
-            </a:avLst>
-          </a:prstGeom>
-          <a:ln w="12700">
-            <a:solidFill>
-              <a:schemeClr val="tx2"/>
-            </a:solidFill>
-            <a:headEnd type="none" w="med" len="sm"/>
-            <a:tailEnd type="arrow" w="med" len="sm"/>
-          </a:ln>
-        </p:spPr>
-        <p:style>
-          <a:lnRef idx="1">
-            <a:schemeClr val="accent1"/>
-          </a:lnRef>
-          <a:fillRef idx="0">
-            <a:schemeClr val="accent1"/>
-          </a:fillRef>
-          <a:effectRef idx="0">
-            <a:schemeClr val="accent1"/>
-          </a:effectRef>
-          <a:fontRef idx="minor">
-            <a:schemeClr val="tx1"/>
-          </a:fontRef>
-        </p:style>
-      </p:cxnSp>
-      <p:cxnSp>
-        <p:nvCxnSpPr>
-          <p:cNvPr id="93" name="Straight Arrow Connector 7">
-            <a:extLst>
-              <a:ext uri="{FF2B5EF4-FFF2-40B4-BE49-F238E27FC236}">
-                <a16:creationId xmlns:a16="http://schemas.microsoft.com/office/drawing/2014/main" id="{355F1620-709A-6C4D-A2F6-D3178E2AF71A}"/>
-              </a:ext>
-            </a:extLst>
-          </p:cNvPr>
-          <p:cNvCxnSpPr>
-            <a:stCxn id="17" idx="3"/>
-            <a:endCxn id="95" idx="1"/>
-          </p:cNvCxnSpPr>
-          <p:nvPr/>
-        </p:nvCxnSpPr>
-        <p:spPr>
-          <a:xfrm flipV="1">
-            <a:off x="7772400" y="2512878"/>
-            <a:ext cx="753020" cy="6485"/>
-          </a:xfrm>
-          <a:prstGeom prst="straightConnector1">
-            <a:avLst/>
-          </a:prstGeom>
-          <a:ln w="12700">
-            <a:solidFill>
-              <a:srgbClr val="545B64"/>
-            </a:solidFill>
-            <a:headEnd type="none" w="med" len="sm"/>
-            <a:tailEnd type="none" w="med" len="sm"/>
-          </a:ln>
-        </p:spPr>
-        <p:style>
-          <a:lnRef idx="1">
-            <a:schemeClr val="accent1"/>
-          </a:lnRef>
-          <a:fillRef idx="0">
-            <a:schemeClr val="accent1"/>
-          </a:fillRef>
-          <a:effectRef idx="0">
-            <a:schemeClr val="accent1"/>
-          </a:effectRef>
-          <a:fontRef idx="minor">
-            <a:schemeClr val="tx1"/>
-          </a:fontRef>
-        </p:style>
-      </p:cxnSp>
-      <p:pic>
-        <p:nvPicPr>
-          <p:cNvPr id="94" name="Graphic 60"/>
-          <p:cNvPicPr>
-            <a:picLocks noChangeAspect="1" noChangeArrowheads="1"/>
-          </p:cNvPicPr>
-          <p:nvPr/>
-        </p:nvPicPr>
-        <p:blipFill rotWithShape="1">
-          <a:blip r:embed="rId13" cstate="print"/>
-          <a:srcRect/>
-          <a:stretch>
-            <a:fillRect/>
-          </a:stretch>
-        </p:blipFill>
-        <p:spPr>
-          <a:xfrm>
-            <a:off x="5696271" y="2312165"/>
-            <a:ext cx="457200" cy="457200"/>
-          </a:xfrm>
-          <a:prstGeom prst="rect">
-            <a:avLst/>
-          </a:prstGeom>
-          <a:noFill/>
-          <a:ln>
-            <a:noFill/>
-          </a:ln>
-        </p:spPr>
-      </p:pic>
-      <p:sp>
-        <p:nvSpPr>
-          <p:cNvPr id="95" name="Rectangle 7"/>
-          <p:cNvSpPr/>
-          <p:nvPr/>
-        </p:nvSpPr>
-        <p:spPr>
-          <a:xfrm>
-            <a:off x="8525420" y="1863456"/>
-            <a:ext cx="2390230" cy="1298844"/>
-          </a:xfrm>
-          <a:prstGeom prst="rect">
-            <a:avLst/>
-          </a:prstGeom>
-          <a:solidFill>
-            <a:srgbClr val="007CBC">
-              <a:alpha val="9800"/>
-            </a:srgbClr>
-          </a:solidFill>
-          <a:ln w="12700">
-            <a:noFill/>
-            <a:prstDash val="dash"/>
-          </a:ln>
-        </p:spPr>
-        <p:style>
-          <a:lnRef idx="2">
-            <a:schemeClr val="accent1">
-              <a:shade val="50000"/>
-            </a:schemeClr>
-          </a:lnRef>
-          <a:fillRef idx="1">
-            <a:schemeClr val="accent1"/>
-          </a:fillRef>
-          <a:effectRef idx="0">
-            <a:schemeClr val="accent1"/>
-          </a:effectRef>
-          <a:fontRef idx="minor">
-            <a:schemeClr val="lt1"/>
-          </a:fontRef>
-        </p:style>
-        <p:txBody>
-          <a:bodyPr lIns="502920" tIns="45720" rIns="91440" bIns="45720" anchor="t"/>
-          <a:lstStyle/>
-          <a:p>
-            <a:pPr>
-              <a:defRPr/>
-            </a:pPr>
-            <a:r>
-              <a:rPr lang="en-US" sz="1200" dirty="0">
-                <a:solidFill>
-                  <a:srgbClr val="5B9CD5"/>
-                </a:solidFill>
-                <a:latin typeface="Arial"/>
-                <a:ea typeface="+mn-ea"/>
-                <a:cs typeface="Arial"/>
-              </a:rPr>
-              <a:t>Private </a:t>
-            </a:r>
-            <a:r>
-              <a:rPr lang="en-US" sz="1200" dirty="0">
-                <a:solidFill>
-                  <a:srgbClr val="5B9CD5"/>
-                </a:solidFill>
-                <a:latin typeface="Arial"/>
-                <a:cs typeface="Arial"/>
-              </a:rPr>
-              <a:t>subnet – RDS</a:t>
-            </a:r>
-            <a:endParaRPr lang="en-US" sz="1200" dirty="0">
-              <a:solidFill>
-                <a:srgbClr val="5B9CD5"/>
-              </a:solidFill>
-              <a:latin typeface="Arial"/>
-              <a:ea typeface="+mn-ea"/>
-              <a:cs typeface="Arial"/>
-            </a:endParaRPr>
-          </a:p>
-        </p:txBody>
-      </p:sp>
-      <p:pic>
-        <p:nvPicPr>
-          <p:cNvPr id="96" name="Graphic 21"/>
-          <p:cNvPicPr>
-            <a:picLocks noChangeAspect="1"/>
-          </p:cNvPicPr>
-          <p:nvPr/>
-        </p:nvPicPr>
-        <p:blipFill rotWithShape="1">
-          <a:blip r:embed="rId22" cstate="print"/>
-          <a:stretch>
-            <a:fillRect/>
-          </a:stretch>
-        </p:blipFill>
-        <p:spPr>
-          <a:xfrm>
-            <a:off x="8523428" y="1854371"/>
-            <a:ext cx="354969" cy="354969"/>
-          </a:xfrm>
-          <a:prstGeom prst="rect">
-            <a:avLst/>
-          </a:prstGeom>
-        </p:spPr>
-      </p:pic>
-      <p:cxnSp>
-        <p:nvCxnSpPr>
-          <p:cNvPr id="99" name="Straight Arrow Connector 17">
-            <a:extLst>
-              <a:ext uri="{FF2B5EF4-FFF2-40B4-BE49-F238E27FC236}">
-                <a16:creationId xmlns:a16="http://schemas.microsoft.com/office/drawing/2014/main" id="{5A9D33BB-F7AF-C044-9BA5-6F98953C5C41}"/>
-              </a:ext>
-            </a:extLst>
-          </p:cNvPr>
-          <p:cNvCxnSpPr>
-            <a:endCxn id="42" idx="0"/>
-          </p:cNvCxnSpPr>
-          <p:nvPr/>
-        </p:nvCxnSpPr>
-        <p:spPr>
-          <a:xfrm rot="16200000" flipH="1">
-            <a:off x="6931221" y="3346253"/>
-            <a:ext cx="296280" cy="4573"/>
-          </a:xfrm>
-          <a:prstGeom prst="straightConnector1">
-            <a:avLst/>
-          </a:prstGeom>
-          <a:ln w="12700">
-            <a:solidFill>
-              <a:schemeClr val="tx2"/>
-            </a:solidFill>
-            <a:headEnd type="arrow" w="med" len="sm"/>
-            <a:tailEnd type="none" w="med" len="sm"/>
-          </a:ln>
-        </p:spPr>
-        <p:style>
-          <a:lnRef idx="1">
-            <a:schemeClr val="accent1"/>
-          </a:lnRef>
-          <a:fillRef idx="0">
-            <a:schemeClr val="accent1"/>
-          </a:fillRef>
-          <a:effectRef idx="0">
-            <a:schemeClr val="accent1"/>
-          </a:effectRef>
-          <a:fontRef idx="minor">
-            <a:schemeClr val="tx1"/>
-          </a:fontRef>
-        </p:style>
-      </p:cxnSp>
-      <p:cxnSp>
-        <p:nvCxnSpPr>
-          <p:cNvPr id="105" name="Straight Arrow Connector 7">
-            <a:extLst>
-              <a:ext uri="{FF2B5EF4-FFF2-40B4-BE49-F238E27FC236}">
-                <a16:creationId xmlns:a16="http://schemas.microsoft.com/office/drawing/2014/main" id="{355F1620-709A-6C4D-A2F6-D3178E2AF71A}"/>
-              </a:ext>
-            </a:extLst>
-          </p:cNvPr>
-          <p:cNvCxnSpPr>
-            <a:stCxn id="53" idx="2"/>
-          </p:cNvCxnSpPr>
-          <p:nvPr/>
-        </p:nvCxnSpPr>
-        <p:spPr>
-          <a:xfrm rot="5400000">
-            <a:off x="8083984" y="2424449"/>
-            <a:ext cx="159568" cy="1685"/>
-          </a:xfrm>
-          <a:prstGeom prst="straightConnector1">
-            <a:avLst/>
-          </a:prstGeom>
-          <a:ln w="12700">
-            <a:solidFill>
-              <a:srgbClr val="545B64"/>
-            </a:solidFill>
-            <a:headEnd type="none" w="med" len="sm"/>
-            <a:tailEnd type="none" w="med" len="sm"/>
-          </a:ln>
-        </p:spPr>
-        <p:style>
-          <a:lnRef idx="1">
-            <a:schemeClr val="accent1"/>
-          </a:lnRef>
-          <a:fillRef idx="0">
-            <a:schemeClr val="accent1"/>
-          </a:fillRef>
-          <a:effectRef idx="0">
-            <a:schemeClr val="accent1"/>
-          </a:effectRef>
-          <a:fontRef idx="minor">
-            <a:schemeClr val="tx1"/>
-          </a:fontRef>
-        </p:style>
-      </p:cxnSp>
-    </p:spTree>
-    <p:extLst>
-      <p:ext uri="{BB962C8B-B14F-4D97-AF65-F5344CB8AC3E}">
-        <p14:creationId xmlns:p14="http://schemas.microsoft.com/office/powerpoint/2010/main" val="4264483797"/>
-      </p:ext>
-    </p:extLst>
-  </p:cSld>
-  <p:clrMapOvr>
-    <a:masterClrMapping/>
-  </p:clrMapOvr>
-  <p:transition/>
-</p:sld>
-</file>
-
-<file path=ppt/slides/slide9.xml><?xml version="1.0" encoding="utf-8"?>
-<p:sld xmlns:r="http://schemas.openxmlformats.org/officeDocument/2006/relationships" xmlns:c="http://schemas.openxmlformats.org/drawingml/2006/chart" xmlns:a="http://schemas.openxmlformats.org/drawingml/2006/main" xmlns:dgm="http://schemas.openxmlformats.org/drawingml/2006/diagram" xmlns:dsp="http://schemas.microsoft.com/office/drawing/2008/diagram" xmlns:p="http://schemas.openxmlformats.org/presentationml/2006/main">
-  <p:cSld>
-    <p:spTree>
-      <p:nvGrpSpPr>
-        <p:cNvPr id="1" name=""/>
-        <p:cNvGrpSpPr/>
-        <p:nvPr/>
-      </p:nvGrpSpPr>
-      <p:grpSpPr>
-        <a:xfrm>
-          <a:off x="0" y="0"/>
-          <a:ext cx="0" cy="0"/>
-          <a:chOff x="0" y="0"/>
-          <a:chExt cx="0" cy="0"/>
-        </a:xfrm>
-      </p:grpSpPr>
-      <p:sp>
-        <p:nvSpPr>
-          <p:cNvPr id="4" name="TextBox 3"/>
-          <p:cNvSpPr txBox="1"/>
-          <p:nvPr/>
-        </p:nvSpPr>
-        <p:spPr>
-          <a:xfrm>
-            <a:off x="9977718" y="403412"/>
-            <a:ext cx="1694329" cy="369332"/>
-          </a:xfrm>
-          <a:prstGeom prst="rect">
-            <a:avLst/>
-          </a:prstGeom>
-          <a:noFill/>
-        </p:spPr>
-        <p:txBody>
-          <a:bodyPr rot="0" vert="horz" wrap="square" lIns="91440" tIns="45720" rIns="91440" bIns="45720" anchor="t" anchorCtr="0">
-            <a:prstTxWarp prst="textNoShape">
-              <a:avLst/>
-            </a:prstTxWarp>
-            <a:spAutoFit/>
-          </a:bodyPr>
-          <a:lstStyle/>
-          <a:p>
-            <a:pPr lvl="0">
-              <a:defRPr/>
-            </a:pPr>
-            <a:r>
-              <a:rPr lang="ko-KR" altLang="en-US">
-                <a:ea typeface="맑은 고딕"/>
-              </a:rPr>
-              <a:t>AWS 추가사항</a:t>
-            </a:r>
-            <a:endParaRPr lang="ko-KR" altLang="en-US"/>
-          </a:p>
-        </p:txBody>
-      </p:sp>
-      <p:pic>
-        <p:nvPicPr>
-          <p:cNvPr id="5" name="그림 5"/>
-          <p:cNvPicPr>
-            <a:picLocks noChangeAspect="1"/>
-          </p:cNvPicPr>
-          <p:nvPr/>
-        </p:nvPicPr>
-        <p:blipFill rotWithShape="1">
-          <a:blip r:embed="rId2"/>
-          <a:stretch>
-            <a:fillRect/>
-          </a:stretch>
-        </p:blipFill>
-        <p:spPr>
-          <a:xfrm>
-            <a:off x="1013579" y="984166"/>
-            <a:ext cx="1631577" cy="1314226"/>
-          </a:xfrm>
-          <a:prstGeom prst="rect">
-            <a:avLst/>
-          </a:prstGeom>
-        </p:spPr>
-      </p:pic>
-      <p:pic>
-        <p:nvPicPr>
-          <p:cNvPr id="2" name="그림 2"/>
-          <p:cNvPicPr>
-            <a:picLocks noChangeAspect="1"/>
-          </p:cNvPicPr>
-          <p:nvPr/>
-        </p:nvPicPr>
-        <p:blipFill rotWithShape="1">
-          <a:blip r:embed="rId3"/>
-          <a:stretch>
-            <a:fillRect/>
-          </a:stretch>
-        </p:blipFill>
-        <p:spPr>
-          <a:xfrm>
-            <a:off x="4746190" y="1269626"/>
-            <a:ext cx="6883167" cy="3560196"/>
-          </a:xfrm>
-          <a:prstGeom prst="rect">
-            <a:avLst/>
-          </a:prstGeom>
-        </p:spPr>
-      </p:pic>
-      <p:sp>
-        <p:nvSpPr>
-          <p:cNvPr id="3" name="TextBox 2"/>
-          <p:cNvSpPr txBox="1"/>
-          <p:nvPr/>
-        </p:nvSpPr>
-        <p:spPr>
-          <a:xfrm>
-            <a:off x="1271286" y="2332298"/>
-            <a:ext cx="2743199" cy="369332"/>
-          </a:xfrm>
-          <a:prstGeom prst="rect">
-            <a:avLst/>
-          </a:prstGeom>
-          <a:noFill/>
-        </p:spPr>
-        <p:txBody>
-          <a:bodyPr rot="0" vert="horz" wrap="square" lIns="91440" tIns="45720" rIns="91440" bIns="45720" anchor="t" anchorCtr="0">
-            <a:prstTxWarp prst="textNoShape">
-              <a:avLst/>
-            </a:prstTxWarp>
-            <a:spAutoFit/>
-          </a:bodyPr>
-          <a:lstStyle/>
-          <a:p>
-            <a:pPr lvl="0">
-              <a:defRPr/>
-            </a:pPr>
-            <a:r>
-              <a:rPr lang="ko-KR" altLang="en-US">
-                <a:ea typeface="맑은 고딕"/>
-                <a:cs typeface="Calibri"/>
-              </a:rPr>
-              <a:t>Ver 2.335</a:t>
-            </a:r>
-            <a:endParaRPr lang="ko-KR" altLang="en-US">
-              <a:ea typeface="맑은 고딕"/>
-              <a:cs typeface="Calibri"/>
-            </a:endParaRPr>
-          </a:p>
-        </p:txBody>
-      </p:sp>
-    </p:spTree>
-  </p:cSld>
-  <p:clrMapOvr>
-    <a:masterClrMapping/>
-  </p:clrMapOvr>
-  <mc:AlternateContent xmlns:mc="http://schemas.openxmlformats.org/markup-compatibility/2006">
-    <mc:Choice xmlns:p14="http://schemas.microsoft.com/office/powerpoint/2010/main" Requires="p14">
-      <p:transition xmlns:mc="http://schemas.openxmlformats.org/markup-compatibility/2006" xmlns:p14="http://schemas.microsoft.com/office/powerpoint/2010/main" mc:Ignorable="p14" p14:dur="500"/>
-    </mc:Choice>
-    <mc:Fallback>
-      <p:transition/>
-    </mc:Fallback>
-  </mc:AlternateContent>
 </p:sld>
 </file>
 

--- a/06-최종산출물/AWS 구성도 ver 0.1.pptx
+++ b/06-최종산출물/AWS 구성도 ver 0.1.pptx
@@ -2,7 +2,7 @@
 <file path=ppt/presentation.xml><?xml version="1.0" encoding="utf-8"?>
 <p:presentation xmlns:r="http://schemas.openxmlformats.org/officeDocument/2006/relationships" xmlns:c="http://schemas.openxmlformats.org/drawingml/2006/chart" xmlns:a="http://schemas.openxmlformats.org/drawingml/2006/main" xmlns:dgm="http://schemas.openxmlformats.org/drawingml/2006/diagram" xmlns:dsp="http://schemas.microsoft.com/office/drawing/2008/diagram" xmlns:p="http://schemas.openxmlformats.org/presentationml/2006/main">
   <p:sldMasterIdLst>
-    <p:sldMasterId id="2147483729" r:id="rId1"/>
+    <p:sldMasterId id="2147483718" r:id="rId1"/>
   </p:sldMasterIdLst>
   <p:notesMasterIdLst>
     <p:notesMasterId r:id="rId2"/>
@@ -214,7 +214,7 @@
               <a:pPr lvl="0">
                 <a:defRPr/>
               </a:pPr>
-              <a:t>2022-03-12</a:t>
+              <a:t>2022-03-14</a:t>
             </a:fld>
             <a:endParaRPr lang="ko-KR" altLang="en-US"/>
           </a:p>
@@ -568,10 +568,10 @@
               <a:defRPr/>
             </a:pPr>
             <a:r>
-              <a:rPr lang="en-US" altLang="ko-KR"/>
+              <a:rPr lang="ko-KR" altLang="en-US"/>
               <a:t/>
             </a:r>
-            <a:endParaRPr lang="en-US" altLang="ko-KR"/>
+            <a:endParaRPr lang="ko-KR" altLang="en-US"/>
           </a:p>
         </p:txBody>
       </p:sp>
@@ -9303,7 +9303,7 @@
         <p:spPr>
           <a:xfrm>
             <a:off x="3723030" y="1465553"/>
-            <a:ext cx="7783170" cy="4640067"/>
+            <a:ext cx="5345890" cy="1963447"/>
           </a:xfrm>
           <a:prstGeom prst="rect">
             <a:avLst/>
@@ -10856,7 +10856,7 @@
         <p:spPr>
           <a:xfrm>
             <a:off x="8145740" y="2532527"/>
-            <a:ext cx="1223308" cy="643742"/>
+            <a:ext cx="1484780" cy="637393"/>
           </a:xfrm>
           <a:prstGeom prst="rect">
             <a:avLst/>
@@ -10872,7 +10872,7 @@
             </a:pPr>
             <a:r>
               <a:rPr lang="ko-KR" altLang="en-US"/>
-              <a:t>유저</a:t>
+              <a:t>안드로이드</a:t>
             </a:r>
             <a:endParaRPr lang="ko-KR" altLang="en-US"/>
           </a:p>
@@ -10975,7 +10975,7 @@
         <p:spPr>
           <a:xfrm>
             <a:off x="3853141" y="2507501"/>
-            <a:ext cx="952500" cy="643369"/>
+            <a:ext cx="952500" cy="910069"/>
           </a:xfrm>
           <a:prstGeom prst="rect">
             <a:avLst/>
@@ -10993,6 +10993,14 @@
             <a:r>
               <a:rPr lang="ko-KR" altLang="en-US"/>
               <a:t>관리자</a:t>
+            </a:r>
+            <a:r>
+              <a:rPr lang="en-US" altLang="ko-KR"/>
+              <a:t>+</a:t>
+            </a:r>
+            <a:r>
+              <a:rPr lang="ko-KR" altLang="en-US"/>
+              <a:t>유저</a:t>
             </a:r>
             <a:endParaRPr lang="ko-KR" altLang="en-US"/>
           </a:p>
